--- a/docs/namelist_changes.pptx
+++ b/docs/namelist_changes.pptx
@@ -3074,8 +3074,8 @@
         </p:nvSpPr>
         <p:spPr>
           <a:xfrm>
-            <a:off x="1061012" y="1633185"/>
-            <a:ext cx="10069975" cy="830997"/>
+            <a:off x="1061012" y="1666353"/>
+            <a:ext cx="10069975" cy="461665"/>
           </a:xfrm>
           <a:prstGeom prst="rect">
             <a:avLst/>
@@ -3089,28 +3089,8 @@
           <a:lstStyle/>
           <a:p>
             <a:r>
-              <a:rPr lang="tr-TR" sz="2400" b="1" dirty="0" err="1">
-                <a:solidFill>
-                  <a:srgbClr val="00B0F0"/>
-                </a:solidFill>
-              </a:rPr>
-              <a:t>choose</a:t>
-            </a:r>
-            <a:r>
-              <a:rPr lang="tr-TR" sz="2400" b="1" dirty="0">
-                <a:solidFill>
-                  <a:srgbClr val="00B0F0"/>
-                </a:solidFill>
-              </a:rPr>
-              <a:t>_ </a:t>
-            </a:r>
-            <a:r>
-              <a:rPr lang="tr-TR" sz="2400" b="1" dirty="0" err="1">
-                <a:solidFill>
-                  <a:srgbClr val="00B0F0"/>
-                </a:solidFill>
-              </a:rPr>
-              <a:t>blocks</a:t>
+              <a:rPr lang="tr-TR" sz="2400" dirty="0" err="1"/>
+              <a:t>The</a:t>
             </a:r>
             <a:r>
               <a:rPr lang="tr-TR" sz="2400" dirty="0"/>
@@ -3118,124 +3098,24 @@
             </a:r>
             <a:r>
               <a:rPr lang="tr-TR" sz="2400" dirty="0" err="1"/>
-              <a:t>are</a:t>
+              <a:t>special</a:t>
             </a:r>
             <a:r>
               <a:rPr lang="tr-TR" sz="2400" dirty="0"/>
               <a:t> </a:t>
             </a:r>
             <a:r>
-              <a:rPr lang="tr-TR" sz="2400" dirty="0" err="1"/>
-              <a:t>what</a:t>
-            </a:r>
-            <a:r>
-              <a:rPr lang="tr-TR" sz="2400" dirty="0"/>
-              <a:t> in </a:t>
-            </a:r>
-            <a:r>
-              <a:rPr lang="tr-TR" sz="2400" dirty="0" err="1"/>
-              <a:t>programming</a:t>
+              <a:rPr lang="tr-TR" sz="2400" dirty="0" err="1">
+                <a:solidFill>
+                  <a:srgbClr val="ED7D31"/>
+                </a:solidFill>
+              </a:rPr>
+              <a:t>dictionary</a:t>
             </a:r>
             <a:r>
               <a:rPr lang="tr-TR" sz="2400" dirty="0"/>
               <a:t> </a:t>
             </a:r>
-            <a:r>
-              <a:rPr lang="tr-TR" sz="2400" dirty="0" err="1"/>
-              <a:t>languages</a:t>
-            </a:r>
-            <a:r>
-              <a:rPr lang="tr-TR" sz="2400" dirty="0"/>
-              <a:t> is </a:t>
-            </a:r>
-            <a:r>
-              <a:rPr lang="tr-TR" sz="2400" dirty="0" err="1"/>
-              <a:t>known</a:t>
-            </a:r>
-            <a:r>
-              <a:rPr lang="tr-TR" sz="2400" dirty="0"/>
-              <a:t> as a</a:t>
-            </a:r>
-            <a:r>
-              <a:rPr lang="tr-TR" sz="2400" b="1" dirty="0">
-                <a:solidFill>
-                  <a:srgbClr val="00B0F0"/>
-                </a:solidFill>
-              </a:rPr>
-              <a:t> </a:t>
-            </a:r>
-            <a:r>
-              <a:rPr lang="tr-TR" sz="2400" b="1" dirty="0" err="1">
-                <a:solidFill>
-                  <a:srgbClr val="00B0F0"/>
-                </a:solidFill>
-              </a:rPr>
-              <a:t>select</a:t>
-            </a:r>
-            <a:r>
-              <a:rPr lang="tr-TR" sz="2400" b="1" dirty="0">
-                <a:solidFill>
-                  <a:srgbClr val="00B0F0"/>
-                </a:solidFill>
-              </a:rPr>
-              <a:t> </a:t>
-            </a:r>
-            <a:r>
-              <a:rPr lang="tr-TR" sz="2400" b="1" dirty="0" err="1">
-                <a:solidFill>
-                  <a:srgbClr val="00B0F0"/>
-                </a:solidFill>
-              </a:rPr>
-              <a:t>case</a:t>
-            </a:r>
-            <a:r>
-              <a:rPr lang="tr-TR" sz="2400" b="1" dirty="0">
-                <a:solidFill>
-                  <a:srgbClr val="00B0F0"/>
-                </a:solidFill>
-              </a:rPr>
-              <a:t> </a:t>
-            </a:r>
-            <a:r>
-              <a:rPr lang="tr-TR" sz="2400" dirty="0" err="1"/>
-              <a:t>or</a:t>
-            </a:r>
-            <a:endParaRPr lang="tr-TR" sz="2400" b="1" dirty="0"/>
-          </a:p>
-          <a:p>
-            <a:r>
-              <a:rPr lang="tr-TR" sz="2400" dirty="0"/>
-              <a:t> </a:t>
-            </a:r>
-            <a:r>
-              <a:rPr lang="tr-TR" sz="2400" b="1" dirty="0" err="1">
-                <a:solidFill>
-                  <a:srgbClr val="00B0F0"/>
-                </a:solidFill>
-              </a:rPr>
-              <a:t>switch</a:t>
-            </a:r>
-            <a:r>
-              <a:rPr lang="tr-TR" sz="2400" b="1" dirty="0">
-                <a:solidFill>
-                  <a:srgbClr val="00B0F0"/>
-                </a:solidFill>
-              </a:rPr>
-              <a:t> </a:t>
-            </a:r>
-            <a:r>
-              <a:rPr lang="tr-TR" sz="2400" b="1" dirty="0" err="1">
-                <a:solidFill>
-                  <a:srgbClr val="00B0F0"/>
-                </a:solidFill>
-              </a:rPr>
-              <a:t>statements</a:t>
-            </a:r>
-            <a:endParaRPr lang="tr-TR" sz="2400" b="1" dirty="0">
-              <a:solidFill>
-                <a:srgbClr val="00B0F0"/>
-              </a:solidFill>
-            </a:endParaRPr>
           </a:p>
         </p:txBody>
       </p:sp>

--- a/docs/namelist_changes.pptx
+++ b/docs/namelist_changes.pptx
@@ -6,8 +6,8 @@
   </p:sldMasterIdLst>
   <p:sldIdLst>
     <p:sldId id="262" r:id="rId2"/>
-    <p:sldId id="263" r:id="rId3"/>
-    <p:sldId id="264" r:id="rId4"/>
+    <p:sldId id="265" r:id="rId3"/>
+    <p:sldId id="263" r:id="rId4"/>
   </p:sldIdLst>
   <p:sldSz cx="12192000" cy="6858000"/>
   <p:notesSz cx="6858000" cy="9144000"/>
@@ -3075,7 +3075,7 @@
         <p:spPr>
           <a:xfrm>
             <a:off x="1061012" y="1666353"/>
-            <a:ext cx="10069975" cy="461665"/>
+            <a:ext cx="10069975" cy="3416320"/>
           </a:xfrm>
           <a:prstGeom prst="rect">
             <a:avLst/>
@@ -3089,96 +3089,350 @@
           <a:lstStyle/>
           <a:p>
             <a:r>
+              <a:rPr lang="tr-TR" sz="2400" dirty="0"/>
+              <a:t>a </a:t>
+            </a:r>
+            <a:r>
               <a:rPr lang="tr-TR" sz="2400" dirty="0" err="1"/>
-              <a:t>The</a:t>
+              <a:t>yaml</a:t>
             </a:r>
             <a:r>
               <a:rPr lang="tr-TR" sz="2400" dirty="0"/>
               <a:t> </a:t>
             </a:r>
             <a:r>
-              <a:rPr lang="tr-TR" sz="2400" dirty="0" err="1"/>
-              <a:t>special</a:t>
+              <a:rPr lang="tr-TR" sz="2400" dirty="0" err="1">
+                <a:solidFill>
+                  <a:schemeClr val="accent2"/>
+                </a:solidFill>
+              </a:rPr>
+              <a:t>dictionary</a:t>
             </a:r>
             <a:r>
               <a:rPr lang="tr-TR" sz="2400" dirty="0"/>
               <a:t> </a:t>
             </a:r>
             <a:r>
-              <a:rPr lang="tr-TR" sz="2400" dirty="0" err="1">
-                <a:solidFill>
-                  <a:srgbClr val="ED7D31"/>
-                </a:solidFill>
-              </a:rPr>
-              <a:t>dictionary</a:t>
+              <a:rPr lang="tr-TR" sz="2400" dirty="0" err="1"/>
+              <a:t>with</a:t>
+            </a:r>
+            <a:r>
+              <a:rPr lang="tr-TR" sz="2400" dirty="0"/>
+              <a:t> an </a:t>
+            </a:r>
+            <a:r>
+              <a:rPr lang="tr-TR" sz="2400" dirty="0" err="1"/>
+              <a:t>extended</a:t>
             </a:r>
             <a:r>
               <a:rPr lang="tr-TR" sz="2400" dirty="0"/>
               <a:t> </a:t>
             </a:r>
-          </a:p>
-        </p:txBody>
-      </p:sp>
-      <p:sp>
-        <p:nvSpPr>
-          <p:cNvPr id="5" name="TextBox 4">
+            <a:r>
+              <a:rPr lang="tr-TR" sz="2400" dirty="0" err="1"/>
+              <a:t>functionality</a:t>
+            </a:r>
+            <a:r>
+              <a:rPr lang="tr-TR" sz="2400" dirty="0"/>
+              <a:t> in ESM-Tools</a:t>
+            </a:r>
+          </a:p>
+          <a:p>
+            <a:endParaRPr lang="tr-TR" sz="2400" dirty="0"/>
+          </a:p>
+          <a:p>
+            <a:endParaRPr lang="tr-TR" sz="2400" dirty="0"/>
+          </a:p>
+          <a:p>
+            <a:r>
+              <a:rPr lang="tr-TR" sz="2400" dirty="0" err="1"/>
+              <a:t>Allows</a:t>
+            </a:r>
+            <a:r>
+              <a:rPr lang="tr-TR" sz="2400" dirty="0"/>
+              <a:t> </a:t>
+            </a:r>
+            <a:r>
+              <a:rPr lang="tr-TR" sz="2400" dirty="0" err="1"/>
+              <a:t>changing</a:t>
+            </a:r>
+            <a:r>
+              <a:rPr lang="tr-TR" sz="2400" dirty="0"/>
+              <a:t> </a:t>
+            </a:r>
+            <a:r>
+              <a:rPr lang="tr-TR" sz="2400" dirty="0" err="1"/>
+              <a:t>the</a:t>
+            </a:r>
+            <a:r>
+              <a:rPr lang="tr-TR" sz="2400" dirty="0"/>
+              <a:t> </a:t>
+            </a:r>
+            <a:r>
+              <a:rPr lang="tr-TR" sz="2400" dirty="0" err="1"/>
+              <a:t>namelists</a:t>
+            </a:r>
+            <a:r>
+              <a:rPr lang="tr-TR" sz="2400" dirty="0"/>
+              <a:t> </a:t>
+            </a:r>
+            <a:r>
+              <a:rPr lang="tr-TR" sz="2400" dirty="0" err="1"/>
+              <a:t>through</a:t>
+            </a:r>
+            <a:r>
+              <a:rPr lang="tr-TR" sz="2400" dirty="0"/>
+              <a:t> </a:t>
+            </a:r>
+            <a:r>
+              <a:rPr lang="tr-TR" sz="2400" dirty="0" err="1"/>
+              <a:t>the</a:t>
+            </a:r>
+            <a:r>
+              <a:rPr lang="tr-TR" sz="2400" dirty="0"/>
+              <a:t> </a:t>
+            </a:r>
+            <a:r>
+              <a:rPr lang="tr-TR" sz="2400" dirty="0" err="1">
+                <a:solidFill>
+                  <a:schemeClr val="accent2"/>
+                </a:solidFill>
+              </a:rPr>
+              <a:t>runscripts</a:t>
+            </a:r>
+            <a:r>
+              <a:rPr lang="tr-TR" sz="2400" dirty="0">
+                <a:solidFill>
+                  <a:schemeClr val="accent2"/>
+                </a:solidFill>
+              </a:rPr>
+              <a:t> </a:t>
+            </a:r>
+            <a:r>
+              <a:rPr lang="tr-TR" sz="2400" dirty="0" err="1"/>
+              <a:t>and</a:t>
+            </a:r>
+            <a:r>
+              <a:rPr lang="tr-TR" sz="2400" dirty="0"/>
+              <a:t> </a:t>
+            </a:r>
+            <a:r>
+              <a:rPr lang="tr-TR" sz="2400" dirty="0" err="1"/>
+              <a:t>the</a:t>
+            </a:r>
+            <a:r>
+              <a:rPr lang="tr-TR" sz="2400" dirty="0"/>
+              <a:t> </a:t>
+            </a:r>
+            <a:r>
+              <a:rPr lang="tr-TR" sz="2400" dirty="0" err="1">
+                <a:solidFill>
+                  <a:schemeClr val="accent2"/>
+                </a:solidFill>
+              </a:rPr>
+              <a:t>configuration</a:t>
+            </a:r>
+            <a:r>
+              <a:rPr lang="tr-TR" sz="2400" dirty="0">
+                <a:solidFill>
+                  <a:schemeClr val="accent2"/>
+                </a:solidFill>
+              </a:rPr>
+              <a:t> </a:t>
+            </a:r>
+            <a:r>
+              <a:rPr lang="tr-TR" sz="2400" dirty="0" err="1">
+                <a:solidFill>
+                  <a:schemeClr val="accent2"/>
+                </a:solidFill>
+              </a:rPr>
+              <a:t>files</a:t>
+            </a:r>
+            <a:endParaRPr lang="tr-TR" sz="2400" dirty="0">
+              <a:solidFill>
+                <a:schemeClr val="accent2"/>
+              </a:solidFill>
+            </a:endParaRPr>
+          </a:p>
+          <a:p>
+            <a:endParaRPr lang="tr-TR" sz="2400" dirty="0">
+              <a:solidFill>
+                <a:schemeClr val="accent2"/>
+              </a:solidFill>
+            </a:endParaRPr>
+          </a:p>
+          <a:p>
+            <a:endParaRPr lang="tr-TR" sz="2400" dirty="0">
+              <a:solidFill>
+                <a:schemeClr val="accent2"/>
+              </a:solidFill>
+            </a:endParaRPr>
+          </a:p>
+          <a:p>
+            <a:r>
+              <a:rPr lang="tr-TR" sz="2400" b="1" dirty="0" err="1"/>
+              <a:t>Syntax</a:t>
+            </a:r>
+            <a:endParaRPr lang="tr-TR" sz="2400" b="1" dirty="0"/>
+          </a:p>
+          <a:p>
+            <a:endParaRPr lang="tr-TR" sz="2400" b="1" dirty="0"/>
+          </a:p>
+          <a:p>
+            <a:endParaRPr lang="tr-TR" sz="2400" b="1" dirty="0"/>
+          </a:p>
+        </p:txBody>
+      </p:sp>
+      <p:sp>
+        <p:nvSpPr>
+          <p:cNvPr id="9" name="Isosceles Triangle 6">
             <a:extLst>
               <a:ext uri="{FF2B5EF4-FFF2-40B4-BE49-F238E27FC236}">
-                <a16:creationId xmlns:a16="http://schemas.microsoft.com/office/drawing/2014/main" id="{894A5C11-451B-36E8-EB32-75FB5E8A896F}"/>
+                <a16:creationId xmlns:a16="http://schemas.microsoft.com/office/drawing/2014/main" id="{C8A477D7-37D5-C571-F295-169D7D1718A1}"/>
               </a:ext>
             </a:extLst>
           </p:cNvPr>
-          <p:cNvSpPr txBox="1"/>
+          <p:cNvSpPr/>
+          <p:nvPr/>
+        </p:nvSpPr>
+        <p:spPr>
+          <a:xfrm rot="5400000">
+            <a:off x="348693" y="2799859"/>
+            <a:ext cx="457812" cy="394666"/>
+          </a:xfrm>
+          <a:prstGeom prst="triangle">
+            <a:avLst/>
+          </a:prstGeom>
+          <a:solidFill>
+            <a:srgbClr val="00ACE6"/>
+          </a:solidFill>
+          <a:ln>
+            <a:noFill/>
+          </a:ln>
+        </p:spPr>
+        <p:style>
+          <a:lnRef idx="2">
+            <a:schemeClr val="accent1">
+              <a:shade val="50000"/>
+            </a:schemeClr>
+          </a:lnRef>
+          <a:fillRef idx="1">
+            <a:schemeClr val="accent1"/>
+          </a:fillRef>
+          <a:effectRef idx="0">
+            <a:schemeClr val="accent1"/>
+          </a:effectRef>
+          <a:fontRef idx="minor">
+            <a:schemeClr val="lt1"/>
+          </a:fontRef>
+        </p:style>
+        <p:txBody>
+          <a:bodyPr rtlCol="0" anchor="ctr"/>
+          <a:lstStyle/>
+          <a:p>
+            <a:pPr algn="ctr"/>
+            <a:endParaRPr lang="tr-TR"/>
+          </a:p>
+        </p:txBody>
+      </p:sp>
+      <p:sp>
+        <p:nvSpPr>
+          <p:cNvPr id="4" name="Rectangle 3">
+            <a:extLst>
+              <a:ext uri="{FF2B5EF4-FFF2-40B4-BE49-F238E27FC236}">
+                <a16:creationId xmlns:a16="http://schemas.microsoft.com/office/drawing/2014/main" id="{0FB39BB0-E7E4-A96B-0D74-BCBC6804D636}"/>
+              </a:ext>
+            </a:extLst>
+          </p:cNvPr>
+          <p:cNvSpPr/>
           <p:nvPr/>
         </p:nvSpPr>
         <p:spPr>
           <a:xfrm>
-            <a:off x="236249" y="3280985"/>
-            <a:ext cx="3147015" cy="2246769"/>
+            <a:off x="1170562" y="4406817"/>
+            <a:ext cx="4792494" cy="1569660"/>
           </a:xfrm>
           <a:prstGeom prst="rect">
             <a:avLst/>
           </a:prstGeom>
-          <a:noFill/>
+          <a:ln>
+            <a:solidFill>
+              <a:schemeClr val="tx1"/>
+            </a:solidFill>
+          </a:ln>
         </p:spPr>
         <p:txBody>
-          <a:bodyPr wrap="none" rtlCol="0">
+          <a:bodyPr wrap="square">
             <a:spAutoFit/>
           </a:bodyPr>
           <a:lstStyle/>
           <a:p>
             <a:r>
-              <a:rPr lang="tr-TR" sz="2800" b="1" dirty="0"/>
-              <a:t>Fortran</a:t>
-            </a:r>
-          </a:p>
-          <a:p>
+              <a:rPr lang="en-US" sz="1600" dirty="0" err="1">
+                <a:solidFill>
+                  <a:srgbClr val="0E6E35"/>
+                </a:solidFill>
+                <a:latin typeface="Courier" pitchFamily="2" charset="0"/>
+              </a:rPr>
+              <a:t>namelist_changes</a:t>
+            </a:r>
             <a:r>
               <a:rPr lang="en-US" sz="1600" dirty="0">
                 <a:solidFill>
-                  <a:srgbClr val="A2A506"/>
-                </a:solidFill>
-                <a:latin typeface="Courier" pitchFamily="2" charset="0"/>
-              </a:rPr>
-              <a:t>SELECT</a:t>
-            </a:r>
+                  <a:srgbClr val="000000"/>
+                </a:solidFill>
+                <a:latin typeface="Courier" pitchFamily="2" charset="0"/>
+              </a:rPr>
+              <a:t>:</a:t>
+            </a:r>
+          </a:p>
+          <a:p>
             <a:r>
               <a:rPr lang="en-US" sz="1600" dirty="0">
                 <a:solidFill>
+                  <a:srgbClr val="0E6E35"/>
+                </a:solidFill>
+                <a:latin typeface="Courier" pitchFamily="2" charset="0"/>
+              </a:rPr>
+              <a:t>    &lt;</a:t>
+            </a:r>
+            <a:r>
+              <a:rPr lang="en-US" sz="1600" dirty="0" err="1">
+                <a:solidFill>
+                  <a:srgbClr val="0E6E35"/>
+                </a:solidFill>
+                <a:latin typeface="Courier" pitchFamily="2" charset="0"/>
+              </a:rPr>
+              <a:t>namelist_name</a:t>
+            </a:r>
+            <a:r>
+              <a:rPr lang="en-US" sz="1600" dirty="0">
+                <a:solidFill>
+                  <a:srgbClr val="0E6E35"/>
+                </a:solidFill>
+                <a:latin typeface="Courier" pitchFamily="2" charset="0"/>
+              </a:rPr>
+              <a:t>&gt;</a:t>
+            </a:r>
+            <a:r>
+              <a:rPr lang="en-US" sz="1600" dirty="0">
+                <a:solidFill>
                   <a:srgbClr val="000000"/>
                 </a:solidFill>
                 <a:latin typeface="Courier" pitchFamily="2" charset="0"/>
               </a:rPr>
-              <a:t> </a:t>
-            </a:r>
+              <a:t>:</a:t>
+            </a:r>
+          </a:p>
+          <a:p>
             <a:r>
               <a:rPr lang="en-US" sz="1600" dirty="0">
                 <a:solidFill>
-                  <a:srgbClr val="A2A506"/>
-                </a:solidFill>
-                <a:latin typeface="Courier" pitchFamily="2" charset="0"/>
-              </a:rPr>
-              <a:t>CASE</a:t>
+                  <a:srgbClr val="0E6E35"/>
+                </a:solidFill>
+                <a:latin typeface="Courier" pitchFamily="2" charset="0"/>
+              </a:rPr>
+              <a:t>         &lt;namelist_section-1&gt;</a:t>
             </a:r>
             <a:r>
               <a:rPr lang="en-US" sz="1600" dirty="0">
@@ -3187,16 +3441,27 @@
                 </a:solidFill>
                 <a:latin typeface="Courier" pitchFamily="2" charset="0"/>
               </a:rPr>
-              <a:t> </a:t>
-            </a:r>
+              <a:t>:</a:t>
+            </a:r>
+          </a:p>
+          <a:p>
             <a:r>
               <a:rPr lang="en-US" sz="1600" dirty="0">
                 <a:solidFill>
-                  <a:srgbClr val="128B02"/>
-                </a:solidFill>
-                <a:latin typeface="Courier" pitchFamily="2" charset="0"/>
-              </a:rPr>
-              <a:t>(</a:t>
+                  <a:srgbClr val="0F7001"/>
+                </a:solidFill>
+                <a:latin typeface="Courier" pitchFamily="2" charset="0"/>
+              </a:rPr>
+              <a:t>              &lt;variable-1&gt;</a:t>
+            </a:r>
+            <a:r>
+              <a:rPr lang="en-US" sz="1600" b="1" dirty="0">
+                <a:solidFill>
+                  <a:srgbClr val="921A20"/>
+                </a:solidFill>
+                <a:latin typeface="Courier-Bold" pitchFamily="2" charset="0"/>
+              </a:rPr>
+              <a:t>: </a:t>
             </a:r>
             <a:r>
               <a:rPr lang="en-US" sz="1600" dirty="0">
@@ -3205,289 +3470,65 @@
                 </a:solidFill>
                 <a:latin typeface="Courier" pitchFamily="2" charset="0"/>
               </a:rPr>
-              <a:t>&lt;selector&gt;</a:t>
-            </a:r>
+              <a:t>&lt;value-1&gt;</a:t>
+            </a:r>
+          </a:p>
+          <a:p>
             <a:r>
               <a:rPr lang="en-US" sz="1600" dirty="0">
                 <a:solidFill>
-                  <a:srgbClr val="128B02"/>
-                </a:solidFill>
-                <a:latin typeface="Courier" pitchFamily="2" charset="0"/>
-              </a:rPr>
-              <a:t>)</a:t>
-            </a:r>
-          </a:p>
-          <a:p>
+                  <a:srgbClr val="0F7001"/>
+                </a:solidFill>
+                <a:latin typeface="Courier" pitchFamily="2" charset="0"/>
+              </a:rPr>
+              <a:t>              &lt;</a:t>
+            </a:r>
+            <a:r>
+              <a:rPr lang="en-US" sz="1400" dirty="0">
+                <a:solidFill>
+                  <a:srgbClr val="0F7001"/>
+                </a:solidFill>
+                <a:latin typeface="Courier" pitchFamily="2" charset="0"/>
+              </a:rPr>
+              <a:t>variable-2</a:t>
+            </a:r>
             <a:r>
               <a:rPr lang="en-US" sz="1600" dirty="0">
                 <a:solidFill>
+                  <a:srgbClr val="0F7001"/>
+                </a:solidFill>
+                <a:latin typeface="Courier" pitchFamily="2" charset="0"/>
+              </a:rPr>
+              <a:t>&gt;</a:t>
+            </a:r>
+            <a:r>
+              <a:rPr lang="en-US" sz="1600" b="1" dirty="0">
+                <a:solidFill>
+                  <a:srgbClr val="921A20"/>
+                </a:solidFill>
+                <a:latin typeface="Courier-Bold" pitchFamily="2" charset="0"/>
+              </a:rPr>
+              <a:t>: </a:t>
+            </a:r>
+            <a:r>
+              <a:rPr lang="en-US" sz="1600" dirty="0">
+                <a:solidFill>
                   <a:srgbClr val="000000"/>
                 </a:solidFill>
                 <a:latin typeface="Courier" pitchFamily="2" charset="0"/>
               </a:rPr>
-              <a:t>    </a:t>
-            </a:r>
+              <a:t>&lt;value-2&gt;</a:t>
+            </a:r>
+          </a:p>
+          <a:p>
             <a:r>
               <a:rPr lang="en-US" sz="1600" dirty="0">
                 <a:solidFill>
-                  <a:srgbClr val="A2A506"/>
-                </a:solidFill>
-                <a:latin typeface="Courier" pitchFamily="2" charset="0"/>
-              </a:rPr>
-              <a:t>CASE</a:t>
-            </a:r>
-            <a:r>
-              <a:rPr lang="en-US" sz="1600" dirty="0">
-                <a:solidFill>
                   <a:srgbClr val="000000"/>
                 </a:solidFill>
                 <a:latin typeface="Courier" pitchFamily="2" charset="0"/>
               </a:rPr>
-              <a:t> </a:t>
-            </a:r>
-            <a:r>
-              <a:rPr lang="en-US" sz="1600" dirty="0">
-                <a:solidFill>
-                  <a:srgbClr val="128B02"/>
-                </a:solidFill>
-                <a:latin typeface="Courier" pitchFamily="2" charset="0"/>
-              </a:rPr>
-              <a:t>(</a:t>
-            </a:r>
-            <a:r>
-              <a:rPr lang="en-US" sz="1600" dirty="0">
-                <a:solidFill>
-                  <a:srgbClr val="000000"/>
-                </a:solidFill>
-                <a:latin typeface="Courier" pitchFamily="2" charset="0"/>
-              </a:rPr>
-              <a:t>&lt;pattern</a:t>
-            </a:r>
-            <a:r>
-              <a:rPr lang="en-US" sz="1600" dirty="0">
-                <a:solidFill>
-                  <a:srgbClr val="2B8B27"/>
-                </a:solidFill>
-                <a:latin typeface="Courier" pitchFamily="2" charset="0"/>
-              </a:rPr>
-              <a:t>-</a:t>
-            </a:r>
-            <a:r>
-              <a:rPr lang="en-US" sz="1600" dirty="0">
-                <a:solidFill>
-                  <a:srgbClr val="BE4AC1"/>
-                </a:solidFill>
-                <a:latin typeface="Courier" pitchFamily="2" charset="0"/>
-              </a:rPr>
-              <a:t>1</a:t>
-            </a:r>
-            <a:r>
-              <a:rPr lang="en-US" sz="1600" dirty="0">
-                <a:solidFill>
-                  <a:srgbClr val="000000"/>
-                </a:solidFill>
-                <a:latin typeface="Courier" pitchFamily="2" charset="0"/>
-              </a:rPr>
-              <a:t>&gt;</a:t>
-            </a:r>
-            <a:r>
-              <a:rPr lang="en-US" sz="1600" dirty="0">
-                <a:solidFill>
-                  <a:srgbClr val="128B02"/>
-                </a:solidFill>
-                <a:latin typeface="Courier" pitchFamily="2" charset="0"/>
-              </a:rPr>
-              <a:t>)</a:t>
-            </a:r>
-          </a:p>
-          <a:p>
-            <a:r>
-              <a:rPr lang="en-US" sz="1600" dirty="0">
-                <a:solidFill>
-                  <a:srgbClr val="000000"/>
-                </a:solidFill>
-                <a:latin typeface="Courier" pitchFamily="2" charset="0"/>
-              </a:rPr>
-              <a:t>        statements</a:t>
-            </a:r>
-            <a:r>
-              <a:rPr lang="en-US" sz="1600" dirty="0">
-                <a:solidFill>
-                  <a:srgbClr val="2B8B27"/>
-                </a:solidFill>
-                <a:latin typeface="Courier" pitchFamily="2" charset="0"/>
-              </a:rPr>
-              <a:t>-</a:t>
-            </a:r>
-            <a:r>
-              <a:rPr lang="en-US" sz="1600" dirty="0">
-                <a:solidFill>
-                  <a:srgbClr val="BE4AC1"/>
-                </a:solidFill>
-                <a:latin typeface="Courier" pitchFamily="2" charset="0"/>
-              </a:rPr>
-              <a:t>1</a:t>
-            </a:r>
-          </a:p>
-          <a:p>
-            <a:r>
-              <a:rPr lang="en-US" sz="1600" dirty="0">
-                <a:solidFill>
-                  <a:srgbClr val="000000"/>
-                </a:solidFill>
-                <a:latin typeface="Courier" pitchFamily="2" charset="0"/>
-              </a:rPr>
-              <a:t>    </a:t>
-            </a:r>
-            <a:r>
-              <a:rPr lang="en-US" sz="1600" dirty="0">
-                <a:solidFill>
-                  <a:srgbClr val="A2A506"/>
-                </a:solidFill>
-                <a:latin typeface="Courier" pitchFamily="2" charset="0"/>
-              </a:rPr>
-              <a:t>CASE</a:t>
-            </a:r>
-            <a:r>
-              <a:rPr lang="en-US" sz="1600" dirty="0">
-                <a:solidFill>
-                  <a:srgbClr val="000000"/>
-                </a:solidFill>
-                <a:latin typeface="Courier" pitchFamily="2" charset="0"/>
-              </a:rPr>
-              <a:t> </a:t>
-            </a:r>
-            <a:r>
-              <a:rPr lang="en-US" sz="1600" dirty="0">
-                <a:solidFill>
-                  <a:srgbClr val="128B02"/>
-                </a:solidFill>
-                <a:latin typeface="Courier" pitchFamily="2" charset="0"/>
-              </a:rPr>
-              <a:t>(</a:t>
-            </a:r>
-            <a:r>
-              <a:rPr lang="en-US" sz="1600" dirty="0">
-                <a:solidFill>
-                  <a:srgbClr val="000000"/>
-                </a:solidFill>
-                <a:latin typeface="Courier" pitchFamily="2" charset="0"/>
-              </a:rPr>
-              <a:t>&lt;pattern</a:t>
-            </a:r>
-            <a:r>
-              <a:rPr lang="en-US" sz="1600" dirty="0">
-                <a:solidFill>
-                  <a:srgbClr val="2B8B27"/>
-                </a:solidFill>
-                <a:latin typeface="Courier" pitchFamily="2" charset="0"/>
-              </a:rPr>
-              <a:t>-</a:t>
-            </a:r>
-            <a:r>
-              <a:rPr lang="en-US" sz="1600" dirty="0">
-                <a:solidFill>
-                  <a:srgbClr val="BE4AC1"/>
-                </a:solidFill>
-                <a:latin typeface="Courier" pitchFamily="2" charset="0"/>
-              </a:rPr>
-              <a:t>2</a:t>
-            </a:r>
-            <a:r>
-              <a:rPr lang="en-US" sz="1600" dirty="0">
-                <a:solidFill>
-                  <a:srgbClr val="000000"/>
-                </a:solidFill>
-                <a:latin typeface="Courier" pitchFamily="2" charset="0"/>
-              </a:rPr>
-              <a:t>&gt;</a:t>
-            </a:r>
-            <a:r>
-              <a:rPr lang="en-US" sz="1600" dirty="0">
-                <a:solidFill>
-                  <a:srgbClr val="128B02"/>
-                </a:solidFill>
-                <a:latin typeface="Courier" pitchFamily="2" charset="0"/>
-              </a:rPr>
-              <a:t>)</a:t>
-            </a:r>
-          </a:p>
-          <a:p>
-            <a:r>
-              <a:rPr lang="en-US" sz="1600" dirty="0">
-                <a:solidFill>
-                  <a:srgbClr val="000000"/>
-                </a:solidFill>
-                <a:latin typeface="Courier" pitchFamily="2" charset="0"/>
-              </a:rPr>
-              <a:t>        statements</a:t>
-            </a:r>
-            <a:r>
-              <a:rPr lang="en-US" sz="1600" dirty="0">
-                <a:solidFill>
-                  <a:srgbClr val="2B8B27"/>
-                </a:solidFill>
-                <a:latin typeface="Courier" pitchFamily="2" charset="0"/>
-              </a:rPr>
-              <a:t>-</a:t>
-            </a:r>
-            <a:r>
-              <a:rPr lang="en-US" sz="1600" dirty="0">
-                <a:solidFill>
-                  <a:srgbClr val="BE4AC1"/>
-                </a:solidFill>
-                <a:latin typeface="Courier" pitchFamily="2" charset="0"/>
-              </a:rPr>
-              <a:t>2</a:t>
-            </a:r>
-          </a:p>
-          <a:p>
-            <a:r>
-              <a:rPr lang="en-US" sz="1600" dirty="0">
-                <a:solidFill>
-                  <a:srgbClr val="BE4AC1"/>
-                </a:solidFill>
-                <a:latin typeface="Courier" pitchFamily="2" charset="0"/>
-              </a:rPr>
-              <a:t>        </a:t>
-            </a:r>
-            <a:r>
-              <a:rPr lang="en-US" sz="1600" dirty="0">
-                <a:solidFill>
-                  <a:srgbClr val="000000"/>
-                </a:solidFill>
-                <a:latin typeface="Courier" pitchFamily="2" charset="0"/>
-              </a:rPr>
-              <a:t>…</a:t>
-            </a:r>
-          </a:p>
-          <a:p>
-            <a:r>
-              <a:rPr lang="en-US" sz="1600" dirty="0">
-                <a:solidFill>
-                  <a:srgbClr val="A2A506"/>
-                </a:solidFill>
-                <a:latin typeface="Courier" pitchFamily="2" charset="0"/>
-              </a:rPr>
-              <a:t>END</a:t>
-            </a:r>
-            <a:r>
-              <a:rPr lang="en-US" sz="1600" dirty="0">
-                <a:solidFill>
-                  <a:srgbClr val="000000"/>
-                </a:solidFill>
-                <a:latin typeface="Courier" pitchFamily="2" charset="0"/>
-              </a:rPr>
-              <a:t> </a:t>
-            </a:r>
-            <a:r>
-              <a:rPr lang="en-US" sz="1600" dirty="0">
-                <a:solidFill>
-                  <a:srgbClr val="A2A506"/>
-                </a:solidFill>
-                <a:latin typeface="Courier" pitchFamily="2" charset="0"/>
-              </a:rPr>
-              <a:t>SELECT</a:t>
+              <a:t>    …</a:t>
             </a:r>
             <a:endParaRPr lang="en-US" sz="1600" dirty="0"/>
           </a:p>
@@ -3495,662 +3536,53 @@
       </p:sp>
       <p:sp>
         <p:nvSpPr>
-          <p:cNvPr id="13" name="TextBox 12">
+          <p:cNvPr id="15" name="Isosceles Triangle 6">
             <a:extLst>
               <a:ext uri="{FF2B5EF4-FFF2-40B4-BE49-F238E27FC236}">
-                <a16:creationId xmlns:a16="http://schemas.microsoft.com/office/drawing/2014/main" id="{DBEC2F67-72D4-AF38-F44B-CEBFB80AC74A}"/>
+                <a16:creationId xmlns:a16="http://schemas.microsoft.com/office/drawing/2014/main" id="{9658ACC7-ED86-2019-853F-3B121838169A}"/>
               </a:ext>
             </a:extLst>
           </p:cNvPr>
-          <p:cNvSpPr txBox="1"/>
+          <p:cNvSpPr/>
           <p:nvPr/>
         </p:nvSpPr>
         <p:spPr>
-          <a:xfrm>
-            <a:off x="6474834" y="3280985"/>
-            <a:ext cx="2653290" cy="2246769"/>
+          <a:xfrm rot="5400000">
+            <a:off x="348693" y="3897939"/>
+            <a:ext cx="457812" cy="394666"/>
           </a:xfrm>
-          <a:prstGeom prst="rect">
+          <a:prstGeom prst="triangle">
             <a:avLst/>
           </a:prstGeom>
-          <a:noFill/>
+          <a:solidFill>
+            <a:srgbClr val="00ACE6"/>
+          </a:solidFill>
+          <a:ln>
+            <a:noFill/>
+          </a:ln>
         </p:spPr>
-        <p:txBody>
-          <a:bodyPr wrap="none" rtlCol="0">
-            <a:spAutoFit/>
-          </a:bodyPr>
-          <a:lstStyle/>
-          <a:p>
-            <a:r>
-              <a:rPr lang="tr-TR" sz="2800" b="1" dirty="0" err="1"/>
-              <a:t>Matlab</a:t>
-            </a:r>
-            <a:endParaRPr lang="tr-TR" sz="2800" b="1" dirty="0"/>
-          </a:p>
-          <a:p>
-            <a:r>
-              <a:rPr lang="en-US" sz="1600" dirty="0">
-                <a:solidFill>
-                  <a:srgbClr val="0000FF"/>
-                </a:solidFill>
-                <a:latin typeface="Courier" pitchFamily="2" charset="0"/>
-              </a:rPr>
-              <a:t>switch</a:t>
-            </a:r>
-            <a:r>
-              <a:rPr lang="en-US" sz="1600" dirty="0">
-                <a:solidFill>
-                  <a:srgbClr val="000000"/>
-                </a:solidFill>
-                <a:latin typeface="Courier" pitchFamily="2" charset="0"/>
-              </a:rPr>
-              <a:t> &lt;selector&gt;</a:t>
-            </a:r>
-          </a:p>
-          <a:p>
-            <a:r>
-              <a:rPr lang="en-US" sz="1600" dirty="0">
-                <a:solidFill>
-                  <a:srgbClr val="000000"/>
-                </a:solidFill>
-                <a:latin typeface="Courier" pitchFamily="2" charset="0"/>
-              </a:rPr>
-              <a:t>    </a:t>
-            </a:r>
-            <a:r>
-              <a:rPr lang="en-US" sz="1600" dirty="0">
-                <a:solidFill>
-                  <a:srgbClr val="0000FF"/>
-                </a:solidFill>
-                <a:latin typeface="Courier" pitchFamily="2" charset="0"/>
-              </a:rPr>
-              <a:t>case</a:t>
-            </a:r>
-            <a:r>
-              <a:rPr lang="en-US" sz="1600" dirty="0">
-                <a:solidFill>
-                  <a:srgbClr val="000000"/>
-                </a:solidFill>
-                <a:latin typeface="Courier" pitchFamily="2" charset="0"/>
-              </a:rPr>
-              <a:t> &lt;pattern-</a:t>
-            </a:r>
-            <a:r>
-              <a:rPr lang="en-US" sz="1600" dirty="0">
-                <a:solidFill>
-                  <a:srgbClr val="2500FF"/>
-                </a:solidFill>
-                <a:latin typeface="Courier" pitchFamily="2" charset="0"/>
-              </a:rPr>
-              <a:t>1</a:t>
-            </a:r>
-            <a:r>
-              <a:rPr lang="en-US" sz="1600" dirty="0">
-                <a:solidFill>
-                  <a:srgbClr val="000000"/>
-                </a:solidFill>
-                <a:latin typeface="Courier" pitchFamily="2" charset="0"/>
-              </a:rPr>
-              <a:t>&gt;</a:t>
-            </a:r>
-          </a:p>
-          <a:p>
-            <a:r>
-              <a:rPr lang="en-US" sz="1600" dirty="0">
-                <a:solidFill>
-                  <a:srgbClr val="000000"/>
-                </a:solidFill>
-                <a:latin typeface="Courier" pitchFamily="2" charset="0"/>
-              </a:rPr>
-              <a:t>        statements-</a:t>
-            </a:r>
-            <a:r>
-              <a:rPr lang="en-US" sz="1600" dirty="0">
-                <a:solidFill>
-                  <a:srgbClr val="2500FF"/>
-                </a:solidFill>
-                <a:latin typeface="Courier" pitchFamily="2" charset="0"/>
-              </a:rPr>
-              <a:t>1</a:t>
-            </a:r>
-          </a:p>
-          <a:p>
-            <a:r>
-              <a:rPr lang="en-US" sz="1600" dirty="0">
-                <a:solidFill>
-                  <a:srgbClr val="000000"/>
-                </a:solidFill>
-                <a:latin typeface="Courier" pitchFamily="2" charset="0"/>
-              </a:rPr>
-              <a:t>    </a:t>
-            </a:r>
-            <a:r>
-              <a:rPr lang="en-US" sz="1600" dirty="0">
-                <a:solidFill>
-                  <a:srgbClr val="0000FF"/>
-                </a:solidFill>
-                <a:latin typeface="Courier" pitchFamily="2" charset="0"/>
-              </a:rPr>
-              <a:t>case</a:t>
-            </a:r>
-            <a:r>
-              <a:rPr lang="en-US" sz="1600" dirty="0">
-                <a:solidFill>
-                  <a:srgbClr val="000000"/>
-                </a:solidFill>
-                <a:latin typeface="Courier" pitchFamily="2" charset="0"/>
-              </a:rPr>
-              <a:t> &lt;pattern-</a:t>
-            </a:r>
-            <a:r>
-              <a:rPr lang="en-US" sz="1600" dirty="0">
-                <a:solidFill>
-                  <a:srgbClr val="2500FF"/>
-                </a:solidFill>
-                <a:latin typeface="Courier" pitchFamily="2" charset="0"/>
-              </a:rPr>
-              <a:t>2</a:t>
-            </a:r>
-            <a:r>
-              <a:rPr lang="en-US" sz="1600" dirty="0">
-                <a:solidFill>
-                  <a:srgbClr val="000000"/>
-                </a:solidFill>
-                <a:latin typeface="Courier" pitchFamily="2" charset="0"/>
-              </a:rPr>
-              <a:t>&gt;</a:t>
-            </a:r>
-          </a:p>
-          <a:p>
-            <a:r>
-              <a:rPr lang="en-US" sz="1600" dirty="0">
-                <a:solidFill>
-                  <a:srgbClr val="000000"/>
-                </a:solidFill>
-                <a:latin typeface="Courier" pitchFamily="2" charset="0"/>
-              </a:rPr>
-              <a:t>        statements-</a:t>
-            </a:r>
-            <a:r>
-              <a:rPr lang="en-US" sz="1600" dirty="0">
-                <a:solidFill>
-                  <a:srgbClr val="2500FF"/>
-                </a:solidFill>
-                <a:latin typeface="Courier" pitchFamily="2" charset="0"/>
-              </a:rPr>
-              <a:t>2</a:t>
-            </a:r>
-          </a:p>
-          <a:p>
-            <a:r>
-              <a:rPr lang="en-US" sz="1600" dirty="0">
-                <a:solidFill>
-                  <a:srgbClr val="2500FF"/>
-                </a:solidFill>
-                <a:latin typeface="Courier" pitchFamily="2" charset="0"/>
-              </a:rPr>
-              <a:t>    </a:t>
-            </a:r>
-            <a:r>
-              <a:rPr lang="en-US" sz="1600" dirty="0">
-                <a:solidFill>
-                  <a:srgbClr val="000000"/>
-                </a:solidFill>
-                <a:latin typeface="Courier" pitchFamily="2" charset="0"/>
-              </a:rPr>
-              <a:t>…</a:t>
-            </a:r>
-          </a:p>
-          <a:p>
-            <a:r>
-              <a:rPr lang="en-US" sz="1600" dirty="0">
-                <a:solidFill>
-                  <a:srgbClr val="0000FF"/>
-                </a:solidFill>
-                <a:latin typeface="Courier" pitchFamily="2" charset="0"/>
-              </a:rPr>
-              <a:t>end</a:t>
-            </a:r>
-            <a:endParaRPr lang="en-US" sz="1600" dirty="0"/>
-          </a:p>
-        </p:txBody>
-      </p:sp>
-      <p:sp>
-        <p:nvSpPr>
-          <p:cNvPr id="16" name="TextBox 15">
-            <a:extLst>
-              <a:ext uri="{FF2B5EF4-FFF2-40B4-BE49-F238E27FC236}">
-                <a16:creationId xmlns:a16="http://schemas.microsoft.com/office/drawing/2014/main" id="{0BF69296-4A01-929F-5C98-588883FDFDA5}"/>
-              </a:ext>
-            </a:extLst>
-          </p:cNvPr>
-          <p:cNvSpPr txBox="1"/>
-          <p:nvPr/>
-        </p:nvSpPr>
-        <p:spPr>
-          <a:xfrm>
-            <a:off x="9285549" y="3280985"/>
-            <a:ext cx="2653290" cy="2246769"/>
-          </a:xfrm>
-          <a:prstGeom prst="rect">
-            <a:avLst/>
-          </a:prstGeom>
-          <a:noFill/>
-        </p:spPr>
-        <p:txBody>
-          <a:bodyPr wrap="none" rtlCol="0">
-            <a:spAutoFit/>
-          </a:bodyPr>
-          <a:lstStyle/>
-          <a:p>
-            <a:r>
-              <a:rPr lang="tr-TR" sz="2800" b="1" dirty="0"/>
-              <a:t>ESM-Tools</a:t>
-            </a:r>
-          </a:p>
-          <a:p>
-            <a:r>
-              <a:rPr lang="en-US" sz="1600" dirty="0">
-                <a:solidFill>
-                  <a:srgbClr val="0E6E35"/>
-                </a:solidFill>
-                <a:latin typeface="Courier" pitchFamily="2" charset="0"/>
-              </a:rPr>
-              <a:t>choose_&lt;selector&gt;</a:t>
-            </a:r>
-            <a:r>
-              <a:rPr lang="en-US" sz="1600" dirty="0">
-                <a:solidFill>
-                  <a:srgbClr val="000000"/>
-                </a:solidFill>
-                <a:latin typeface="Courier" pitchFamily="2" charset="0"/>
-              </a:rPr>
-              <a:t>:</a:t>
-            </a:r>
-          </a:p>
-          <a:p>
-            <a:r>
-              <a:rPr lang="en-US" sz="1600" dirty="0">
-                <a:solidFill>
-                  <a:srgbClr val="0E6E35"/>
-                </a:solidFill>
-                <a:latin typeface="Courier" pitchFamily="2" charset="0"/>
-              </a:rPr>
-              <a:t>    &lt;case-1&gt;</a:t>
-            </a:r>
-            <a:r>
-              <a:rPr lang="en-US" sz="1600" b="1" dirty="0">
-                <a:solidFill>
-                  <a:srgbClr val="921A20"/>
-                </a:solidFill>
-                <a:latin typeface="Courier-Bold" pitchFamily="2" charset="0"/>
-              </a:rPr>
-              <a:t>:</a:t>
-            </a:r>
-          </a:p>
-          <a:p>
-            <a:r>
-              <a:rPr lang="en-US" sz="1600" dirty="0">
-                <a:solidFill>
-                  <a:srgbClr val="000000"/>
-                </a:solidFill>
-                <a:latin typeface="Courier" pitchFamily="2" charset="0"/>
-              </a:rPr>
-              <a:t>        statements-1</a:t>
-            </a:r>
-          </a:p>
-          <a:p>
-            <a:r>
-              <a:rPr lang="en-US" sz="1600" dirty="0">
-                <a:solidFill>
-                  <a:srgbClr val="0E6E35"/>
-                </a:solidFill>
-                <a:latin typeface="Courier" pitchFamily="2" charset="0"/>
-              </a:rPr>
-              <a:t>    &lt;case-2&gt;</a:t>
-            </a:r>
-            <a:r>
-              <a:rPr lang="en-US" sz="1600" b="1" dirty="0">
-                <a:solidFill>
-                  <a:srgbClr val="921A20"/>
-                </a:solidFill>
-                <a:latin typeface="Courier-Bold" pitchFamily="2" charset="0"/>
-              </a:rPr>
-              <a:t>:</a:t>
-            </a:r>
-          </a:p>
-          <a:p>
-            <a:r>
-              <a:rPr lang="en-US" sz="1600" dirty="0">
-                <a:solidFill>
-                  <a:srgbClr val="000000"/>
-                </a:solidFill>
-                <a:latin typeface="Courier" pitchFamily="2" charset="0"/>
-              </a:rPr>
-              <a:t>        statements-2</a:t>
-            </a:r>
-          </a:p>
-          <a:p>
-            <a:r>
-              <a:rPr lang="en-US" sz="1600" dirty="0">
-                <a:solidFill>
-                  <a:srgbClr val="000000"/>
-                </a:solidFill>
-                <a:latin typeface="Courier" pitchFamily="2" charset="0"/>
-              </a:rPr>
-              <a:t>    …</a:t>
-            </a:r>
-            <a:endParaRPr lang="en-US" sz="1600" dirty="0"/>
-          </a:p>
-          <a:p>
-            <a:endParaRPr lang="en-US" sz="1600" dirty="0"/>
-          </a:p>
-        </p:txBody>
-      </p:sp>
-      <p:sp>
-        <p:nvSpPr>
-          <p:cNvPr id="17" name="TextBox 16">
-            <a:extLst>
-              <a:ext uri="{FF2B5EF4-FFF2-40B4-BE49-F238E27FC236}">
-                <a16:creationId xmlns:a16="http://schemas.microsoft.com/office/drawing/2014/main" id="{21A5DA69-9F14-2825-D575-E3F5DA7BBD77}"/>
-              </a:ext>
-            </a:extLst>
-          </p:cNvPr>
-          <p:cNvSpPr txBox="1"/>
-          <p:nvPr/>
-        </p:nvSpPr>
-        <p:spPr>
-          <a:xfrm>
-            <a:off x="3540688" y="3280985"/>
-            <a:ext cx="2776722" cy="2739211"/>
-          </a:xfrm>
-          <a:prstGeom prst="rect">
-            <a:avLst/>
-          </a:prstGeom>
-          <a:noFill/>
-        </p:spPr>
-        <p:txBody>
-          <a:bodyPr wrap="none" rtlCol="0">
-            <a:spAutoFit/>
-          </a:bodyPr>
-          <a:lstStyle/>
-          <a:p>
-            <a:r>
-              <a:rPr lang="tr-TR" sz="2800" b="1" dirty="0" err="1"/>
-              <a:t>Bash</a:t>
-            </a:r>
-            <a:endParaRPr lang="tr-TR" sz="2800" b="1" dirty="0"/>
-          </a:p>
-          <a:p>
-            <a:r>
-              <a:rPr lang="en-US" sz="1600" b="1" dirty="0">
-                <a:solidFill>
-                  <a:srgbClr val="000000"/>
-                </a:solidFill>
-                <a:latin typeface="Courier-Bold" pitchFamily="2" charset="0"/>
-              </a:rPr>
-              <a:t>case</a:t>
-            </a:r>
-            <a:r>
-              <a:rPr lang="en-US" sz="1600" dirty="0">
-                <a:solidFill>
-                  <a:srgbClr val="000000"/>
-                </a:solidFill>
-                <a:latin typeface="Courier" pitchFamily="2" charset="0"/>
-              </a:rPr>
-              <a:t> </a:t>
-            </a:r>
-            <a:r>
-              <a:rPr lang="en-US" sz="1600" b="1" dirty="0">
-                <a:solidFill>
-                  <a:srgbClr val="000000"/>
-                </a:solidFill>
-                <a:latin typeface="Courier-Bold" pitchFamily="2" charset="0"/>
-              </a:rPr>
-              <a:t>&lt;</a:t>
-            </a:r>
-            <a:r>
-              <a:rPr lang="en-US" sz="1600" dirty="0">
-                <a:solidFill>
-                  <a:srgbClr val="000000"/>
-                </a:solidFill>
-                <a:latin typeface="Courier" pitchFamily="2" charset="0"/>
-              </a:rPr>
-              <a:t>expression</a:t>
-            </a:r>
-            <a:r>
-              <a:rPr lang="en-US" sz="1600" b="1" dirty="0">
-                <a:solidFill>
-                  <a:srgbClr val="000000"/>
-                </a:solidFill>
-                <a:latin typeface="Courier-Bold" pitchFamily="2" charset="0"/>
-              </a:rPr>
-              <a:t>&gt;</a:t>
-            </a:r>
-          </a:p>
-          <a:p>
-            <a:r>
-              <a:rPr lang="en-US" sz="1600" dirty="0">
-                <a:solidFill>
-                  <a:srgbClr val="000000"/>
-                </a:solidFill>
-                <a:latin typeface="Courier" pitchFamily="2" charset="0"/>
-              </a:rPr>
-              <a:t>    </a:t>
-            </a:r>
-            <a:r>
-              <a:rPr lang="en-US" sz="1600" b="1" dirty="0">
-                <a:solidFill>
-                  <a:srgbClr val="000000"/>
-                </a:solidFill>
-                <a:latin typeface="Courier-Bold" pitchFamily="2" charset="0"/>
-              </a:rPr>
-              <a:t>case</a:t>
-            </a:r>
-            <a:r>
-              <a:rPr lang="en-US" sz="1600" dirty="0">
-                <a:solidFill>
-                  <a:srgbClr val="000000"/>
-                </a:solidFill>
-                <a:latin typeface="Courier" pitchFamily="2" charset="0"/>
-              </a:rPr>
-              <a:t> </a:t>
-            </a:r>
-            <a:r>
-              <a:rPr lang="en-US" sz="1600" b="1" dirty="0">
-                <a:solidFill>
-                  <a:srgbClr val="000000"/>
-                </a:solidFill>
-                <a:latin typeface="Courier-Bold" pitchFamily="2" charset="0"/>
-              </a:rPr>
-              <a:t>&lt;</a:t>
-            </a:r>
-            <a:r>
-              <a:rPr lang="en-US" sz="1600" dirty="0">
-                <a:solidFill>
-                  <a:srgbClr val="000000"/>
-                </a:solidFill>
-                <a:latin typeface="Courier" pitchFamily="2" charset="0"/>
-              </a:rPr>
-              <a:t>pattern-1</a:t>
-            </a:r>
-            <a:r>
-              <a:rPr lang="en-US" sz="1600" b="1" dirty="0">
-                <a:solidFill>
-                  <a:srgbClr val="000000"/>
-                </a:solidFill>
-                <a:latin typeface="Courier-Bold" pitchFamily="2" charset="0"/>
-              </a:rPr>
-              <a:t>&gt;</a:t>
-            </a:r>
-            <a:r>
-              <a:rPr lang="en-US" sz="1600" b="1" dirty="0">
-                <a:solidFill>
-                  <a:srgbClr val="650061"/>
-                </a:solidFill>
-                <a:latin typeface="Courier-Bold" pitchFamily="2" charset="0"/>
-              </a:rPr>
-              <a:t>)</a:t>
-            </a:r>
-          </a:p>
-          <a:p>
-            <a:r>
-              <a:rPr lang="en-US" sz="1600" dirty="0">
-                <a:solidFill>
-                  <a:srgbClr val="000000"/>
-                </a:solidFill>
-                <a:latin typeface="Courier" pitchFamily="2" charset="0"/>
-              </a:rPr>
-              <a:t>        statements-1</a:t>
-            </a:r>
-          </a:p>
-          <a:p>
-            <a:r>
-              <a:rPr lang="en-US" sz="1600" dirty="0">
-                <a:solidFill>
-                  <a:srgbClr val="000000"/>
-                </a:solidFill>
-                <a:latin typeface="Courier" pitchFamily="2" charset="0"/>
-              </a:rPr>
-              <a:t>        </a:t>
-            </a:r>
-            <a:r>
-              <a:rPr lang="en-US" sz="1600" b="1" dirty="0">
-                <a:solidFill>
-                  <a:srgbClr val="000000"/>
-                </a:solidFill>
-                <a:latin typeface="Courier-Bold" pitchFamily="2" charset="0"/>
-              </a:rPr>
-              <a:t>;;</a:t>
-            </a:r>
-          </a:p>
-          <a:p>
-            <a:r>
-              <a:rPr lang="en-US" sz="1600" dirty="0">
-                <a:solidFill>
-                  <a:srgbClr val="000000"/>
-                </a:solidFill>
-                <a:latin typeface="Courier" pitchFamily="2" charset="0"/>
-              </a:rPr>
-              <a:t>    </a:t>
-            </a:r>
-            <a:r>
-              <a:rPr lang="en-US" sz="1600" b="1" dirty="0">
-                <a:solidFill>
-                  <a:srgbClr val="000000"/>
-                </a:solidFill>
-                <a:latin typeface="Courier-Bold" pitchFamily="2" charset="0"/>
-              </a:rPr>
-              <a:t>case</a:t>
-            </a:r>
-            <a:r>
-              <a:rPr lang="en-US" sz="1600" dirty="0">
-                <a:solidFill>
-                  <a:srgbClr val="000000"/>
-                </a:solidFill>
-                <a:latin typeface="Courier" pitchFamily="2" charset="0"/>
-              </a:rPr>
-              <a:t> </a:t>
-            </a:r>
-            <a:r>
-              <a:rPr lang="en-US" sz="1600" b="1" dirty="0">
-                <a:solidFill>
-                  <a:srgbClr val="000000"/>
-                </a:solidFill>
-                <a:latin typeface="Courier-Bold" pitchFamily="2" charset="0"/>
-              </a:rPr>
-              <a:t>&lt;</a:t>
-            </a:r>
-            <a:r>
-              <a:rPr lang="en-US" sz="1600" dirty="0">
-                <a:solidFill>
-                  <a:srgbClr val="000000"/>
-                </a:solidFill>
-                <a:latin typeface="Courier" pitchFamily="2" charset="0"/>
-              </a:rPr>
-              <a:t>pattern-2</a:t>
-            </a:r>
-            <a:r>
-              <a:rPr lang="en-US" sz="1600" b="1" dirty="0">
-                <a:solidFill>
-                  <a:srgbClr val="000000"/>
-                </a:solidFill>
-                <a:latin typeface="Courier-Bold" pitchFamily="2" charset="0"/>
-              </a:rPr>
-              <a:t>&gt;</a:t>
-            </a:r>
-            <a:r>
-              <a:rPr lang="en-US" sz="1600" b="1" dirty="0">
-                <a:solidFill>
-                  <a:srgbClr val="650061"/>
-                </a:solidFill>
-                <a:latin typeface="Courier-Bold" pitchFamily="2" charset="0"/>
-              </a:rPr>
-              <a:t>)</a:t>
-            </a:r>
-          </a:p>
-          <a:p>
-            <a:r>
-              <a:rPr lang="en-US" sz="1600" dirty="0">
-                <a:solidFill>
-                  <a:srgbClr val="000000"/>
-                </a:solidFill>
-                <a:latin typeface="Courier" pitchFamily="2" charset="0"/>
-              </a:rPr>
-              <a:t>        statements-2</a:t>
-            </a:r>
-          </a:p>
-          <a:p>
-            <a:r>
-              <a:rPr lang="en-US" sz="1600" dirty="0">
-                <a:solidFill>
-                  <a:srgbClr val="000000"/>
-                </a:solidFill>
-                <a:latin typeface="Courier" pitchFamily="2" charset="0"/>
-              </a:rPr>
-              <a:t>        </a:t>
-            </a:r>
-            <a:r>
-              <a:rPr lang="en-US" sz="1600" b="1" dirty="0">
-                <a:solidFill>
-                  <a:srgbClr val="000000"/>
-                </a:solidFill>
-                <a:latin typeface="Courier-Bold" pitchFamily="2" charset="0"/>
-              </a:rPr>
-              <a:t>;;</a:t>
-            </a:r>
-          </a:p>
-          <a:p>
-            <a:r>
-              <a:rPr lang="en-US" sz="1600" b="1" dirty="0">
-                <a:solidFill>
-                  <a:srgbClr val="000000"/>
-                </a:solidFill>
-                <a:latin typeface="Courier-Bold" pitchFamily="2" charset="0"/>
-              </a:rPr>
-              <a:t>        </a:t>
-            </a:r>
-            <a:r>
-              <a:rPr lang="en-US" sz="1600" dirty="0">
-                <a:solidFill>
-                  <a:srgbClr val="000000"/>
-                </a:solidFill>
-                <a:latin typeface="Courier" pitchFamily="2" charset="0"/>
-              </a:rPr>
-              <a:t>…</a:t>
-            </a:r>
-          </a:p>
-          <a:p>
-            <a:r>
-              <a:rPr lang="en-US" sz="1600" b="1" dirty="0" err="1">
-                <a:solidFill>
-                  <a:srgbClr val="000000"/>
-                </a:solidFill>
-                <a:latin typeface="Courier-Bold" pitchFamily="2" charset="0"/>
-              </a:rPr>
-              <a:t>esac</a:t>
-            </a:r>
-            <a:endParaRPr lang="en-US" sz="1600" dirty="0"/>
+        <p:style>
+          <a:lnRef idx="2">
+            <a:schemeClr val="accent1">
+              <a:shade val="50000"/>
+            </a:schemeClr>
+          </a:lnRef>
+          <a:fillRef idx="1">
+            <a:schemeClr val="accent1"/>
+          </a:fillRef>
+          <a:effectRef idx="0">
+            <a:schemeClr val="accent1"/>
+          </a:effectRef>
+          <a:fontRef idx="minor">
+            <a:schemeClr val="lt1"/>
+          </a:fontRef>
+        </p:style>
+        <p:txBody>
+          <a:bodyPr rtlCol="0" anchor="ctr"/>
+          <a:lstStyle/>
+          <a:p>
+            <a:pPr algn="ctr"/>
+            <a:endParaRPr lang="tr-TR"/>
           </a:p>
         </p:txBody>
       </p:sp>
@@ -4288,7 +3720,7 @@
         <p:spPr>
           <a:xfrm>
             <a:off x="1061012" y="1439162"/>
-            <a:ext cx="10069975" cy="3785652"/>
+            <a:ext cx="10069975" cy="5262979"/>
           </a:xfrm>
           <a:prstGeom prst="rect">
             <a:avLst/>
@@ -4308,6 +3740,14 @@
               <a:rPr lang="tr-TR" sz="2400" b="1" dirty="0" err="1"/>
               <a:t>Use</a:t>
             </a:r>
+            <a:r>
+              <a:rPr lang="tr-TR" sz="2400" b="1" dirty="0"/>
+              <a:t> </a:t>
+            </a:r>
+            <a:r>
+              <a:rPr lang="tr-TR" sz="2400" b="1" dirty="0" err="1"/>
+              <a:t>cases</a:t>
+            </a:r>
             <a:endParaRPr lang="tr-TR" sz="2400" b="1" dirty="0"/>
           </a:p>
           <a:p>
@@ -4316,12 +3756,8 @@
               <a:buChar char="•"/>
             </a:pPr>
             <a:r>
-              <a:rPr lang="tr-TR" sz="2400" dirty="0"/>
-              <a:t>in </a:t>
-            </a:r>
-            <a:r>
               <a:rPr lang="tr-TR" sz="2400" dirty="0" err="1"/>
-              <a:t>any</a:t>
+              <a:t>In</a:t>
             </a:r>
             <a:r>
               <a:rPr lang="tr-TR" sz="2400" dirty="0"/>
@@ -4329,15 +3765,41 @@
             </a:r>
             <a:r>
               <a:rPr lang="tr-TR" sz="2400" dirty="0" err="1"/>
-              <a:t>yaml</a:t>
+              <a:t>the</a:t>
             </a:r>
             <a:r>
               <a:rPr lang="tr-TR" sz="2400" dirty="0"/>
-              <a:t> file, but </a:t>
-            </a:r>
+              <a:t> </a:t>
+            </a:r>
+            <a:r>
+              <a:rPr lang="tr-TR" sz="2400" dirty="0" err="1">
+                <a:solidFill>
+                  <a:schemeClr val="accent2"/>
+                </a:solidFill>
+              </a:rPr>
+              <a:t>runscripts</a:t>
+            </a:r>
+            <a:r>
+              <a:rPr lang="tr-TR" sz="2400" dirty="0"/>
+              <a:t>:</a:t>
+            </a:r>
+          </a:p>
+          <a:p>
+            <a:pPr marL="800100" lvl="1" indent="-342900">
+              <a:buFont typeface="Courier New" panose="02070309020205020404" pitchFamily="49" charset="0"/>
+              <a:buChar char="o"/>
+            </a:pPr>
             <a:r>
               <a:rPr lang="tr-TR" sz="2400" dirty="0" err="1"/>
-              <a:t>normally</a:t>
+              <a:t>Make</a:t>
+            </a:r>
+            <a:r>
+              <a:rPr lang="tr-TR" sz="2400" dirty="0"/>
+              <a:t> </a:t>
+            </a:r>
+            <a:r>
+              <a:rPr lang="tr-TR" sz="2400" dirty="0" err="1"/>
+              <a:t>modifications</a:t>
             </a:r>
             <a:r>
               <a:rPr lang="tr-TR" sz="2400" dirty="0"/>
@@ -4352,12 +3814,8 @@
               <a:t> </a:t>
             </a:r>
             <a:r>
-              <a:rPr lang="tr-TR" sz="2400" b="1" dirty="0" err="1">
-                <a:solidFill>
-                  <a:schemeClr val="accent6"/>
-                </a:solidFill>
-              </a:rPr>
-              <a:t>configuration</a:t>
+              <a:rPr lang="tr-TR" sz="2400" dirty="0" err="1"/>
+              <a:t>namelists</a:t>
             </a:r>
             <a:r>
               <a:rPr lang="tr-TR" sz="2400" dirty="0"/>
@@ -4365,12 +3823,72 @@
             </a:r>
             <a:r>
               <a:rPr lang="tr-TR" sz="2400" dirty="0" err="1"/>
-              <a:t>files</a:t>
+              <a:t>specific</a:t>
+            </a:r>
+            <a:r>
+              <a:rPr lang="tr-TR" sz="2400" dirty="0"/>
+              <a:t> </a:t>
+            </a:r>
+            <a:r>
+              <a:rPr lang="tr-TR" sz="2400" dirty="0" err="1"/>
+              <a:t>to</a:t>
+            </a:r>
+            <a:r>
+              <a:rPr lang="tr-TR" sz="2400" dirty="0"/>
+              <a:t> </a:t>
+            </a:r>
+            <a:r>
+              <a:rPr lang="tr-TR" sz="2400" dirty="0" err="1"/>
+              <a:t>the</a:t>
+            </a:r>
+            <a:r>
+              <a:rPr lang="tr-TR" sz="2400" dirty="0"/>
+              <a:t> </a:t>
+            </a:r>
+            <a:r>
+              <a:rPr lang="tr-TR" sz="2400" dirty="0" err="1"/>
+              <a:t>current</a:t>
+            </a:r>
+            <a:r>
+              <a:rPr lang="tr-TR" sz="2400" dirty="0"/>
+              <a:t> </a:t>
+            </a:r>
+            <a:r>
+              <a:rPr lang="tr-TR" sz="2400" dirty="0" err="1"/>
+              <a:t>experiment</a:t>
             </a:r>
             <a:endParaRPr lang="tr-TR" sz="2400" dirty="0"/>
           </a:p>
           <a:p>
             <a:endParaRPr lang="tr-TR" sz="2400" dirty="0"/>
+          </a:p>
+          <a:p>
+            <a:r>
+              <a:rPr lang="tr-TR" sz="2400" b="1" dirty="0" err="1"/>
+              <a:t>Example</a:t>
+            </a:r>
+            <a:endParaRPr lang="tr-TR" sz="2400" b="1" dirty="0"/>
+          </a:p>
+          <a:p>
+            <a:endParaRPr lang="tr-TR" sz="2400" b="1" dirty="0"/>
+          </a:p>
+          <a:p>
+            <a:endParaRPr lang="tr-TR" sz="2400" b="1" dirty="0"/>
+          </a:p>
+          <a:p>
+            <a:endParaRPr lang="tr-TR" sz="2400" b="1" dirty="0"/>
+          </a:p>
+          <a:p>
+            <a:endParaRPr lang="tr-TR" sz="2400" b="1" dirty="0"/>
+          </a:p>
+          <a:p>
+            <a:endParaRPr lang="tr-TR" sz="2400" b="1" dirty="0"/>
+          </a:p>
+          <a:p>
+            <a:endParaRPr lang="tr-TR" sz="2400" b="1" dirty="0"/>
+          </a:p>
+          <a:p>
+            <a:endParaRPr lang="tr-TR" sz="2400" b="1" dirty="0"/>
           </a:p>
           <a:p>
             <a:r>
@@ -4385,8 +3903,12 @@
               <a:buChar char="•"/>
             </a:pPr>
             <a:r>
+              <a:rPr lang="tr-TR" sz="2400" dirty="0"/>
+              <a:t>User </a:t>
+            </a:r>
+            <a:r>
               <a:rPr lang="tr-TR" sz="2400" dirty="0" err="1"/>
-              <a:t>allows</a:t>
+              <a:t>only</a:t>
             </a:r>
             <a:r>
               <a:rPr lang="tr-TR" sz="2400" dirty="0"/>
@@ -4394,7 +3916,7 @@
             </a:r>
             <a:r>
               <a:rPr lang="tr-TR" sz="2400" dirty="0" err="1"/>
-              <a:t>to</a:t>
+              <a:t>needs</a:t>
             </a:r>
             <a:r>
               <a:rPr lang="tr-TR" sz="2400" dirty="0"/>
@@ -4402,23 +3924,7 @@
             </a:r>
             <a:r>
               <a:rPr lang="tr-TR" sz="2400" dirty="0" err="1"/>
-              <a:t>control</a:t>
-            </a:r>
-            <a:r>
-              <a:rPr lang="tr-TR" sz="2400" dirty="0"/>
-              <a:t> a </a:t>
-            </a:r>
-            <a:r>
-              <a:rPr lang="tr-TR" sz="2400" dirty="0" err="1"/>
-              <a:t>full</a:t>
-            </a:r>
-            <a:r>
-              <a:rPr lang="tr-TR" sz="2400" dirty="0"/>
-              <a:t> set of </a:t>
-            </a:r>
-            <a:r>
-              <a:rPr lang="tr-TR" sz="2400" dirty="0" err="1"/>
-              <a:t>configurations</a:t>
+              <a:t>to</a:t>
             </a:r>
             <a:r>
               <a:rPr lang="tr-TR" sz="2400" dirty="0"/>
@@ -4426,7 +3932,7 @@
             </a:r>
             <a:r>
               <a:rPr lang="tr-TR" sz="2400" dirty="0" err="1"/>
-              <a:t>under</a:t>
+              <a:t>modify</a:t>
             </a:r>
             <a:r>
               <a:rPr lang="tr-TR" sz="2400" dirty="0"/>
@@ -4434,7 +3940,7 @@
             </a:r>
             <a:r>
               <a:rPr lang="tr-TR" sz="2400" dirty="0" err="1"/>
-              <a:t>one</a:t>
+              <a:t>the</a:t>
             </a:r>
             <a:r>
               <a:rPr lang="tr-TR" sz="2400" dirty="0"/>
@@ -4442,50 +3948,26 @@
             </a:r>
             <a:r>
               <a:rPr lang="tr-TR" sz="2400" dirty="0" err="1"/>
-              <a:t>single</a:t>
+              <a:t>runscript</a:t>
             </a:r>
             <a:r>
               <a:rPr lang="tr-TR" sz="2400" dirty="0"/>
-              <a:t> </a:t>
+              <a:t> -&gt; </a:t>
             </a:r>
             <a:r>
               <a:rPr lang="tr-TR" sz="2400" dirty="0" err="1"/>
-              <a:t>selector</a:t>
-            </a:r>
-            <a:r>
-              <a:rPr lang="tr-TR" sz="2400" dirty="0"/>
-              <a:t> </a:t>
-            </a:r>
-            <a:r>
-              <a:rPr lang="tr-TR" sz="2400" dirty="0" err="1"/>
-              <a:t>variable</a:t>
+              <a:t>reproducibility</a:t>
             </a:r>
             <a:endParaRPr lang="tr-TR" sz="2400" dirty="0"/>
           </a:p>
-          <a:p>
-            <a:endParaRPr lang="tr-TR" sz="2400" dirty="0"/>
-          </a:p>
-          <a:p>
-            <a:r>
-              <a:rPr lang="tr-TR" sz="2400" b="1" dirty="0" err="1"/>
-              <a:t>Example</a:t>
-            </a:r>
-            <a:endParaRPr lang="tr-TR" sz="2400" b="1" dirty="0"/>
-          </a:p>
-          <a:p>
-            <a:endParaRPr lang="tr-TR" sz="2400" b="1" dirty="0"/>
-          </a:p>
-          <a:p>
-            <a:endParaRPr lang="tr-TR" sz="2400" dirty="0"/>
-          </a:p>
-        </p:txBody>
-      </p:sp>
-      <p:sp>
-        <p:nvSpPr>
-          <p:cNvPr id="9" name="Isosceles Triangle 6">
+        </p:txBody>
+      </p:sp>
+      <p:sp>
+        <p:nvSpPr>
+          <p:cNvPr id="18" name="Isosceles Triangle 6">
             <a:extLst>
               <a:ext uri="{FF2B5EF4-FFF2-40B4-BE49-F238E27FC236}">
-                <a16:creationId xmlns:a16="http://schemas.microsoft.com/office/drawing/2014/main" id="{3AE6C390-FCFD-32C8-E6A1-DFE7D0617364}"/>
+                <a16:creationId xmlns:a16="http://schemas.microsoft.com/office/drawing/2014/main" id="{78008318-56E5-99F1-7DBE-250E03015468}"/>
               </a:ext>
             </a:extLst>
           </p:cNvPr>
@@ -4494,7 +3976,7 @@
         </p:nvSpPr>
         <p:spPr>
           <a:xfrm rot="5400000">
-            <a:off x="348693" y="2594010"/>
+            <a:off x="348693" y="3002761"/>
             <a:ext cx="457812" cy="394666"/>
           </a:xfrm>
           <a:prstGeom prst="triangle">
@@ -4534,10 +4016,10 @@
       </p:sp>
       <p:sp>
         <p:nvSpPr>
-          <p:cNvPr id="18" name="Isosceles Triangle 6">
+          <p:cNvPr id="4" name="Rectangle 3">
             <a:extLst>
               <a:ext uri="{FF2B5EF4-FFF2-40B4-BE49-F238E27FC236}">
-                <a16:creationId xmlns:a16="http://schemas.microsoft.com/office/drawing/2014/main" id="{78008318-56E5-99F1-7DBE-250E03015468}"/>
+                <a16:creationId xmlns:a16="http://schemas.microsoft.com/office/drawing/2014/main" id="{609D7D30-C50F-F321-A165-183DA4B6259E}"/>
               </a:ext>
             </a:extLst>
           </p:cNvPr>
@@ -4545,8 +4027,322 @@
           <p:nvPr/>
         </p:nvSpPr>
         <p:spPr>
+          <a:xfrm>
+            <a:off x="745089" y="3760859"/>
+            <a:ext cx="10385898" cy="1846659"/>
+          </a:xfrm>
+          <a:prstGeom prst="rect">
+            <a:avLst/>
+          </a:prstGeom>
+          <a:ln w="12700">
+            <a:solidFill>
+              <a:schemeClr val="tx1"/>
+            </a:solidFill>
+          </a:ln>
+        </p:spPr>
+        <p:txBody>
+          <a:bodyPr wrap="square">
+            <a:spAutoFit/>
+          </a:bodyPr>
+          <a:lstStyle/>
+          <a:p>
+            <a:r>
+              <a:rPr lang="tr-TR" sz="2400" b="1" dirty="0" err="1"/>
+              <a:t>your_runscript.yaml</a:t>
+            </a:r>
+            <a:endParaRPr lang="en-US" sz="2400" dirty="0">
+              <a:solidFill>
+                <a:srgbClr val="0E6E35"/>
+              </a:solidFill>
+              <a:latin typeface="Courier" pitchFamily="2" charset="0"/>
+            </a:endParaRPr>
+          </a:p>
+          <a:p>
+            <a:r>
+              <a:rPr lang="en-US" dirty="0" err="1">
+                <a:solidFill>
+                  <a:srgbClr val="0E6E35"/>
+                </a:solidFill>
+                <a:latin typeface="Courier" pitchFamily="2" charset="0"/>
+              </a:rPr>
+              <a:t>fesom</a:t>
+            </a:r>
+            <a:r>
+              <a:rPr lang="en-US" dirty="0">
+                <a:solidFill>
+                  <a:srgbClr val="000000"/>
+                </a:solidFill>
+                <a:latin typeface="Courier" pitchFamily="2" charset="0"/>
+              </a:rPr>
+              <a:t>:</a:t>
+            </a:r>
+          </a:p>
+          <a:p>
+            <a:r>
+              <a:rPr lang="en-US" dirty="0">
+                <a:solidFill>
+                  <a:srgbClr val="0E6E35"/>
+                </a:solidFill>
+                <a:latin typeface="Courier" pitchFamily="2" charset="0"/>
+              </a:rPr>
+              <a:t>    </a:t>
+            </a:r>
+            <a:r>
+              <a:rPr lang="en-US" dirty="0" err="1">
+                <a:solidFill>
+                  <a:srgbClr val="0E6E35"/>
+                </a:solidFill>
+                <a:latin typeface="Courier" pitchFamily="2" charset="0"/>
+              </a:rPr>
+              <a:t>namelist_changes</a:t>
+            </a:r>
+            <a:r>
+              <a:rPr lang="en-US" dirty="0">
+                <a:solidFill>
+                  <a:srgbClr val="000000"/>
+                </a:solidFill>
+                <a:latin typeface="Courier" pitchFamily="2" charset="0"/>
+              </a:rPr>
+              <a:t>:</a:t>
+            </a:r>
+          </a:p>
+          <a:p>
+            <a:r>
+              <a:rPr lang="en-US" dirty="0">
+                <a:solidFill>
+                  <a:srgbClr val="0E6E35"/>
+                </a:solidFill>
+                <a:latin typeface="Courier" pitchFamily="2" charset="0"/>
+              </a:rPr>
+              <a:t>        </a:t>
+            </a:r>
+            <a:r>
+              <a:rPr lang="en-US" dirty="0" err="1">
+                <a:solidFill>
+                  <a:srgbClr val="0E6E35"/>
+                </a:solidFill>
+                <a:latin typeface="Courier" pitchFamily="2" charset="0"/>
+              </a:rPr>
+              <a:t>namelist.config</a:t>
+            </a:r>
+            <a:r>
+              <a:rPr lang="en-US" dirty="0">
+                <a:solidFill>
+                  <a:srgbClr val="000000"/>
+                </a:solidFill>
+                <a:latin typeface="Courier" pitchFamily="2" charset="0"/>
+              </a:rPr>
+              <a:t>:</a:t>
+            </a:r>
+          </a:p>
+          <a:p>
+            <a:r>
+              <a:rPr lang="en-US" dirty="0">
+                <a:solidFill>
+                  <a:srgbClr val="0E6E35"/>
+                </a:solidFill>
+                <a:latin typeface="Courier" pitchFamily="2" charset="0"/>
+              </a:rPr>
+              <a:t>            paths</a:t>
+            </a:r>
+            <a:r>
+              <a:rPr lang="en-US" dirty="0">
+                <a:solidFill>
+                  <a:srgbClr val="000000"/>
+                </a:solidFill>
+                <a:latin typeface="Courier" pitchFamily="2" charset="0"/>
+              </a:rPr>
+              <a:t>:</a:t>
+            </a:r>
+          </a:p>
+          <a:p>
+            <a:r>
+              <a:rPr lang="en-US" dirty="0">
+                <a:solidFill>
+                  <a:srgbClr val="0F7001"/>
+                </a:solidFill>
+                <a:latin typeface="Courier" pitchFamily="2" charset="0"/>
+              </a:rPr>
+              <a:t>                </a:t>
+            </a:r>
+            <a:r>
+              <a:rPr lang="en-US" dirty="0" err="1">
+                <a:solidFill>
+                  <a:srgbClr val="0F7001"/>
+                </a:solidFill>
+                <a:latin typeface="Courier" pitchFamily="2" charset="0"/>
+              </a:rPr>
+              <a:t>ClimateDataPath</a:t>
+            </a:r>
+            <a:r>
+              <a:rPr lang="en-US" b="1" dirty="0">
+                <a:solidFill>
+                  <a:srgbClr val="921A20"/>
+                </a:solidFill>
+                <a:latin typeface="Courier-Bold" pitchFamily="2" charset="0"/>
+              </a:rPr>
+              <a:t>: </a:t>
+            </a:r>
+            <a:r>
+              <a:rPr lang="en-US" dirty="0">
+                <a:solidFill>
+                  <a:srgbClr val="C100C4"/>
+                </a:solidFill>
+                <a:latin typeface="Courier" pitchFamily="2" charset="0"/>
+              </a:rPr>
+              <a:t>"/work/ab0995/a270152/fesom2/input/</a:t>
+            </a:r>
+            <a:r>
+              <a:rPr lang="en-US" dirty="0" err="1">
+                <a:solidFill>
+                  <a:srgbClr val="C100C4"/>
+                </a:solidFill>
+                <a:latin typeface="Courier" pitchFamily="2" charset="0"/>
+              </a:rPr>
+              <a:t>init</a:t>
+            </a:r>
+            <a:r>
+              <a:rPr lang="en-US" dirty="0">
+                <a:solidFill>
+                  <a:srgbClr val="C100C4"/>
+                </a:solidFill>
+                <a:latin typeface="Courier" pitchFamily="2" charset="0"/>
+              </a:rPr>
+              <a:t>/"</a:t>
+            </a:r>
+            <a:endParaRPr lang="en-US" dirty="0"/>
+          </a:p>
+        </p:txBody>
+      </p:sp>
+      <p:sp>
+        <p:nvSpPr>
+          <p:cNvPr id="8" name="Rectangle 7">
+            <a:extLst>
+              <a:ext uri="{FF2B5EF4-FFF2-40B4-BE49-F238E27FC236}">
+                <a16:creationId xmlns:a16="http://schemas.microsoft.com/office/drawing/2014/main" id="{70412DDB-0E84-E47B-83C0-5312033517B6}"/>
+              </a:ext>
+            </a:extLst>
+          </p:cNvPr>
+          <p:cNvSpPr/>
+          <p:nvPr/>
+        </p:nvSpPr>
+        <p:spPr>
+          <a:xfrm>
+            <a:off x="4532899" y="2837530"/>
+            <a:ext cx="7444205" cy="1846659"/>
+          </a:xfrm>
+          <a:prstGeom prst="rect">
+            <a:avLst/>
+          </a:prstGeom>
+          <a:solidFill>
+            <a:schemeClr val="bg1"/>
+          </a:solidFill>
+          <a:ln w="12700">
+            <a:solidFill>
+              <a:schemeClr val="tx1"/>
+            </a:solidFill>
+          </a:ln>
+        </p:spPr>
+        <p:txBody>
+          <a:bodyPr wrap="square">
+            <a:spAutoFit/>
+          </a:bodyPr>
+          <a:lstStyle/>
+          <a:p>
+            <a:r>
+              <a:rPr lang="en-GB" sz="2400" b="1" dirty="0" err="1"/>
+              <a:t>namelist.config</a:t>
+            </a:r>
+            <a:endParaRPr lang="en-US" sz="2400" dirty="0">
+              <a:solidFill>
+                <a:srgbClr val="0E6E35"/>
+              </a:solidFill>
+              <a:latin typeface="Courier" pitchFamily="2" charset="0"/>
+            </a:endParaRPr>
+          </a:p>
+          <a:p>
+            <a:r>
+              <a:rPr lang="en-US" dirty="0"/>
+              <a:t>&amp;paths</a:t>
+            </a:r>
+          </a:p>
+          <a:p>
+            <a:r>
+              <a:rPr lang="en-US" dirty="0" err="1"/>
+              <a:t>MeshPath</a:t>
+            </a:r>
+            <a:r>
+              <a:rPr lang="en-US" dirty="0"/>
+              <a:t>='/work/ollie/projects/</a:t>
+            </a:r>
+            <a:r>
+              <a:rPr lang="en-US" dirty="0" err="1"/>
+              <a:t>clidyn</a:t>
+            </a:r>
+            <a:r>
+              <a:rPr lang="en-US" dirty="0"/>
+              <a:t>/FESOM2/meshes/core2/'</a:t>
+            </a:r>
+          </a:p>
+          <a:p>
+            <a:r>
+              <a:rPr lang="en-US" b="1" dirty="0" err="1"/>
+              <a:t>ClimateDataPath</a:t>
+            </a:r>
+            <a:r>
+              <a:rPr lang="en-US" dirty="0"/>
+              <a:t>='/work/ollie/projects/</a:t>
+            </a:r>
+            <a:r>
+              <a:rPr lang="en-US" dirty="0" err="1"/>
+              <a:t>clidyn</a:t>
+            </a:r>
+            <a:r>
+              <a:rPr lang="en-US" dirty="0"/>
+              <a:t>/FESOM2/hydrography/phc3.0/'</a:t>
+            </a:r>
+          </a:p>
+          <a:p>
+            <a:r>
+              <a:rPr lang="en-US" dirty="0" err="1"/>
+              <a:t>ResultPath</a:t>
+            </a:r>
+            <a:r>
+              <a:rPr lang="en-US" dirty="0"/>
+              <a:t>='../</a:t>
+            </a:r>
+            <a:r>
+              <a:rPr lang="en-US" dirty="0" err="1"/>
+              <a:t>result_tmp</a:t>
+            </a:r>
+            <a:r>
+              <a:rPr lang="en-US" dirty="0"/>
+              <a:t>/'</a:t>
+            </a:r>
+          </a:p>
+          <a:p>
+            <a:r>
+              <a:rPr lang="en-US" dirty="0"/>
+              <a:t>/</a:t>
+            </a:r>
+          </a:p>
+        </p:txBody>
+      </p:sp>
+      <p:sp>
+        <p:nvSpPr>
+          <p:cNvPr id="9" name="Isosceles Triangle 6">
+            <a:extLst>
+              <a:ext uri="{FF2B5EF4-FFF2-40B4-BE49-F238E27FC236}">
+                <a16:creationId xmlns:a16="http://schemas.microsoft.com/office/drawing/2014/main" id="{193B25F2-9ACE-3AA1-A26D-7CF7384C17DE}"/>
+              </a:ext>
+            </a:extLst>
+          </p:cNvPr>
+          <p:cNvSpPr/>
+          <p:nvPr/>
+        </p:nvSpPr>
+        <p:spPr>
           <a:xfrm rot="5400000">
-            <a:off x="348693" y="4079099"/>
+            <a:off x="348693" y="5880916"/>
             <a:ext cx="457812" cy="394666"/>
           </a:xfrm>
           <a:prstGeom prst="triangle">
@@ -4584,415 +4380,10 @@
           </a:p>
         </p:txBody>
       </p:sp>
-      <p:sp>
-        <p:nvSpPr>
-          <p:cNvPr id="19" name="TextBox 18">
-            <a:extLst>
-              <a:ext uri="{FF2B5EF4-FFF2-40B4-BE49-F238E27FC236}">
-                <a16:creationId xmlns:a16="http://schemas.microsoft.com/office/drawing/2014/main" id="{8E460922-D5EC-B377-CE0C-6989E9DD2AE0}"/>
-              </a:ext>
-            </a:extLst>
-          </p:cNvPr>
-          <p:cNvSpPr txBox="1"/>
-          <p:nvPr/>
-        </p:nvSpPr>
-        <p:spPr>
-          <a:xfrm>
-            <a:off x="917184" y="4642346"/>
-            <a:ext cx="6599884" cy="2062103"/>
-          </a:xfrm>
-          <a:prstGeom prst="rect">
-            <a:avLst/>
-          </a:prstGeom>
-          <a:noFill/>
-          <a:ln w="12700">
-            <a:solidFill>
-              <a:schemeClr val="tx1"/>
-            </a:solidFill>
-          </a:ln>
-          <a:effectLst/>
-        </p:spPr>
-        <p:txBody>
-          <a:bodyPr wrap="none" rtlCol="0">
-            <a:spAutoFit/>
-          </a:bodyPr>
-          <a:lstStyle/>
-          <a:p>
-            <a:r>
-              <a:rPr lang="tr-TR" sz="2000" b="1" dirty="0"/>
-              <a:t>fesom-2.1.yaml</a:t>
-            </a:r>
-          </a:p>
-          <a:p>
-            <a:r>
-              <a:rPr lang="en-US" sz="1200" dirty="0" err="1">
-                <a:solidFill>
-                  <a:srgbClr val="0E6E35"/>
-                </a:solidFill>
-                <a:latin typeface="Courier" pitchFamily="2" charset="0"/>
-              </a:rPr>
-              <a:t>choose_icb_code</a:t>
-            </a:r>
-            <a:r>
-              <a:rPr lang="en-US" sz="1200" dirty="0">
-                <a:solidFill>
-                  <a:srgbClr val="000000"/>
-                </a:solidFill>
-                <a:latin typeface="Courier" pitchFamily="2" charset="0"/>
-              </a:rPr>
-              <a:t>:</a:t>
-            </a:r>
-          </a:p>
-          <a:p>
-            <a:r>
-              <a:rPr lang="en-US" sz="1200" dirty="0">
-                <a:solidFill>
-                  <a:srgbClr val="0E6E35"/>
-                </a:solidFill>
-                <a:latin typeface="Courier" pitchFamily="2" charset="0"/>
-              </a:rPr>
-              <a:t>    True</a:t>
-            </a:r>
-            <a:r>
-              <a:rPr lang="en-US" sz="1200" dirty="0">
-                <a:solidFill>
-                  <a:srgbClr val="000000"/>
-                </a:solidFill>
-                <a:latin typeface="Courier" pitchFamily="2" charset="0"/>
-              </a:rPr>
-              <a:t>:</a:t>
-            </a:r>
-          </a:p>
-          <a:p>
-            <a:r>
-              <a:rPr lang="en-US" sz="1200" dirty="0">
-                <a:solidFill>
-                  <a:srgbClr val="0E6E35"/>
-                </a:solidFill>
-                <a:latin typeface="Courier" pitchFamily="2" charset="0"/>
-              </a:rPr>
-              <a:t>        </a:t>
-            </a:r>
-            <a:r>
-              <a:rPr lang="en-US" sz="1200" dirty="0" err="1">
-                <a:solidFill>
-                  <a:srgbClr val="0E6E35"/>
-                </a:solidFill>
-                <a:latin typeface="Courier" pitchFamily="2" charset="0"/>
-              </a:rPr>
-              <a:t>add_namelist_changes</a:t>
-            </a:r>
-            <a:r>
-              <a:rPr lang="en-US" sz="1200" dirty="0">
-                <a:solidFill>
-                  <a:srgbClr val="000000"/>
-                </a:solidFill>
-                <a:latin typeface="Courier" pitchFamily="2" charset="0"/>
-              </a:rPr>
-              <a:t>:</a:t>
-            </a:r>
-          </a:p>
-          <a:p>
-            <a:r>
-              <a:rPr lang="en-US" sz="1200" dirty="0">
-                <a:solidFill>
-                  <a:srgbClr val="0E6E35"/>
-                </a:solidFill>
-                <a:latin typeface="Courier" pitchFamily="2" charset="0"/>
-              </a:rPr>
-              <a:t>            </a:t>
-            </a:r>
-            <a:r>
-              <a:rPr lang="en-US" sz="1200" dirty="0" err="1">
-                <a:solidFill>
-                  <a:srgbClr val="0E6E35"/>
-                </a:solidFill>
-                <a:latin typeface="Courier" pitchFamily="2" charset="0"/>
-              </a:rPr>
-              <a:t>namelist.config</a:t>
-            </a:r>
-            <a:r>
-              <a:rPr lang="en-US" sz="1200" dirty="0">
-                <a:solidFill>
-                  <a:srgbClr val="000000"/>
-                </a:solidFill>
-                <a:latin typeface="Courier" pitchFamily="2" charset="0"/>
-              </a:rPr>
-              <a:t>:</a:t>
-            </a:r>
-          </a:p>
-          <a:p>
-            <a:r>
-              <a:rPr lang="en-US" sz="1200" dirty="0">
-                <a:solidFill>
-                  <a:srgbClr val="0E6E35"/>
-                </a:solidFill>
-                <a:latin typeface="Courier" pitchFamily="2" charset="0"/>
-              </a:rPr>
-              <a:t>                icebergs</a:t>
-            </a:r>
-            <a:r>
-              <a:rPr lang="en-US" sz="1200" dirty="0">
-                <a:solidFill>
-                  <a:srgbClr val="000000"/>
-                </a:solidFill>
-                <a:latin typeface="Courier" pitchFamily="2" charset="0"/>
-              </a:rPr>
-              <a:t>:</a:t>
-            </a:r>
-          </a:p>
-          <a:p>
-            <a:r>
-              <a:rPr lang="en-US" sz="1200" dirty="0">
-                <a:solidFill>
-                  <a:srgbClr val="0F7001"/>
-                </a:solidFill>
-                <a:latin typeface="Courier" pitchFamily="2" charset="0"/>
-              </a:rPr>
-              <a:t>                    </a:t>
-            </a:r>
-            <a:r>
-              <a:rPr lang="en-US" sz="1200" dirty="0" err="1">
-                <a:solidFill>
-                  <a:srgbClr val="0F7001"/>
-                </a:solidFill>
-                <a:latin typeface="Courier" pitchFamily="2" charset="0"/>
-              </a:rPr>
-              <a:t>use_icebergs</a:t>
-            </a:r>
-            <a:r>
-              <a:rPr lang="en-US" sz="1200" b="1" dirty="0">
-                <a:solidFill>
-                  <a:srgbClr val="921A20"/>
-                </a:solidFill>
-                <a:latin typeface="Courier-Bold" pitchFamily="2" charset="0"/>
-              </a:rPr>
-              <a:t>: </a:t>
-            </a:r>
-            <a:r>
-              <a:rPr lang="en-US" sz="1200" dirty="0">
-                <a:solidFill>
-                  <a:srgbClr val="C100C4"/>
-                </a:solidFill>
-                <a:latin typeface="Courier" pitchFamily="2" charset="0"/>
-              </a:rPr>
-              <a:t>"${</a:t>
-            </a:r>
-            <a:r>
-              <a:rPr lang="en-US" sz="1200" dirty="0" err="1">
-                <a:solidFill>
-                  <a:srgbClr val="C100C4"/>
-                </a:solidFill>
-                <a:latin typeface="Courier" pitchFamily="2" charset="0"/>
-              </a:rPr>
-              <a:t>use_icebergs</a:t>
-            </a:r>
-            <a:r>
-              <a:rPr lang="en-US" sz="1200" dirty="0">
-                <a:solidFill>
-                  <a:srgbClr val="C100C4"/>
-                </a:solidFill>
-                <a:latin typeface="Courier" pitchFamily="2" charset="0"/>
-              </a:rPr>
-              <a:t>}”</a:t>
-            </a:r>
-          </a:p>
-          <a:p>
-            <a:r>
-              <a:rPr lang="en-US" sz="1200" dirty="0">
-                <a:solidFill>
-                  <a:srgbClr val="0F7001"/>
-                </a:solidFill>
-                <a:latin typeface="Courier" pitchFamily="2" charset="0"/>
-              </a:rPr>
-              <a:t>                    </a:t>
-            </a:r>
-            <a:r>
-              <a:rPr lang="en-US" sz="1200" dirty="0" err="1">
-                <a:solidFill>
-                  <a:srgbClr val="0F7001"/>
-                </a:solidFill>
-                <a:latin typeface="Courier" pitchFamily="2" charset="0"/>
-              </a:rPr>
-              <a:t>use_icesheet_coupling</a:t>
-            </a:r>
-            <a:r>
-              <a:rPr lang="en-US" sz="1200" b="1" dirty="0">
-                <a:solidFill>
-                  <a:srgbClr val="921A20"/>
-                </a:solidFill>
-                <a:latin typeface="Courier-Bold" pitchFamily="2" charset="0"/>
-              </a:rPr>
-              <a:t>: </a:t>
-            </a:r>
-            <a:r>
-              <a:rPr lang="en-US" sz="1200" dirty="0">
-                <a:solidFill>
-                  <a:srgbClr val="C100C4"/>
-                </a:solidFill>
-                <a:latin typeface="Courier" pitchFamily="2" charset="0"/>
-              </a:rPr>
-              <a:t>"${</a:t>
-            </a:r>
-            <a:r>
-              <a:rPr lang="en-US" sz="1200" dirty="0" err="1">
-                <a:solidFill>
-                  <a:srgbClr val="C100C4"/>
-                </a:solidFill>
-                <a:latin typeface="Courier" pitchFamily="2" charset="0"/>
-              </a:rPr>
-              <a:t>use_icesheet_coupling</a:t>
-            </a:r>
-            <a:r>
-              <a:rPr lang="en-US" sz="1200" dirty="0">
-                <a:solidFill>
-                  <a:srgbClr val="C100C4"/>
-                </a:solidFill>
-                <a:latin typeface="Courier" pitchFamily="2" charset="0"/>
-              </a:rPr>
-              <a:t>}”</a:t>
-            </a:r>
-          </a:p>
-          <a:p>
-            <a:r>
-              <a:rPr lang="en-US" sz="1200" dirty="0">
-                <a:solidFill>
-                  <a:srgbClr val="0F7001"/>
-                </a:solidFill>
-                <a:latin typeface="Courier" pitchFamily="2" charset="0"/>
-              </a:rPr>
-              <a:t>                    </a:t>
-            </a:r>
-            <a:r>
-              <a:rPr lang="en-US" sz="1200" dirty="0" err="1">
-                <a:solidFill>
-                  <a:srgbClr val="0F7001"/>
-                </a:solidFill>
-                <a:latin typeface="Courier" pitchFamily="2" charset="0"/>
-              </a:rPr>
-              <a:t>steps_per_ib_step</a:t>
-            </a:r>
-            <a:r>
-              <a:rPr lang="en-US" sz="1200" b="1" dirty="0">
-                <a:solidFill>
-                  <a:srgbClr val="921A20"/>
-                </a:solidFill>
-                <a:latin typeface="Courier-Bold" pitchFamily="2" charset="0"/>
-              </a:rPr>
-              <a:t>: </a:t>
-            </a:r>
-            <a:r>
-              <a:rPr lang="en-US" sz="1200" dirty="0">
-                <a:solidFill>
-                  <a:srgbClr val="000000"/>
-                </a:solidFill>
-                <a:latin typeface="Courier" pitchFamily="2" charset="0"/>
-              </a:rPr>
-              <a:t>8</a:t>
-            </a:r>
-            <a:endParaRPr lang="en-US" sz="1200" dirty="0"/>
-          </a:p>
-          <a:p>
-            <a:endParaRPr lang="en-US" sz="1200" dirty="0"/>
-          </a:p>
-        </p:txBody>
-      </p:sp>
-      <p:sp>
-        <p:nvSpPr>
-          <p:cNvPr id="24" name="TextBox 23">
-            <a:extLst>
-              <a:ext uri="{FF2B5EF4-FFF2-40B4-BE49-F238E27FC236}">
-                <a16:creationId xmlns:a16="http://schemas.microsoft.com/office/drawing/2014/main" id="{DC00F45B-3DC7-C3D2-0834-0C800AF4037F}"/>
-              </a:ext>
-            </a:extLst>
-          </p:cNvPr>
-          <p:cNvSpPr txBox="1"/>
-          <p:nvPr/>
-        </p:nvSpPr>
-        <p:spPr>
-          <a:xfrm>
-            <a:off x="8394927" y="4642346"/>
-            <a:ext cx="2330638" cy="769441"/>
-          </a:xfrm>
-          <a:prstGeom prst="rect">
-            <a:avLst/>
-          </a:prstGeom>
-          <a:noFill/>
-          <a:ln w="12700">
-            <a:solidFill>
-              <a:schemeClr val="tx1"/>
-            </a:solidFill>
-          </a:ln>
-          <a:effectLst/>
-        </p:spPr>
-        <p:txBody>
-          <a:bodyPr wrap="none" rtlCol="0">
-            <a:spAutoFit/>
-          </a:bodyPr>
-          <a:lstStyle/>
-          <a:p>
-            <a:r>
-              <a:rPr lang="tr-TR" sz="2000" b="1" dirty="0" err="1"/>
-              <a:t>your_runscript.yaml</a:t>
-            </a:r>
-            <a:endParaRPr lang="tr-TR" sz="2000" b="1" dirty="0"/>
-          </a:p>
-          <a:p>
-            <a:r>
-              <a:rPr lang="en-US" sz="1200" dirty="0" err="1">
-                <a:solidFill>
-                  <a:srgbClr val="0E6E35"/>
-                </a:solidFill>
-                <a:latin typeface="Courier" pitchFamily="2" charset="0"/>
-              </a:rPr>
-              <a:t>fesom</a:t>
-            </a:r>
-            <a:r>
-              <a:rPr lang="en-US" sz="1200" dirty="0">
-                <a:solidFill>
-                  <a:srgbClr val="000000"/>
-                </a:solidFill>
-                <a:latin typeface="Courier" pitchFamily="2" charset="0"/>
-              </a:rPr>
-              <a:t>:</a:t>
-            </a:r>
-          </a:p>
-          <a:p>
-            <a:r>
-              <a:rPr lang="en-US" sz="1200" dirty="0">
-                <a:solidFill>
-                  <a:srgbClr val="0E6E35"/>
-                </a:solidFill>
-                <a:latin typeface="Courier" pitchFamily="2" charset="0"/>
-              </a:rPr>
-              <a:t>    </a:t>
-            </a:r>
-            <a:r>
-              <a:rPr lang="en-US" sz="1200" dirty="0" err="1">
-                <a:solidFill>
-                  <a:srgbClr val="0E6E35"/>
-                </a:solidFill>
-                <a:latin typeface="Courier" pitchFamily="2" charset="0"/>
-              </a:rPr>
-              <a:t>icb_code</a:t>
-            </a:r>
-            <a:r>
-              <a:rPr lang="en-US" sz="1200" dirty="0">
-                <a:solidFill>
-                  <a:srgbClr val="000000"/>
-                </a:solidFill>
-                <a:latin typeface="Courier" pitchFamily="2" charset="0"/>
-              </a:rPr>
-              <a:t>: True</a:t>
-            </a:r>
-            <a:endParaRPr lang="en-US" sz="1200" dirty="0"/>
-          </a:p>
-        </p:txBody>
-      </p:sp>
     </p:spTree>
     <p:extLst>
       <p:ext uri="{BB962C8B-B14F-4D97-AF65-F5344CB8AC3E}">
-        <p14:creationId xmlns:p14="http://schemas.microsoft.com/office/powerpoint/2010/main" val="2573257964"/>
+        <p14:creationId xmlns:p14="http://schemas.microsoft.com/office/powerpoint/2010/main" val="4024969626"/>
       </p:ext>
     </p:extLst>
   </p:cSld>
@@ -5123,7 +4514,7 @@
         <p:spPr>
           <a:xfrm>
             <a:off x="1061012" y="1439162"/>
-            <a:ext cx="6798937" cy="4893647"/>
+            <a:ext cx="10069975" cy="3416320"/>
           </a:xfrm>
           <a:prstGeom prst="rect">
             <a:avLst/>
@@ -5141,26 +4532,7 @@
           <a:p>
             <a:r>
               <a:rPr lang="tr-TR" sz="2400" b="1" dirty="0" err="1"/>
-              <a:t>Syntax</a:t>
-            </a:r>
-            <a:endParaRPr lang="tr-TR" sz="2400" b="1" dirty="0"/>
-          </a:p>
-          <a:p>
-            <a:endParaRPr lang="tr-TR" sz="2400" b="1" dirty="0"/>
-          </a:p>
-          <a:p>
-            <a:endParaRPr lang="tr-TR" sz="2400" b="1" dirty="0"/>
-          </a:p>
-          <a:p>
-            <a:endParaRPr lang="tr-TR" sz="2400" b="1" dirty="0"/>
-          </a:p>
-          <a:p>
-            <a:endParaRPr lang="tr-TR" sz="2400" b="1" dirty="0"/>
-          </a:p>
-          <a:p>
-            <a:r>
-              <a:rPr lang="tr-TR" sz="2400" b="1" dirty="0" err="1"/>
-              <a:t>Advance</a:t>
+              <a:t>Use</a:t>
             </a:r>
             <a:r>
               <a:rPr lang="tr-TR" sz="2400" b="1" dirty="0"/>
@@ -5168,7 +4540,7 @@
             </a:r>
             <a:r>
               <a:rPr lang="tr-TR" sz="2400" b="1" dirty="0" err="1"/>
-              <a:t>syntax</a:t>
+              <a:t>cases</a:t>
             </a:r>
             <a:endParaRPr lang="tr-TR" sz="2400" b="1" dirty="0"/>
           </a:p>
@@ -5179,7 +4551,7 @@
             </a:pPr>
             <a:r>
               <a:rPr lang="tr-TR" sz="2400" dirty="0" err="1"/>
-              <a:t>Allows</a:t>
+              <a:t>In</a:t>
             </a:r>
             <a:r>
               <a:rPr lang="tr-TR" sz="2400" dirty="0"/>
@@ -5187,23 +4559,53 @@
             </a:r>
             <a:r>
               <a:rPr lang="tr-TR" sz="2400" dirty="0" err="1"/>
-              <a:t>for</a:t>
+              <a:t>the</a:t>
             </a:r>
             <a:r>
               <a:rPr lang="tr-TR" sz="2400" dirty="0"/>
               <a:t> </a:t>
             </a:r>
             <a:r>
+              <a:rPr lang="tr-TR" sz="2400" dirty="0" err="1">
+                <a:solidFill>
+                  <a:schemeClr val="accent2"/>
+                </a:solidFill>
+              </a:rPr>
+              <a:t>configuration</a:t>
+            </a:r>
+            <a:r>
+              <a:rPr lang="tr-TR" sz="2400" dirty="0">
+                <a:solidFill>
+                  <a:schemeClr val="accent2"/>
+                </a:solidFill>
+              </a:rPr>
+              <a:t> </a:t>
+            </a:r>
+            <a:r>
+              <a:rPr lang="tr-TR" sz="2400" dirty="0" err="1">
+                <a:solidFill>
+                  <a:schemeClr val="accent2"/>
+                </a:solidFill>
+              </a:rPr>
+              <a:t>files</a:t>
+            </a:r>
+            <a:r>
+              <a:rPr lang="tr-TR" sz="2400" dirty="0"/>
+              <a:t>:</a:t>
+            </a:r>
+          </a:p>
+          <a:p>
+            <a:pPr marL="800100" lvl="1" indent="-342900">
+              <a:buFont typeface="Courier New" panose="02070309020205020404" pitchFamily="49" charset="0"/>
+              <a:buChar char="o"/>
+            </a:pPr>
+            <a:r>
+              <a:rPr lang="tr-TR" sz="2400" dirty="0"/>
+              <a:t>Define </a:t>
+            </a:r>
+            <a:r>
               <a:rPr lang="tr-TR" sz="2400" dirty="0" err="1"/>
-              <a:t>selecting</a:t>
-            </a:r>
-            <a:r>
-              <a:rPr lang="tr-TR" sz="2400" dirty="0"/>
-              <a:t> a </a:t>
-            </a:r>
-            <a:r>
-              <a:rPr lang="tr-TR" sz="2400" dirty="0" err="1"/>
-              <a:t>case</a:t>
+              <a:t>the</a:t>
             </a:r>
             <a:r>
               <a:rPr lang="tr-TR" sz="2400" dirty="0"/>
@@ -5211,11 +4613,11 @@
             </a:r>
             <a:r>
               <a:rPr lang="tr-TR" sz="2400" dirty="0" err="1"/>
-              <a:t>based</a:t>
+              <a:t>yaml</a:t>
             </a:r>
             <a:r>
               <a:rPr lang="tr-TR" sz="2400" dirty="0"/>
-              <a:t> on </a:t>
+              <a:t> </a:t>
             </a:r>
             <a:r>
               <a:rPr lang="tr-TR" sz="2400" dirty="0" err="1"/>
@@ -5223,11 +4625,11 @@
             </a:r>
             <a:r>
               <a:rPr lang="tr-TR" sz="2400" dirty="0"/>
-              <a:t> in a </a:t>
+              <a:t> </a:t>
             </a:r>
             <a:r>
               <a:rPr lang="tr-TR" sz="2400" dirty="0" err="1"/>
-              <a:t>different</a:t>
+              <a:t>through</a:t>
             </a:r>
             <a:r>
               <a:rPr lang="tr-TR" sz="2400" dirty="0"/>
@@ -5235,28 +4637,93 @@
             </a:r>
             <a:r>
               <a:rPr lang="tr-TR" sz="2400" dirty="0" err="1"/>
-              <a:t>section</a:t>
-            </a:r>
-            <a:endParaRPr lang="tr-TR" sz="2400" dirty="0"/>
-          </a:p>
-          <a:p>
-            <a:pPr marL="342900" indent="-342900">
-              <a:buFont typeface="Arial" panose="020B0604020202020204" pitchFamily="34" charset="0"/>
-              <a:buChar char="•"/>
+              <a:t>the</a:t>
+            </a:r>
+            <a:r>
+              <a:rPr lang="tr-TR" sz="2400" dirty="0"/>
+              <a:t> ESM-Tools </a:t>
+            </a:r>
+            <a:r>
+              <a:rPr lang="tr-TR" sz="2400" dirty="0" err="1"/>
+              <a:t>extended-syntax</a:t>
+            </a:r>
+            <a:r>
+              <a:rPr lang="tr-TR" sz="2400" dirty="0"/>
+              <a:t> (</a:t>
+            </a:r>
+            <a:r>
+              <a:rPr lang="tr-TR" sz="2400" dirty="0" err="1"/>
+              <a:t>i.e</a:t>
+            </a:r>
+            <a:r>
+              <a:rPr lang="tr-TR" sz="2400" dirty="0"/>
+              <a:t>. </a:t>
+            </a:r>
+            <a:r>
+              <a:rPr lang="tr-TR" sz="2400" dirty="0" err="1">
+                <a:solidFill>
+                  <a:schemeClr val="accent2"/>
+                </a:solidFill>
+              </a:rPr>
+              <a:t>choose</a:t>
+            </a:r>
+            <a:r>
+              <a:rPr lang="tr-TR" sz="2400" dirty="0">
+                <a:solidFill>
+                  <a:schemeClr val="accent2"/>
+                </a:solidFill>
+              </a:rPr>
+              <a:t>_ </a:t>
+            </a:r>
+            <a:r>
+              <a:rPr lang="tr-TR" sz="2400" dirty="0" err="1">
+                <a:solidFill>
+                  <a:schemeClr val="accent2"/>
+                </a:solidFill>
+              </a:rPr>
+              <a:t>blocks</a:t>
+            </a:r>
+            <a:r>
+              <a:rPr lang="tr-TR" sz="2400" dirty="0"/>
+              <a:t>, </a:t>
+            </a:r>
+            <a:r>
+              <a:rPr lang="tr-TR" sz="2400" dirty="0" err="1">
+                <a:solidFill>
+                  <a:schemeClr val="accent2"/>
+                </a:solidFill>
+              </a:rPr>
+              <a:t>variable</a:t>
+            </a:r>
+            <a:r>
+              <a:rPr lang="tr-TR" sz="2400" dirty="0">
+                <a:solidFill>
+                  <a:schemeClr val="accent2"/>
+                </a:solidFill>
+              </a:rPr>
+              <a:t> </a:t>
+            </a:r>
+            <a:r>
+              <a:rPr lang="tr-TR" sz="2400" dirty="0" err="1">
+                <a:solidFill>
+                  <a:schemeClr val="accent2"/>
+                </a:solidFill>
+              </a:rPr>
+              <a:t>calls</a:t>
+            </a:r>
+            <a:r>
+              <a:rPr lang="tr-TR" sz="2400" dirty="0"/>
+              <a:t>, …)</a:t>
+            </a:r>
+          </a:p>
+          <a:p>
+            <a:pPr marL="800100" lvl="1" indent="-342900">
+              <a:buFont typeface="Courier New" panose="02070309020205020404" pitchFamily="49" charset="0"/>
+              <a:buChar char="o"/>
             </a:pPr>
-            <a:endParaRPr lang="tr-TR" sz="2400" dirty="0"/>
-          </a:p>
-          <a:p>
-            <a:endParaRPr lang="tr-TR" sz="2400" dirty="0"/>
-          </a:p>
-          <a:p>
-            <a:pPr marL="342900" indent="-342900">
-              <a:buFont typeface="Arial" panose="020B0604020202020204" pitchFamily="34" charset="0"/>
-              <a:buChar char="•"/>
-            </a:pPr>
             <a:r>
               <a:rPr lang="tr-TR" sz="2400" dirty="0" err="1"/>
-              <a:t>Allows</a:t>
+              <a:t>Use</a:t>
             </a:r>
             <a:r>
               <a:rPr lang="tr-TR" sz="2400" dirty="0"/>
@@ -5264,15 +4731,7 @@
             </a:r>
             <a:r>
               <a:rPr lang="tr-TR" sz="2400" dirty="0" err="1"/>
-              <a:t>to</a:t>
-            </a:r>
-            <a:r>
-              <a:rPr lang="tr-TR" sz="2400" dirty="0"/>
-              <a:t> set an </a:t>
-            </a:r>
-            <a:r>
-              <a:rPr lang="tr-TR" sz="2400" dirty="0" err="1"/>
-              <a:t>statement</a:t>
+              <a:t>those</a:t>
             </a:r>
             <a:r>
               <a:rPr lang="tr-TR" sz="2400" dirty="0"/>
@@ -5280,7 +4739,7 @@
             </a:r>
             <a:r>
               <a:rPr lang="tr-TR" sz="2400" dirty="0" err="1"/>
-              <a:t>if</a:t>
+              <a:t>variables</a:t>
             </a:r>
             <a:r>
               <a:rPr lang="tr-TR" sz="2400" dirty="0"/>
@@ -5288,7 +4747,7 @@
             </a:r>
             <a:r>
               <a:rPr lang="tr-TR" sz="2400" dirty="0" err="1"/>
-              <a:t>the</a:t>
+              <a:t>to</a:t>
             </a:r>
             <a:r>
               <a:rPr lang="tr-TR" sz="2400" dirty="0"/>
@@ -5296,7 +4755,7 @@
             </a:r>
             <a:r>
               <a:rPr lang="tr-TR" sz="2400" dirty="0" err="1"/>
-              <a:t>value</a:t>
+              <a:t>make</a:t>
             </a:r>
             <a:r>
               <a:rPr lang="tr-TR" sz="2400" dirty="0"/>
@@ -5304,37 +4763,66 @@
             </a:r>
             <a:r>
               <a:rPr lang="tr-TR" sz="2400" dirty="0" err="1"/>
-              <a:t>does</a:t>
+              <a:t>automatic</a:t>
             </a:r>
             <a:r>
               <a:rPr lang="tr-TR" sz="2400" dirty="0"/>
-              <a:t> not </a:t>
+              <a:t> </a:t>
             </a:r>
             <a:r>
               <a:rPr lang="tr-TR" sz="2400" dirty="0" err="1"/>
-              <a:t>match</a:t>
+              <a:t>changes</a:t>
             </a:r>
             <a:r>
               <a:rPr lang="tr-TR" sz="2400" dirty="0"/>
-              <a:t> a </a:t>
+              <a:t> </a:t>
             </a:r>
             <a:r>
               <a:rPr lang="tr-TR" sz="2400" dirty="0" err="1"/>
-              <a:t>case</a:t>
+              <a:t>into</a:t>
+            </a:r>
+            <a:r>
+              <a:rPr lang="tr-TR" sz="2400" dirty="0"/>
+              <a:t> </a:t>
+            </a:r>
+            <a:r>
+              <a:rPr lang="tr-TR" sz="2400" dirty="0" err="1"/>
+              <a:t>the</a:t>
+            </a:r>
+            <a:r>
+              <a:rPr lang="tr-TR" sz="2400" dirty="0"/>
+              <a:t> </a:t>
+            </a:r>
+            <a:r>
+              <a:rPr lang="tr-TR" sz="2400" dirty="0" err="1"/>
+              <a:t>namelists</a:t>
             </a:r>
             <a:endParaRPr lang="tr-TR" sz="2400" dirty="0"/>
           </a:p>
           <a:p>
             <a:endParaRPr lang="tr-TR" sz="2400" dirty="0"/>
           </a:p>
-        </p:txBody>
-      </p:sp>
-      <p:sp>
-        <p:nvSpPr>
-          <p:cNvPr id="9" name="Isosceles Triangle 6">
+          <a:p>
+            <a:r>
+              <a:rPr lang="tr-TR" sz="2400" b="1" dirty="0" err="1"/>
+              <a:t>Example</a:t>
+            </a:r>
+            <a:endParaRPr lang="tr-TR" sz="2400" b="1" dirty="0"/>
+          </a:p>
+          <a:p>
+            <a:endParaRPr lang="tr-TR" sz="2400" b="1" dirty="0"/>
+          </a:p>
+          <a:p>
+            <a:endParaRPr lang="tr-TR" sz="2400" dirty="0"/>
+          </a:p>
+        </p:txBody>
+      </p:sp>
+      <p:sp>
+        <p:nvSpPr>
+          <p:cNvPr id="18" name="Isosceles Triangle 6">
             <a:extLst>
               <a:ext uri="{FF2B5EF4-FFF2-40B4-BE49-F238E27FC236}">
-                <a16:creationId xmlns:a16="http://schemas.microsoft.com/office/drawing/2014/main" id="{3AE6C390-FCFD-32C8-E6A1-DFE7D0617364}"/>
+                <a16:creationId xmlns:a16="http://schemas.microsoft.com/office/drawing/2014/main" id="{78008318-56E5-99F1-7DBE-250E03015468}"/>
               </a:ext>
             </a:extLst>
           </p:cNvPr>
@@ -5343,7 +4831,7 @@
         </p:nvSpPr>
         <p:spPr>
           <a:xfrm rot="5400000">
-            <a:off x="348693" y="3376262"/>
+            <a:off x="348693" y="3722327"/>
             <a:ext cx="457812" cy="394666"/>
           </a:xfrm>
           <a:prstGeom prst="triangle">
@@ -5383,45 +4871,76 @@
       </p:sp>
       <p:sp>
         <p:nvSpPr>
-          <p:cNvPr id="10" name="TextBox 9">
+          <p:cNvPr id="3" name="Rectangle 2">
             <a:extLst>
               <a:ext uri="{FF2B5EF4-FFF2-40B4-BE49-F238E27FC236}">
-                <a16:creationId xmlns:a16="http://schemas.microsoft.com/office/drawing/2014/main" id="{5FEE53FE-6BBC-2685-0C0E-271806697DF0}"/>
+                <a16:creationId xmlns:a16="http://schemas.microsoft.com/office/drawing/2014/main" id="{B9C1CA6A-C8D5-CA17-270A-5C749D2A45F5}"/>
               </a:ext>
             </a:extLst>
           </p:cNvPr>
-          <p:cNvSpPr txBox="1"/>
+          <p:cNvSpPr/>
           <p:nvPr/>
         </p:nvSpPr>
         <p:spPr>
           <a:xfrm>
-            <a:off x="2680468" y="1577661"/>
-            <a:ext cx="2694969" cy="1384995"/>
+            <a:off x="3760475" y="3583750"/>
+            <a:ext cx="6027907" cy="3139321"/>
           </a:xfrm>
           <a:prstGeom prst="rect">
             <a:avLst/>
           </a:prstGeom>
-          <a:noFill/>
-          <a:ln w="12700">
+          <a:ln>
             <a:solidFill>
               <a:schemeClr val="tx1"/>
             </a:solidFill>
           </a:ln>
         </p:spPr>
         <p:txBody>
-          <a:bodyPr wrap="none" rtlCol="0">
+          <a:bodyPr wrap="square">
             <a:spAutoFit/>
           </a:bodyPr>
           <a:lstStyle/>
           <a:p>
             <a:r>
+              <a:rPr lang="en-GB" b="1" dirty="0"/>
+              <a:t>fesom-2.1.yaml</a:t>
+            </a:r>
+            <a:endParaRPr lang="en-US" dirty="0">
+              <a:solidFill>
+                <a:srgbClr val="0E6E35"/>
+              </a:solidFill>
+              <a:latin typeface="Courier" pitchFamily="2" charset="0"/>
+            </a:endParaRPr>
+          </a:p>
+          <a:p>
+            <a:r>
+              <a:rPr lang="en-US" sz="1200" dirty="0" err="1">
+                <a:solidFill>
+                  <a:srgbClr val="0E6E35"/>
+                </a:solidFill>
+                <a:latin typeface="Courier" pitchFamily="2" charset="0"/>
+              </a:rPr>
+              <a:t>namelist_changes</a:t>
+            </a:r>
+            <a:r>
               <a:rPr lang="en-US" sz="1200" dirty="0">
                 <a:solidFill>
+                  <a:srgbClr val="000000"/>
+                </a:solidFill>
+                <a:latin typeface="Courier" pitchFamily="2" charset="0"/>
+              </a:rPr>
+              <a:t>:</a:t>
+            </a:r>
+          </a:p>
+          <a:p>
+            <a:r>
+              <a:rPr lang="en-US" sz="1200" dirty="0">
+                <a:solidFill>
                   <a:srgbClr val="0E6E35"/>
                 </a:solidFill>
                 <a:latin typeface="Courier" pitchFamily="2" charset="0"/>
               </a:rPr>
-              <a:t>choose_&lt;</a:t>
+              <a:t>        </a:t>
             </a:r>
             <a:r>
               <a:rPr lang="en-US" sz="1200" dirty="0" err="1">
@@ -5430,16 +4949,36 @@
                 </a:solidFill>
                 <a:latin typeface="Courier" pitchFamily="2" charset="0"/>
               </a:rPr>
-              <a:t>selector_variable</a:t>
+              <a:t>namelist.config</a:t>
             </a:r>
             <a:r>
               <a:rPr lang="en-US" sz="1200" dirty="0">
                 <a:solidFill>
+                  <a:srgbClr val="000000"/>
+                </a:solidFill>
+                <a:latin typeface="Courier" pitchFamily="2" charset="0"/>
+              </a:rPr>
+              <a:t>:</a:t>
+            </a:r>
+          </a:p>
+          <a:p>
+            <a:r>
+              <a:rPr lang="en-US" sz="1200" dirty="0">
+                <a:solidFill>
                   <a:srgbClr val="0E6E35"/>
                 </a:solidFill>
                 <a:latin typeface="Courier" pitchFamily="2" charset="0"/>
               </a:rPr>
-              <a:t>&gt;</a:t>
+              <a:t>                </a:t>
+            </a:r>
+            <a:r>
+              <a:rPr lang="en-US" sz="1200" dirty="0" err="1">
+                <a:solidFill>
+                  <a:srgbClr val="0E6E35"/>
+                </a:solidFill>
+                <a:latin typeface="Courier" pitchFamily="2" charset="0"/>
+              </a:rPr>
+              <a:t>clockinit</a:t>
             </a:r>
             <a:r>
               <a:rPr lang="en-US" sz="1200" dirty="0">
@@ -5455,11 +4994,152 @@
             <a:r>
               <a:rPr lang="en-US" sz="1200" dirty="0">
                 <a:solidFill>
+                  <a:srgbClr val="0F7001"/>
+                </a:solidFill>
+                <a:latin typeface="Courier" pitchFamily="2" charset="0"/>
+              </a:rPr>
+              <a:t>                        </a:t>
+            </a:r>
+            <a:r>
+              <a:rPr lang="en-US" sz="1200" dirty="0" err="1">
+                <a:solidFill>
+                  <a:srgbClr val="0F7001"/>
+                </a:solidFill>
+                <a:latin typeface="Courier" pitchFamily="2" charset="0"/>
+              </a:rPr>
+              <a:t>daynew</a:t>
+            </a:r>
+            <a:r>
+              <a:rPr lang="en-US" sz="1200" b="1" dirty="0">
+                <a:solidFill>
+                  <a:srgbClr val="921A20"/>
+                </a:solidFill>
+                <a:latin typeface="Courier-Bold" pitchFamily="2" charset="0"/>
+              </a:rPr>
+              <a:t>: </a:t>
+            </a:r>
+            <a:r>
+              <a:rPr lang="en-US" sz="1200" dirty="0">
+                <a:solidFill>
+                  <a:srgbClr val="C100C4"/>
+                </a:solidFill>
+                <a:latin typeface="Courier" pitchFamily="2" charset="0"/>
+              </a:rPr>
+              <a:t>"${</a:t>
+            </a:r>
+            <a:r>
+              <a:rPr lang="en-US" sz="1200" dirty="0" err="1">
+                <a:solidFill>
+                  <a:srgbClr val="C100C4"/>
+                </a:solidFill>
+                <a:latin typeface="Courier" pitchFamily="2" charset="0"/>
+              </a:rPr>
+              <a:t>daynew</a:t>
+            </a:r>
+            <a:r>
+              <a:rPr lang="en-US" sz="1200" dirty="0">
+                <a:solidFill>
+                  <a:srgbClr val="C100C4"/>
+                </a:solidFill>
+                <a:latin typeface="Courier" pitchFamily="2" charset="0"/>
+              </a:rPr>
+              <a:t>}”</a:t>
+            </a:r>
+          </a:p>
+          <a:p>
+            <a:r>
+              <a:rPr lang="en-US" sz="1200" dirty="0">
+                <a:solidFill>
+                  <a:srgbClr val="0F7001"/>
+                </a:solidFill>
+                <a:latin typeface="Courier" pitchFamily="2" charset="0"/>
+              </a:rPr>
+              <a:t>                        </a:t>
+            </a:r>
+            <a:r>
+              <a:rPr lang="en-US" sz="1200" dirty="0" err="1">
+                <a:solidFill>
+                  <a:srgbClr val="0F7001"/>
+                </a:solidFill>
+                <a:latin typeface="Courier" pitchFamily="2" charset="0"/>
+              </a:rPr>
+              <a:t>yearnew</a:t>
+            </a:r>
+            <a:r>
+              <a:rPr lang="en-US" sz="1200" b="1" dirty="0">
+                <a:solidFill>
+                  <a:srgbClr val="921A20"/>
+                </a:solidFill>
+                <a:latin typeface="Courier-Bold" pitchFamily="2" charset="0"/>
+              </a:rPr>
+              <a:t>: </a:t>
+            </a:r>
+            <a:r>
+              <a:rPr lang="en-US" sz="1200" dirty="0">
+                <a:solidFill>
+                  <a:srgbClr val="C100C4"/>
+                </a:solidFill>
+                <a:latin typeface="Courier" pitchFamily="2" charset="0"/>
+              </a:rPr>
+              <a:t>"${</a:t>
+            </a:r>
+            <a:r>
+              <a:rPr lang="en-US" sz="1200" dirty="0" err="1">
+                <a:solidFill>
+                  <a:srgbClr val="C100C4"/>
+                </a:solidFill>
+                <a:latin typeface="Courier" pitchFamily="2" charset="0"/>
+              </a:rPr>
+              <a:t>yearnew</a:t>
+            </a:r>
+            <a:r>
+              <a:rPr lang="en-US" sz="1200" dirty="0">
+                <a:solidFill>
+                  <a:srgbClr val="C100C4"/>
+                </a:solidFill>
+                <a:latin typeface="Courier" pitchFamily="2" charset="0"/>
+              </a:rPr>
+              <a:t>}”</a:t>
+            </a:r>
+          </a:p>
+          <a:p>
+            <a:r>
+              <a:rPr lang="en-US" sz="1200" dirty="0">
+                <a:solidFill>
                   <a:srgbClr val="0E6E35"/>
                 </a:solidFill>
                 <a:latin typeface="Courier" pitchFamily="2" charset="0"/>
               </a:rPr>
-              <a:t>    &lt;case-1&gt;</a:t>
+              <a:t>                calendar</a:t>
+            </a:r>
+            <a:r>
+              <a:rPr lang="en-US" sz="1200" dirty="0">
+                <a:solidFill>
+                  <a:srgbClr val="000000"/>
+                </a:solidFill>
+                <a:latin typeface="Courier" pitchFamily="2" charset="0"/>
+              </a:rPr>
+              <a:t>:</a:t>
+            </a:r>
+          </a:p>
+          <a:p>
+            <a:r>
+              <a:rPr lang="en-US" sz="1200" dirty="0">
+                <a:solidFill>
+                  <a:srgbClr val="0F7001"/>
+                </a:solidFill>
+                <a:latin typeface="Courier" pitchFamily="2" charset="0"/>
+              </a:rPr>
+              <a:t>                        </a:t>
+            </a:r>
+            <a:r>
+              <a:rPr lang="en-US" sz="1200" dirty="0" err="1">
+                <a:solidFill>
+                  <a:srgbClr val="0F7001"/>
+                </a:solidFill>
+                <a:latin typeface="Courier" pitchFamily="2" charset="0"/>
+              </a:rPr>
+              <a:t>include_fleapyear</a:t>
             </a:r>
             <a:r>
               <a:rPr lang="en-US" sz="1200" b="1" dirty="0">
@@ -5468,6 +5148,53 @@
                 </a:solidFill>
                 <a:latin typeface="Courier-Bold" pitchFamily="2" charset="0"/>
               </a:rPr>
+              <a:t>: </a:t>
+            </a:r>
+            <a:r>
+              <a:rPr lang="en-US" sz="1200" dirty="0">
+                <a:solidFill>
+                  <a:srgbClr val="C100C4"/>
+                </a:solidFill>
+                <a:latin typeface="Courier" pitchFamily="2" charset="0"/>
+              </a:rPr>
+              <a:t>"${</a:t>
+            </a:r>
+            <a:r>
+              <a:rPr lang="en-US" sz="1200" dirty="0" err="1">
+                <a:solidFill>
+                  <a:srgbClr val="C100C4"/>
+                </a:solidFill>
+                <a:latin typeface="Courier" pitchFamily="2" charset="0"/>
+              </a:rPr>
+              <a:t>leapyear</a:t>
+            </a:r>
+            <a:r>
+              <a:rPr lang="en-US" sz="1200" dirty="0">
+                <a:solidFill>
+                  <a:srgbClr val="C100C4"/>
+                </a:solidFill>
+                <a:latin typeface="Courier" pitchFamily="2" charset="0"/>
+              </a:rPr>
+              <a:t>}”</a:t>
+            </a:r>
+          </a:p>
+          <a:p>
+            <a:r>
+              <a:rPr lang="en-US" sz="1200" dirty="0">
+                <a:solidFill>
+                  <a:srgbClr val="0E6E35"/>
+                </a:solidFill>
+                <a:latin typeface="Courier" pitchFamily="2" charset="0"/>
+              </a:rPr>
+              <a:t>                paths</a:t>
+            </a:r>
+            <a:r>
+              <a:rPr lang="en-US" sz="1200" dirty="0">
+                <a:solidFill>
+                  <a:srgbClr val="000000"/>
+                </a:solidFill>
+                <a:latin typeface="Courier" pitchFamily="2" charset="0"/>
+              </a:rPr>
               <a:t>:</a:t>
             </a:r>
           </a:p>
@@ -5475,22 +5202,208 @@
             <a:r>
               <a:rPr lang="en-US" sz="1200" dirty="0">
                 <a:solidFill>
+                  <a:srgbClr val="0F7001"/>
+                </a:solidFill>
+                <a:latin typeface="Courier" pitchFamily="2" charset="0"/>
+              </a:rPr>
+              <a:t>                        </a:t>
+            </a:r>
+            <a:r>
+              <a:rPr lang="en-US" sz="1200" dirty="0" err="1">
+                <a:solidFill>
+                  <a:srgbClr val="0F7001"/>
+                </a:solidFill>
+                <a:latin typeface="Courier" pitchFamily="2" charset="0"/>
+              </a:rPr>
+              <a:t>MeshPath</a:t>
+            </a:r>
+            <a:r>
+              <a:rPr lang="en-US" sz="1200" b="1" dirty="0">
+                <a:solidFill>
+                  <a:srgbClr val="921A20"/>
+                </a:solidFill>
+                <a:latin typeface="Courier-Bold" pitchFamily="2" charset="0"/>
+              </a:rPr>
+              <a:t>: </a:t>
+            </a:r>
+            <a:r>
+              <a:rPr lang="en-US" sz="1200" dirty="0">
+                <a:solidFill>
+                  <a:srgbClr val="C100C4"/>
+                </a:solidFill>
+                <a:latin typeface="Courier" pitchFamily="2" charset="0"/>
+              </a:rPr>
+              <a:t>"${</a:t>
+            </a:r>
+            <a:r>
+              <a:rPr lang="en-US" sz="1200" dirty="0" err="1">
+                <a:solidFill>
+                  <a:srgbClr val="C100C4"/>
+                </a:solidFill>
+                <a:latin typeface="Courier" pitchFamily="2" charset="0"/>
+              </a:rPr>
+              <a:t>mesh_dir</a:t>
+            </a:r>
+            <a:r>
+              <a:rPr lang="en-US" sz="1200" dirty="0">
+                <a:solidFill>
+                  <a:srgbClr val="C100C4"/>
+                </a:solidFill>
+                <a:latin typeface="Courier" pitchFamily="2" charset="0"/>
+              </a:rPr>
+              <a:t>}”</a:t>
+            </a:r>
+          </a:p>
+          <a:p>
+            <a:r>
+              <a:rPr lang="en-US" sz="1200" b="1" dirty="0">
+                <a:solidFill>
+                  <a:srgbClr val="0F7001"/>
+                </a:solidFill>
+                <a:latin typeface="Courier" pitchFamily="2" charset="0"/>
+              </a:rPr>
+              <a:t>                        </a:t>
+            </a:r>
+            <a:r>
+              <a:rPr lang="en-US" sz="1200" b="1" dirty="0" err="1">
+                <a:solidFill>
+                  <a:srgbClr val="0F7001"/>
+                </a:solidFill>
+                <a:latin typeface="Courier" pitchFamily="2" charset="0"/>
+              </a:rPr>
+              <a:t>ClimateDataPath</a:t>
+            </a:r>
+            <a:r>
+              <a:rPr lang="en-US" sz="1200" b="1" dirty="0">
+                <a:solidFill>
+                  <a:srgbClr val="921A20"/>
+                </a:solidFill>
+                <a:latin typeface="Courier-Bold" pitchFamily="2" charset="0"/>
+              </a:rPr>
+              <a:t>: </a:t>
+            </a:r>
+            <a:r>
+              <a:rPr lang="en-US" sz="1200" b="1" dirty="0">
+                <a:solidFill>
+                  <a:srgbClr val="C100C4"/>
+                </a:solidFill>
+                <a:latin typeface="Courier" pitchFamily="2" charset="0"/>
+              </a:rPr>
+              <a:t>"${</a:t>
+            </a:r>
+            <a:r>
+              <a:rPr lang="en-US" sz="1200" b="1" dirty="0" err="1">
+                <a:solidFill>
+                  <a:srgbClr val="C100C4"/>
+                </a:solidFill>
+                <a:latin typeface="Courier" pitchFamily="2" charset="0"/>
+              </a:rPr>
+              <a:t>climate_data_dir</a:t>
+            </a:r>
+            <a:r>
+              <a:rPr lang="en-US" sz="1200" b="1" dirty="0">
+                <a:solidFill>
+                  <a:srgbClr val="C100C4"/>
+                </a:solidFill>
+                <a:latin typeface="Courier" pitchFamily="2" charset="0"/>
+              </a:rPr>
+              <a:t>}”</a:t>
+            </a:r>
+          </a:p>
+          <a:p>
+            <a:r>
+              <a:rPr lang="en-US" sz="1200" dirty="0">
+                <a:solidFill>
+                  <a:srgbClr val="0F7001"/>
+                </a:solidFill>
+                <a:latin typeface="Courier" pitchFamily="2" charset="0"/>
+              </a:rPr>
+              <a:t>                        </a:t>
+            </a:r>
+            <a:r>
+              <a:rPr lang="en-US" sz="1200" dirty="0" err="1">
+                <a:solidFill>
+                  <a:srgbClr val="0F7001"/>
+                </a:solidFill>
+                <a:latin typeface="Courier" pitchFamily="2" charset="0"/>
+              </a:rPr>
+              <a:t>ResultPath</a:t>
+            </a:r>
+            <a:r>
+              <a:rPr lang="en-US" sz="1200" b="1" dirty="0">
+                <a:solidFill>
+                  <a:srgbClr val="921A20"/>
+                </a:solidFill>
+                <a:latin typeface="Courier-Bold" pitchFamily="2" charset="0"/>
+              </a:rPr>
+              <a:t>: </a:t>
+            </a:r>
+            <a:r>
+              <a:rPr lang="en-US" sz="1200" dirty="0">
+                <a:solidFill>
+                  <a:srgbClr val="C100C4"/>
+                </a:solidFill>
+                <a:latin typeface="Courier" pitchFamily="2" charset="0"/>
+              </a:rPr>
+              <a:t>"${</a:t>
+            </a:r>
+            <a:r>
+              <a:rPr lang="en-US" sz="1200" dirty="0" err="1">
+                <a:solidFill>
+                  <a:srgbClr val="C100C4"/>
+                </a:solidFill>
+                <a:latin typeface="Courier" pitchFamily="2" charset="0"/>
+              </a:rPr>
+              <a:t>work_dir</a:t>
+            </a:r>
+            <a:r>
+              <a:rPr lang="en-US" sz="1200" dirty="0">
+                <a:solidFill>
+                  <a:srgbClr val="C100C4"/>
+                </a:solidFill>
+                <a:latin typeface="Courier" pitchFamily="2" charset="0"/>
+              </a:rPr>
+              <a:t>}”</a:t>
+            </a:r>
+          </a:p>
+          <a:p>
+            <a:r>
+              <a:rPr lang="en-US" sz="1200" dirty="0">
+                <a:solidFill>
+                  <a:srgbClr val="0E6E35"/>
+                </a:solidFill>
+                <a:latin typeface="Courier" pitchFamily="2" charset="0"/>
+              </a:rPr>
+              <a:t>                timestep</a:t>
+            </a:r>
+            <a:r>
+              <a:rPr lang="en-US" sz="1200" dirty="0">
+                <a:solidFill>
                   <a:srgbClr val="000000"/>
                 </a:solidFill>
                 <a:latin typeface="Courier" pitchFamily="2" charset="0"/>
               </a:rPr>
-              <a:t>        statements-1</a:t>
+              <a:t>:</a:t>
             </a:r>
           </a:p>
           <a:p>
             <a:r>
               <a:rPr lang="en-US" sz="1200" dirty="0">
                 <a:solidFill>
-                  <a:srgbClr val="0E6E35"/>
-                </a:solidFill>
-                <a:latin typeface="Courier" pitchFamily="2" charset="0"/>
-              </a:rPr>
-              <a:t>    &lt;case-2&gt;</a:t>
+                  <a:srgbClr val="0F7001"/>
+                </a:solidFill>
+                <a:latin typeface="Courier" pitchFamily="2" charset="0"/>
+              </a:rPr>
+              <a:t>                        </a:t>
+            </a:r>
+            <a:r>
+              <a:rPr lang="en-US" sz="1200" dirty="0" err="1">
+                <a:solidFill>
+                  <a:srgbClr val="0F7001"/>
+                </a:solidFill>
+                <a:latin typeface="Courier" pitchFamily="2" charset="0"/>
+              </a:rPr>
+              <a:t>step_per_day</a:t>
             </a:r>
             <a:r>
               <a:rPr lang="en-US" sz="1200" b="1" dirty="0">
@@ -5499,749 +5412,161 @@
                 </a:solidFill>
                 <a:latin typeface="Courier-Bold" pitchFamily="2" charset="0"/>
               </a:rPr>
-              <a:t>:</a:t>
-            </a:r>
-          </a:p>
-          <a:p>
+              <a:t>: </a:t>
+            </a:r>
             <a:r>
               <a:rPr lang="en-US" sz="1200" dirty="0">
                 <a:solidFill>
-                  <a:srgbClr val="000000"/>
-                </a:solidFill>
-                <a:latin typeface="Courier" pitchFamily="2" charset="0"/>
-              </a:rPr>
-              <a:t>        statements-2</a:t>
-            </a:r>
-          </a:p>
-          <a:p>
+                  <a:srgbClr val="C100C4"/>
+                </a:solidFill>
+                <a:latin typeface="Courier" pitchFamily="2" charset="0"/>
+              </a:rPr>
+              <a:t>"${</a:t>
+            </a:r>
+            <a:r>
+              <a:rPr lang="en-US" sz="1200" dirty="0" err="1">
+                <a:solidFill>
+                  <a:srgbClr val="C100C4"/>
+                </a:solidFill>
+                <a:latin typeface="Courier" pitchFamily="2" charset="0"/>
+              </a:rPr>
+              <a:t>steps_per_day</a:t>
+            </a:r>
             <a:r>
               <a:rPr lang="en-US" sz="1200" dirty="0">
                 <a:solidFill>
-                  <a:srgbClr val="000000"/>
-                </a:solidFill>
-                <a:latin typeface="Courier" pitchFamily="2" charset="0"/>
-              </a:rPr>
-              <a:t>    …</a:t>
-            </a:r>
-            <a:endParaRPr lang="en-US" sz="1200" dirty="0"/>
-          </a:p>
-          <a:p>
-            <a:endParaRPr lang="en-US" sz="1200" dirty="0"/>
-          </a:p>
-        </p:txBody>
-      </p:sp>
-      <p:sp>
-        <p:nvSpPr>
-          <p:cNvPr id="11" name="TextBox 10">
-            <a:extLst>
-              <a:ext uri="{FF2B5EF4-FFF2-40B4-BE49-F238E27FC236}">
-                <a16:creationId xmlns:a16="http://schemas.microsoft.com/office/drawing/2014/main" id="{DD06E9E8-B231-0E8C-B73C-FC0DD1F2B62C}"/>
-              </a:ext>
-            </a:extLst>
-          </p:cNvPr>
-          <p:cNvSpPr txBox="1"/>
-          <p:nvPr/>
-        </p:nvSpPr>
-        <p:spPr>
-          <a:xfrm>
-            <a:off x="8016292" y="4994619"/>
-            <a:ext cx="3624710" cy="1569660"/>
-          </a:xfrm>
-          <a:prstGeom prst="rect">
-            <a:avLst/>
-          </a:prstGeom>
-          <a:noFill/>
-          <a:ln w="12700">
-            <a:solidFill>
-              <a:schemeClr val="tx1"/>
-            </a:solidFill>
-          </a:ln>
-        </p:spPr>
-        <p:txBody>
-          <a:bodyPr wrap="none" rtlCol="0">
-            <a:spAutoFit/>
-          </a:bodyPr>
-          <a:lstStyle/>
+                  <a:srgbClr val="C100C4"/>
+                </a:solidFill>
+                <a:latin typeface="Courier" pitchFamily="2" charset="0"/>
+              </a:rPr>
+              <a:t>}”</a:t>
+            </a:r>
+          </a:p>
           <a:p>
             <a:r>
               <a:rPr lang="en-US" sz="1200" dirty="0">
                 <a:solidFill>
-                  <a:srgbClr val="0E6E35"/>
-                </a:solidFill>
-                <a:latin typeface="Courier" pitchFamily="2" charset="0"/>
-              </a:rPr>
-              <a:t>choose_&lt;</a:t>
+                  <a:srgbClr val="0F7001"/>
+                </a:solidFill>
+                <a:latin typeface="Courier" pitchFamily="2" charset="0"/>
+              </a:rPr>
+              <a:t>                        </a:t>
+            </a:r>
+            <a:r>
+              <a:rPr lang="en-US" sz="1200" dirty="0" err="1">
+                <a:solidFill>
+                  <a:srgbClr val="0F7001"/>
+                </a:solidFill>
+                <a:latin typeface="Courier" pitchFamily="2" charset="0"/>
+              </a:rPr>
+              <a:t>run_length</a:t>
+            </a:r>
+            <a:r>
+              <a:rPr lang="en-US" sz="1200" b="1" dirty="0">
+                <a:solidFill>
+                  <a:srgbClr val="921A20"/>
+                </a:solidFill>
+                <a:latin typeface="Courier-Bold" pitchFamily="2" charset="0"/>
+              </a:rPr>
+              <a:t>: </a:t>
             </a:r>
             <a:r>
               <a:rPr lang="en-US" sz="1200" dirty="0">
                 <a:solidFill>
-                  <a:srgbClr val="FFC000"/>
-                </a:solidFill>
-                <a:latin typeface="Courier" pitchFamily="2" charset="0"/>
-              </a:rPr>
-              <a:t>section</a:t>
+                  <a:srgbClr val="C100C4"/>
+                </a:solidFill>
+                <a:latin typeface="Courier" pitchFamily="2" charset="0"/>
+              </a:rPr>
+              <a:t>"${</a:t>
+            </a:r>
+            <a:r>
+              <a:rPr lang="en-US" sz="1200" dirty="0" err="1">
+                <a:solidFill>
+                  <a:srgbClr val="C100C4"/>
+                </a:solidFill>
+                <a:latin typeface="Courier" pitchFamily="2" charset="0"/>
+              </a:rPr>
+              <a:t>restart_rate</a:t>
             </a:r>
             <a:r>
               <a:rPr lang="en-US" sz="1200" dirty="0">
                 <a:solidFill>
-                  <a:srgbClr val="0E6E35"/>
-                </a:solidFill>
-                <a:latin typeface="Courier" pitchFamily="2" charset="0"/>
-              </a:rPr>
-              <a:t>&gt;.&lt;</a:t>
-            </a:r>
-            <a:r>
-              <a:rPr lang="en-US" sz="1200" dirty="0" err="1">
-                <a:solidFill>
-                  <a:srgbClr val="FFC000"/>
-                </a:solidFill>
-                <a:latin typeface="Courier" pitchFamily="2" charset="0"/>
-              </a:rPr>
-              <a:t>selector_variable</a:t>
-            </a:r>
-            <a:r>
-              <a:rPr lang="en-US" sz="1200" dirty="0">
-                <a:solidFill>
-                  <a:srgbClr val="0E6E35"/>
-                </a:solidFill>
-                <a:latin typeface="Courier" pitchFamily="2" charset="0"/>
-              </a:rPr>
-              <a:t>&gt;</a:t>
-            </a:r>
-            <a:r>
-              <a:rPr lang="en-US" sz="1200" dirty="0">
-                <a:solidFill>
-                  <a:srgbClr val="000000"/>
-                </a:solidFill>
-                <a:latin typeface="Courier" pitchFamily="2" charset="0"/>
-              </a:rPr>
-              <a:t>:</a:t>
-            </a:r>
-          </a:p>
-          <a:p>
-            <a:r>
-              <a:rPr lang="en-US" sz="1200" dirty="0">
-                <a:solidFill>
-                  <a:srgbClr val="0E6E35"/>
-                </a:solidFill>
-                <a:latin typeface="Courier" pitchFamily="2" charset="0"/>
-              </a:rPr>
-              <a:t>    &lt;case-1&gt;</a:t>
-            </a:r>
+                  <a:srgbClr val="C100C4"/>
+                </a:solidFill>
+                <a:latin typeface="Courier" pitchFamily="2" charset="0"/>
+              </a:rPr>
+              <a:t>}”</a:t>
+            </a:r>
+          </a:p>
+          <a:p>
             <a:r>
               <a:rPr lang="en-US" sz="1200" b="1" dirty="0">
                 <a:solidFill>
+                  <a:srgbClr val="0F7001"/>
+                </a:solidFill>
+                <a:latin typeface="Courier" pitchFamily="2" charset="0"/>
+              </a:rPr>
+              <a:t>                        </a:t>
+            </a:r>
+            <a:r>
+              <a:rPr lang="en-US" sz="1200" b="1" dirty="0" err="1">
+                <a:solidFill>
+                  <a:srgbClr val="0F7001"/>
+                </a:solidFill>
+                <a:latin typeface="Courier" pitchFamily="2" charset="0"/>
+              </a:rPr>
+              <a:t>run_length_unit</a:t>
+            </a:r>
+            <a:r>
+              <a:rPr lang="en-US" sz="1200" b="1" dirty="0">
+                <a:solidFill>
                   <a:srgbClr val="921A20"/>
                 </a:solidFill>
                 <a:latin typeface="Courier-Bold" pitchFamily="2" charset="0"/>
               </a:rPr>
-              <a:t>:</a:t>
-            </a:r>
-          </a:p>
-          <a:p>
-            <a:r>
-              <a:rPr lang="en-US" sz="1200" dirty="0">
-                <a:solidFill>
-                  <a:srgbClr val="000000"/>
-                </a:solidFill>
-                <a:latin typeface="Courier" pitchFamily="2" charset="0"/>
-              </a:rPr>
-              <a:t>        statements-1</a:t>
-            </a:r>
-          </a:p>
-          <a:p>
-            <a:r>
-              <a:rPr lang="en-US" sz="1200" dirty="0">
-                <a:solidFill>
-                  <a:srgbClr val="0E6E35"/>
-                </a:solidFill>
-                <a:latin typeface="Courier" pitchFamily="2" charset="0"/>
-              </a:rPr>
-              <a:t>    &lt;case-2&gt;</a:t>
+              <a:t>: </a:t>
             </a:r>
             <a:r>
               <a:rPr lang="en-US" sz="1200" b="1" dirty="0">
                 <a:solidFill>
-                  <a:srgbClr val="921A20"/>
-                </a:solidFill>
-                <a:latin typeface="Courier-Bold" pitchFamily="2" charset="0"/>
-              </a:rPr>
-              <a:t>:</a:t>
-            </a:r>
-          </a:p>
-          <a:p>
-            <a:r>
-              <a:rPr lang="en-US" sz="1200" dirty="0">
-                <a:solidFill>
-                  <a:srgbClr val="000000"/>
-                </a:solidFill>
-                <a:latin typeface="Courier" pitchFamily="2" charset="0"/>
-              </a:rPr>
-              <a:t>        statements-2</a:t>
-            </a:r>
-          </a:p>
-          <a:p>
-            <a:r>
-              <a:rPr lang="en-US" sz="1200" dirty="0">
-                <a:solidFill>
-                  <a:srgbClr val="000000"/>
-                </a:solidFill>
-                <a:latin typeface="Courier" pitchFamily="2" charset="0"/>
-              </a:rPr>
-              <a:t>    “</a:t>
-            </a:r>
-            <a:r>
-              <a:rPr lang="en-US" sz="1200" dirty="0">
-                <a:solidFill>
-                  <a:srgbClr val="0E6E35"/>
-                </a:solidFill>
-                <a:latin typeface="Courier" pitchFamily="2" charset="0"/>
-              </a:rPr>
-              <a:t>*”</a:t>
+                  <a:srgbClr val="C100C4"/>
+                </a:solidFill>
+                <a:latin typeface="Courier" pitchFamily="2" charset="0"/>
+              </a:rPr>
+              <a:t>"${</a:t>
+            </a:r>
+            <a:r>
+              <a:rPr lang="en-US" sz="1200" b="1" dirty="0" err="1">
+                <a:solidFill>
+                  <a:srgbClr val="C100C4"/>
+                </a:solidFill>
+                <a:latin typeface="Courier" pitchFamily="2" charset="0"/>
+              </a:rPr>
+              <a:t>restart_unit</a:t>
             </a:r>
             <a:r>
               <a:rPr lang="en-US" sz="1200" b="1" dirty="0">
                 <a:solidFill>
-                  <a:srgbClr val="921A20"/>
-                </a:solidFill>
-                <a:latin typeface="Courier-Bold" pitchFamily="2" charset="0"/>
-              </a:rPr>
-              <a:t>: </a:t>
-            </a:r>
-          </a:p>
-          <a:p>
-            <a:r>
-              <a:rPr lang="en-US" sz="1200" dirty="0"/>
-              <a:t>                    </a:t>
-            </a:r>
-            <a:r>
-              <a:rPr lang="en-US" sz="1200" dirty="0">
-                <a:solidFill>
-                  <a:srgbClr val="000000"/>
-                </a:solidFill>
-                <a:latin typeface="Courier" pitchFamily="2" charset="0"/>
-              </a:rPr>
-              <a:t>statements-3</a:t>
-            </a:r>
-            <a:endParaRPr lang="en-US" sz="1200" dirty="0"/>
-          </a:p>
-          <a:p>
-            <a:endParaRPr lang="en-US" sz="1200" dirty="0"/>
-          </a:p>
-        </p:txBody>
-      </p:sp>
-      <p:sp>
-        <p:nvSpPr>
-          <p:cNvPr id="12" name="TextBox 11">
-            <a:extLst>
-              <a:ext uri="{FF2B5EF4-FFF2-40B4-BE49-F238E27FC236}">
-                <a16:creationId xmlns:a16="http://schemas.microsoft.com/office/drawing/2014/main" id="{FC2A2699-82BA-A9A4-E139-7DC262A0C222}"/>
-              </a:ext>
-            </a:extLst>
-          </p:cNvPr>
-          <p:cNvSpPr txBox="1"/>
-          <p:nvPr/>
-        </p:nvSpPr>
-        <p:spPr>
-          <a:xfrm>
-            <a:off x="3899724" y="4209150"/>
-            <a:ext cx="3412250" cy="830997"/>
-          </a:xfrm>
-          <a:prstGeom prst="rect">
-            <a:avLst/>
-          </a:prstGeom>
-          <a:solidFill>
-            <a:schemeClr val="accent2">
-              <a:lumMod val="40000"/>
-              <a:lumOff val="60000"/>
-            </a:schemeClr>
-          </a:solidFill>
-          <a:ln>
-            <a:noFill/>
-          </a:ln>
-        </p:spPr>
-        <p:txBody>
-          <a:bodyPr wrap="square" rtlCol="0">
-            <a:spAutoFit/>
-          </a:bodyPr>
-          <a:lstStyle/>
-          <a:p>
-            <a:r>
-              <a:rPr lang="tr-TR" sz="1600" dirty="0"/>
-              <a:t>general</a:t>
-            </a:r>
-          </a:p>
-          <a:p>
-            <a:r>
-              <a:rPr lang="tr-TR" sz="1600" dirty="0" err="1"/>
-              <a:t>computer</a:t>
-            </a:r>
-            <a:endParaRPr lang="tr-TR" sz="1600" dirty="0"/>
-          </a:p>
-          <a:p>
-            <a:r>
-              <a:rPr lang="tr-TR" sz="1600" dirty="0"/>
-              <a:t>&lt;model name&gt; (</a:t>
-            </a:r>
-            <a:r>
-              <a:rPr lang="tr-TR" sz="1600" dirty="0" err="1"/>
-              <a:t>i.e</a:t>
-            </a:r>
-            <a:r>
-              <a:rPr lang="tr-TR" sz="1600" dirty="0"/>
-              <a:t>. </a:t>
-            </a:r>
-            <a:r>
-              <a:rPr lang="tr-TR" sz="1600" dirty="0" err="1"/>
-              <a:t>echam</a:t>
-            </a:r>
-            <a:r>
-              <a:rPr lang="tr-TR" sz="1600" dirty="0"/>
-              <a:t>, </a:t>
-            </a:r>
-            <a:r>
-              <a:rPr lang="tr-TR" sz="1600" dirty="0" err="1"/>
-              <a:t>fesom</a:t>
-            </a:r>
-            <a:r>
-              <a:rPr lang="tr-TR" sz="1600" dirty="0"/>
-              <a:t>, …)</a:t>
-            </a:r>
-          </a:p>
-        </p:txBody>
-      </p:sp>
-      <p:cxnSp>
-        <p:nvCxnSpPr>
-          <p:cNvPr id="4" name="Straight Arrow Connector 3">
-            <a:extLst>
-              <a:ext uri="{FF2B5EF4-FFF2-40B4-BE49-F238E27FC236}">
-                <a16:creationId xmlns:a16="http://schemas.microsoft.com/office/drawing/2014/main" id="{F7914817-16F3-32E7-9F5E-718EA3D77E4E}"/>
-              </a:ext>
-            </a:extLst>
-          </p:cNvPr>
-          <p:cNvCxnSpPr>
-            <a:cxnSpLocks/>
-          </p:cNvCxnSpPr>
-          <p:nvPr/>
-        </p:nvCxnSpPr>
-        <p:spPr>
-          <a:xfrm flipH="1" flipV="1">
-            <a:off x="7311974" y="4628946"/>
-            <a:ext cx="1530152" cy="521242"/>
-          </a:xfrm>
-          <a:prstGeom prst="straightConnector1">
-            <a:avLst/>
-          </a:prstGeom>
-          <a:ln w="19050">
-            <a:tailEnd type="triangle"/>
-          </a:ln>
-        </p:spPr>
-        <p:style>
-          <a:lnRef idx="1">
-            <a:schemeClr val="accent1"/>
-          </a:lnRef>
-          <a:fillRef idx="0">
-            <a:schemeClr val="accent1"/>
-          </a:fillRef>
-          <a:effectRef idx="0">
-            <a:schemeClr val="accent1"/>
-          </a:effectRef>
-          <a:fontRef idx="minor">
-            <a:schemeClr val="tx1"/>
-          </a:fontRef>
-        </p:style>
-      </p:cxnSp>
-      <p:sp>
-        <p:nvSpPr>
-          <p:cNvPr id="16" name="TextBox 15">
-            <a:extLst>
-              <a:ext uri="{FF2B5EF4-FFF2-40B4-BE49-F238E27FC236}">
-                <a16:creationId xmlns:a16="http://schemas.microsoft.com/office/drawing/2014/main" id="{73043DCA-BEC9-5CE9-BF1F-0AF09DDA2745}"/>
-              </a:ext>
-            </a:extLst>
-          </p:cNvPr>
-          <p:cNvSpPr txBox="1"/>
-          <p:nvPr/>
-        </p:nvSpPr>
-        <p:spPr>
-          <a:xfrm>
-            <a:off x="3552754" y="5650622"/>
-            <a:ext cx="3412250" cy="1077218"/>
-          </a:xfrm>
-          <a:prstGeom prst="rect">
-            <a:avLst/>
-          </a:prstGeom>
-          <a:solidFill>
-            <a:srgbClr val="F8CBAD"/>
-          </a:solidFill>
-          <a:ln>
-            <a:noFill/>
-          </a:ln>
-        </p:spPr>
-        <p:txBody>
-          <a:bodyPr wrap="square" lIns="90000" rtlCol="0">
-            <a:spAutoFit/>
-          </a:bodyPr>
-          <a:lstStyle/>
-          <a:p>
-            <a:pPr marL="285750" indent="-285750">
-              <a:buFont typeface="Arial" panose="020B0604020202020204" pitchFamily="34" charset="0"/>
-              <a:buChar char="•"/>
-            </a:pPr>
-            <a:r>
-              <a:rPr lang="tr-TR" sz="1600" dirty="0" err="1"/>
-              <a:t>if</a:t>
-            </a:r>
-            <a:r>
-              <a:rPr lang="tr-TR" sz="1600" dirty="0"/>
-              <a:t> </a:t>
-            </a:r>
-            <a:r>
-              <a:rPr lang="tr-TR" sz="1600" dirty="0" err="1"/>
-              <a:t>the</a:t>
-            </a:r>
-            <a:r>
-              <a:rPr lang="tr-TR" sz="1600" dirty="0"/>
-              <a:t> </a:t>
-            </a:r>
-            <a:r>
-              <a:rPr lang="tr-TR" sz="1600" dirty="0" err="1"/>
-              <a:t>selector</a:t>
-            </a:r>
-            <a:r>
-              <a:rPr lang="tr-TR" sz="1600" dirty="0"/>
-              <a:t> </a:t>
-            </a:r>
-            <a:r>
-              <a:rPr lang="tr-TR" sz="1600" dirty="0" err="1"/>
-              <a:t>variable</a:t>
-            </a:r>
-            <a:r>
-              <a:rPr lang="tr-TR" sz="1600" dirty="0"/>
-              <a:t> </a:t>
-            </a:r>
-            <a:r>
-              <a:rPr lang="tr-TR" sz="1600" dirty="0" err="1"/>
-              <a:t>does</a:t>
-            </a:r>
-            <a:r>
-              <a:rPr lang="tr-TR" sz="1600" dirty="0"/>
-              <a:t> not </a:t>
-            </a:r>
-            <a:r>
-              <a:rPr lang="tr-TR" sz="1600" dirty="0" err="1"/>
-              <a:t>match</a:t>
-            </a:r>
-            <a:r>
-              <a:rPr lang="tr-TR" sz="1600" dirty="0"/>
-              <a:t> </a:t>
-            </a:r>
-            <a:r>
-              <a:rPr lang="tr-TR" sz="1600" dirty="0" err="1"/>
-              <a:t>any</a:t>
-            </a:r>
-            <a:r>
-              <a:rPr lang="tr-TR" sz="1600" dirty="0"/>
-              <a:t> </a:t>
-            </a:r>
-            <a:r>
-              <a:rPr lang="tr-TR" sz="1600" dirty="0" err="1"/>
-              <a:t>case</a:t>
-            </a:r>
-            <a:r>
-              <a:rPr lang="tr-TR" sz="1600" dirty="0"/>
-              <a:t>, </a:t>
-            </a:r>
-            <a:r>
-              <a:rPr lang="tr-TR" sz="1600" dirty="0" err="1"/>
-              <a:t>use</a:t>
-            </a:r>
-            <a:r>
-              <a:rPr lang="tr-TR" sz="1600" dirty="0"/>
-              <a:t> </a:t>
-            </a:r>
-            <a:r>
-              <a:rPr lang="tr-TR" sz="1600" dirty="0" err="1"/>
-              <a:t>the</a:t>
-            </a:r>
-            <a:r>
-              <a:rPr lang="tr-TR" sz="1600" dirty="0"/>
-              <a:t> </a:t>
-            </a:r>
-            <a:r>
-              <a:rPr lang="tr-TR" sz="1600" dirty="0" err="1"/>
-              <a:t>statement</a:t>
-            </a:r>
-            <a:r>
-              <a:rPr lang="tr-TR" sz="1600" dirty="0"/>
-              <a:t> </a:t>
-            </a:r>
-            <a:r>
-              <a:rPr lang="tr-TR" sz="1600" dirty="0" err="1"/>
-              <a:t>indented</a:t>
-            </a:r>
-            <a:r>
-              <a:rPr lang="tr-TR" sz="1600" dirty="0"/>
-              <a:t> </a:t>
-            </a:r>
-            <a:r>
-              <a:rPr lang="tr-TR" sz="1600" dirty="0" err="1"/>
-              <a:t>under</a:t>
-            </a:r>
-            <a:r>
-              <a:rPr lang="tr-TR" sz="1600" dirty="0"/>
-              <a:t> </a:t>
-            </a:r>
-            <a:r>
-              <a:rPr lang="en-US" sz="1600" dirty="0">
-                <a:latin typeface="Courier" pitchFamily="2" charset="0"/>
-              </a:rPr>
-              <a:t>“*”</a:t>
-            </a:r>
-          </a:p>
-          <a:p>
-            <a:pPr marL="285750" indent="-285750">
-              <a:buFont typeface="Arial" panose="020B0604020202020204" pitchFamily="34" charset="0"/>
-              <a:buChar char="•"/>
-            </a:pPr>
-            <a:r>
-              <a:rPr lang="en-US" sz="1600" dirty="0">
-                <a:latin typeface="Courier" pitchFamily="2" charset="0"/>
-              </a:rPr>
-              <a:t>optional</a:t>
-            </a:r>
-          </a:p>
-        </p:txBody>
-      </p:sp>
-      <p:cxnSp>
-        <p:nvCxnSpPr>
-          <p:cNvPr id="17" name="Straight Arrow Connector 16">
-            <a:extLst>
-              <a:ext uri="{FF2B5EF4-FFF2-40B4-BE49-F238E27FC236}">
-                <a16:creationId xmlns:a16="http://schemas.microsoft.com/office/drawing/2014/main" id="{240C85CD-DBED-4A31-9B6E-5BF16DF05208}"/>
-              </a:ext>
-            </a:extLst>
-          </p:cNvPr>
-          <p:cNvCxnSpPr>
-            <a:cxnSpLocks/>
-          </p:cNvCxnSpPr>
-          <p:nvPr/>
-        </p:nvCxnSpPr>
-        <p:spPr>
-          <a:xfrm flipH="1">
-            <a:off x="6965004" y="6099243"/>
-            <a:ext cx="1585609" cy="89988"/>
-          </a:xfrm>
-          <a:prstGeom prst="straightConnector1">
-            <a:avLst/>
-          </a:prstGeom>
-          <a:ln w="19050">
-            <a:tailEnd type="triangle"/>
-          </a:ln>
-        </p:spPr>
-        <p:style>
-          <a:lnRef idx="1">
-            <a:schemeClr val="accent1"/>
-          </a:lnRef>
-          <a:fillRef idx="0">
-            <a:schemeClr val="accent1"/>
-          </a:fillRef>
-          <a:effectRef idx="0">
-            <a:schemeClr val="accent1"/>
-          </a:effectRef>
-          <a:fontRef idx="minor">
-            <a:schemeClr val="tx1"/>
-          </a:fontRef>
-        </p:style>
-      </p:cxnSp>
+                  <a:srgbClr val="C100C4"/>
+                </a:solidFill>
+                <a:latin typeface="Courier" pitchFamily="2" charset="0"/>
+              </a:rPr>
+              <a:t>}”</a:t>
+            </a:r>
+            <a:endParaRPr lang="en-US" sz="1200" b="1" dirty="0"/>
+          </a:p>
+        </p:txBody>
+      </p:sp>
     </p:spTree>
     <p:extLst>
       <p:ext uri="{BB962C8B-B14F-4D97-AF65-F5344CB8AC3E}">
-        <p14:creationId xmlns:p14="http://schemas.microsoft.com/office/powerpoint/2010/main" val="2265955842"/>
+        <p14:creationId xmlns:p14="http://schemas.microsoft.com/office/powerpoint/2010/main" val="2573257964"/>
       </p:ext>
     </p:extLst>
   </p:cSld>
   <p:clrMapOvr>
     <a:masterClrMapping/>
   </p:clrMapOvr>
-  <p:timing>
-    <p:tnLst>
-      <p:par>
-        <p:cTn id="1" dur="indefinite" restart="never" nodeType="tmRoot">
-          <p:childTnLst>
-            <p:seq concurrent="1" nextAc="seek">
-              <p:cTn id="2" dur="indefinite" nodeType="mainSeq">
-                <p:childTnLst>
-                  <p:par>
-                    <p:cTn id="3" fill="hold">
-                      <p:stCondLst>
-                        <p:cond delay="indefinite"/>
-                      </p:stCondLst>
-                      <p:childTnLst>
-                        <p:par>
-                          <p:cTn id="4" fill="hold">
-                            <p:stCondLst>
-                              <p:cond delay="0"/>
-                            </p:stCondLst>
-                            <p:childTnLst>
-                              <p:par>
-                                <p:cTn id="5" presetID="1" presetClass="entr" presetSubtype="0" fill="hold" nodeType="clickEffect">
-                                  <p:stCondLst>
-                                    <p:cond delay="0"/>
-                                  </p:stCondLst>
-                                  <p:childTnLst>
-                                    <p:set>
-                                      <p:cBhvr>
-                                        <p:cTn id="6" dur="1" fill="hold">
-                                          <p:stCondLst>
-                                            <p:cond delay="0"/>
-                                          </p:stCondLst>
-                                        </p:cTn>
-                                        <p:tgtEl>
-                                          <p:spTgt spid="4"/>
-                                        </p:tgtEl>
-                                        <p:attrNameLst>
-                                          <p:attrName>style.visibility</p:attrName>
-                                        </p:attrNameLst>
-                                      </p:cBhvr>
-                                      <p:to>
-                                        <p:strVal val="visible"/>
-                                      </p:to>
-                                    </p:set>
-                                  </p:childTnLst>
-                                </p:cTn>
-                              </p:par>
-                              <p:par>
-                                <p:cTn id="7" presetID="1" presetClass="entr" presetSubtype="0" fill="hold" grpId="0" nodeType="withEffect">
-                                  <p:stCondLst>
-                                    <p:cond delay="0"/>
-                                  </p:stCondLst>
-                                  <p:childTnLst>
-                                    <p:set>
-                                      <p:cBhvr>
-                                        <p:cTn id="8" dur="1" fill="hold">
-                                          <p:stCondLst>
-                                            <p:cond delay="0"/>
-                                          </p:stCondLst>
-                                        </p:cTn>
-                                        <p:tgtEl>
-                                          <p:spTgt spid="12"/>
-                                        </p:tgtEl>
-                                        <p:attrNameLst>
-                                          <p:attrName>style.visibility</p:attrName>
-                                        </p:attrNameLst>
-                                      </p:cBhvr>
-                                      <p:to>
-                                        <p:strVal val="visible"/>
-                                      </p:to>
-                                    </p:set>
-                                  </p:childTnLst>
-                                </p:cTn>
-                              </p:par>
-                            </p:childTnLst>
-                          </p:cTn>
-                        </p:par>
-                      </p:childTnLst>
-                    </p:cTn>
-                  </p:par>
-                  <p:par>
-                    <p:cTn id="9" fill="hold">
-                      <p:stCondLst>
-                        <p:cond delay="indefinite"/>
-                      </p:stCondLst>
-                      <p:childTnLst>
-                        <p:par>
-                          <p:cTn id="10" fill="hold">
-                            <p:stCondLst>
-                              <p:cond delay="0"/>
-                            </p:stCondLst>
-                            <p:childTnLst>
-                              <p:par>
-                                <p:cTn id="11" presetID="1" presetClass="entr" presetSubtype="0" fill="hold" nodeType="clickEffect">
-                                  <p:stCondLst>
-                                    <p:cond delay="0"/>
-                                  </p:stCondLst>
-                                  <p:childTnLst>
-                                    <p:set>
-                                      <p:cBhvr>
-                                        <p:cTn id="12" dur="1" fill="hold">
-                                          <p:stCondLst>
-                                            <p:cond delay="0"/>
-                                          </p:stCondLst>
-                                        </p:cTn>
-                                        <p:tgtEl>
-                                          <p:spTgt spid="17"/>
-                                        </p:tgtEl>
-                                        <p:attrNameLst>
-                                          <p:attrName>style.visibility</p:attrName>
-                                        </p:attrNameLst>
-                                      </p:cBhvr>
-                                      <p:to>
-                                        <p:strVal val="visible"/>
-                                      </p:to>
-                                    </p:set>
-                                  </p:childTnLst>
-                                </p:cTn>
-                              </p:par>
-                              <p:par>
-                                <p:cTn id="13" presetID="1" presetClass="entr" presetSubtype="0" fill="hold" grpId="0" nodeType="withEffect">
-                                  <p:stCondLst>
-                                    <p:cond delay="0"/>
-                                  </p:stCondLst>
-                                  <p:childTnLst>
-                                    <p:set>
-                                      <p:cBhvr>
-                                        <p:cTn id="14" dur="1" fill="hold">
-                                          <p:stCondLst>
-                                            <p:cond delay="0"/>
-                                          </p:stCondLst>
-                                        </p:cTn>
-                                        <p:tgtEl>
-                                          <p:spTgt spid="16"/>
-                                        </p:tgtEl>
-                                        <p:attrNameLst>
-                                          <p:attrName>style.visibility</p:attrName>
-                                        </p:attrNameLst>
-                                      </p:cBhvr>
-                                      <p:to>
-                                        <p:strVal val="visible"/>
-                                      </p:to>
-                                    </p:set>
-                                  </p:childTnLst>
-                                </p:cTn>
-                              </p:par>
-                            </p:childTnLst>
-                          </p:cTn>
-                        </p:par>
-                      </p:childTnLst>
-                    </p:cTn>
-                  </p:par>
-                </p:childTnLst>
-              </p:cTn>
-              <p:prevCondLst>
-                <p:cond evt="onPrev" delay="0">
-                  <p:tgtEl>
-                    <p:sldTgt/>
-                  </p:tgtEl>
-                </p:cond>
-              </p:prevCondLst>
-              <p:nextCondLst>
-                <p:cond evt="onNext" delay="0">
-                  <p:tgtEl>
-                    <p:sldTgt/>
-                  </p:tgtEl>
-                </p:cond>
-              </p:nextCondLst>
-            </p:seq>
-          </p:childTnLst>
-        </p:cTn>
-      </p:par>
-    </p:tnLst>
-    <p:bldLst>
-      <p:bldP spid="12" grpId="0" animBg="1"/>
-      <p:bldP spid="16" grpId="0" animBg="1"/>
-    </p:bldLst>
-  </p:timing>
 </p:sld>
 </file>
 

--- a/docs/namelist_changes.pptx
+++ b/docs/namelist_changes.pptx
@@ -3013,10 +3013,9 @@
           <a:lstStyle/>
           <a:p>
             <a:r>
-              <a:rPr lang="tr-TR" sz="4800" b="1" dirty="0" err="1"/>
+              <a:rPr lang="en-GB" sz="4800" b="1"/>
               <a:t>namelist_changes</a:t>
             </a:r>
-            <a:endParaRPr lang="tr-TR" sz="4800" b="1" dirty="0"/>
           </a:p>
         </p:txBody>
       </p:sp>
@@ -3062,7 +3061,7 @@
           <a:lstStyle/>
           <a:p>
             <a:pPr algn="ctr"/>
-            <a:endParaRPr lang="tr-TR"/>
+            <a:endParaRPr lang="en-GB"/>
           </a:p>
         </p:txBody>
       </p:sp>
@@ -3089,19 +3088,11 @@
           <a:lstStyle/>
           <a:p>
             <a:r>
-              <a:rPr lang="tr-TR" sz="2400" dirty="0"/>
-              <a:t>a </a:t>
-            </a:r>
-            <a:r>
-              <a:rPr lang="tr-TR" sz="2400" dirty="0" err="1"/>
-              <a:t>yaml</a:t>
-            </a:r>
-            <a:r>
-              <a:rPr lang="tr-TR" sz="2400" dirty="0"/>
-              <a:t> </a:t>
-            </a:r>
-            <a:r>
-              <a:rPr lang="tr-TR" sz="2400" dirty="0" err="1">
+              <a:rPr lang="en-GB" sz="2400"/>
+              <a:t>a yaml </a:t>
+            </a:r>
+            <a:r>
+              <a:rPr lang="en-GB" sz="2400">
                 <a:solidFill>
                   <a:schemeClr val="accent2"/>
                 </a:solidFill>
@@ -3109,177 +3100,67 @@
               <a:t>dictionary</a:t>
             </a:r>
             <a:r>
-              <a:rPr lang="tr-TR" sz="2400" dirty="0"/>
-              <a:t> </a:t>
-            </a:r>
-            <a:r>
-              <a:rPr lang="tr-TR" sz="2400" dirty="0" err="1"/>
-              <a:t>with</a:t>
-            </a:r>
-            <a:r>
-              <a:rPr lang="tr-TR" sz="2400" dirty="0"/>
-              <a:t> an </a:t>
-            </a:r>
-            <a:r>
-              <a:rPr lang="tr-TR" sz="2400" dirty="0" err="1"/>
-              <a:t>extended</a:t>
-            </a:r>
-            <a:r>
-              <a:rPr lang="tr-TR" sz="2400" dirty="0"/>
-              <a:t> </a:t>
-            </a:r>
-            <a:r>
-              <a:rPr lang="tr-TR" sz="2400" dirty="0" err="1"/>
-              <a:t>functionality</a:t>
-            </a:r>
-            <a:r>
-              <a:rPr lang="tr-TR" sz="2400" dirty="0"/>
-              <a:t> in ESM-Tools</a:t>
-            </a:r>
-          </a:p>
-          <a:p>
-            <a:endParaRPr lang="tr-TR" sz="2400" dirty="0"/>
-          </a:p>
-          <a:p>
-            <a:endParaRPr lang="tr-TR" sz="2400" dirty="0"/>
-          </a:p>
-          <a:p>
-            <a:r>
-              <a:rPr lang="tr-TR" sz="2400" dirty="0" err="1"/>
-              <a:t>Allows</a:t>
-            </a:r>
-            <a:r>
-              <a:rPr lang="tr-TR" sz="2400" dirty="0"/>
-              <a:t> </a:t>
-            </a:r>
-            <a:r>
-              <a:rPr lang="tr-TR" sz="2400" dirty="0" err="1"/>
-              <a:t>changing</a:t>
-            </a:r>
-            <a:r>
-              <a:rPr lang="tr-TR" sz="2400" dirty="0"/>
-              <a:t> </a:t>
-            </a:r>
-            <a:r>
-              <a:rPr lang="tr-TR" sz="2400" dirty="0" err="1"/>
-              <a:t>the</a:t>
-            </a:r>
-            <a:r>
-              <a:rPr lang="tr-TR" sz="2400" dirty="0"/>
-              <a:t> </a:t>
-            </a:r>
-            <a:r>
-              <a:rPr lang="tr-TR" sz="2400" dirty="0" err="1"/>
-              <a:t>namelists</a:t>
-            </a:r>
-            <a:r>
-              <a:rPr lang="tr-TR" sz="2400" dirty="0"/>
-              <a:t> </a:t>
-            </a:r>
-            <a:r>
-              <a:rPr lang="tr-TR" sz="2400" dirty="0" err="1"/>
-              <a:t>through</a:t>
-            </a:r>
-            <a:r>
-              <a:rPr lang="tr-TR" sz="2400" dirty="0"/>
-              <a:t> </a:t>
-            </a:r>
-            <a:r>
-              <a:rPr lang="tr-TR" sz="2400" dirty="0" err="1"/>
-              <a:t>the</a:t>
-            </a:r>
-            <a:r>
-              <a:rPr lang="tr-TR" sz="2400" dirty="0"/>
-              <a:t> </a:t>
-            </a:r>
-            <a:r>
-              <a:rPr lang="tr-TR" sz="2400" dirty="0" err="1">
+              <a:rPr lang="en-GB" sz="2400"/>
+              <a:t> with an extended functionality in ESM-Tools</a:t>
+            </a:r>
+          </a:p>
+          <a:p>
+            <a:endParaRPr lang="en-GB" sz="2400"/>
+          </a:p>
+          <a:p>
+            <a:endParaRPr lang="en-GB" sz="2400"/>
+          </a:p>
+          <a:p>
+            <a:r>
+              <a:rPr lang="en-GB" sz="2400"/>
+              <a:t>Allows changing the namelists through the </a:t>
+            </a:r>
+            <a:r>
+              <a:rPr lang="en-GB" sz="2400">
                 <a:solidFill>
                   <a:schemeClr val="accent2"/>
                 </a:solidFill>
               </a:rPr>
-              <a:t>runscripts</a:t>
-            </a:r>
-            <a:r>
-              <a:rPr lang="tr-TR" sz="2400" dirty="0">
+              <a:t>runscripts </a:t>
+            </a:r>
+            <a:r>
+              <a:rPr lang="en-GB" sz="2400"/>
+              <a:t>and the </a:t>
+            </a:r>
+            <a:r>
+              <a:rPr lang="en-GB" sz="2400">
                 <a:solidFill>
                   <a:schemeClr val="accent2"/>
                 </a:solidFill>
               </a:rPr>
-              <a:t> </a:t>
-            </a:r>
-            <a:r>
-              <a:rPr lang="tr-TR" sz="2400" dirty="0" err="1"/>
-              <a:t>and</a:t>
-            </a:r>
-            <a:r>
-              <a:rPr lang="tr-TR" sz="2400" dirty="0"/>
-              <a:t> </a:t>
-            </a:r>
-            <a:r>
-              <a:rPr lang="tr-TR" sz="2400" dirty="0" err="1"/>
-              <a:t>the</a:t>
-            </a:r>
-            <a:r>
-              <a:rPr lang="tr-TR" sz="2400" dirty="0"/>
-              <a:t> </a:t>
-            </a:r>
-            <a:r>
-              <a:rPr lang="tr-TR" sz="2400" dirty="0" err="1">
-                <a:solidFill>
-                  <a:schemeClr val="accent2"/>
-                </a:solidFill>
-              </a:rPr>
-              <a:t>configuration</a:t>
-            </a:r>
-            <a:r>
-              <a:rPr lang="tr-TR" sz="2400" dirty="0">
-                <a:solidFill>
-                  <a:schemeClr val="accent2"/>
-                </a:solidFill>
-              </a:rPr>
-              <a:t> </a:t>
-            </a:r>
-            <a:r>
-              <a:rPr lang="tr-TR" sz="2400" dirty="0" err="1">
-                <a:solidFill>
-                  <a:schemeClr val="accent2"/>
-                </a:solidFill>
-              </a:rPr>
-              <a:t>files</a:t>
-            </a:r>
-            <a:endParaRPr lang="tr-TR" sz="2400" dirty="0">
+              <a:t>configuration files</a:t>
+            </a:r>
+          </a:p>
+          <a:p>
+            <a:endParaRPr lang="en-GB" sz="2400">
               <a:solidFill>
                 <a:schemeClr val="accent2"/>
               </a:solidFill>
             </a:endParaRPr>
           </a:p>
           <a:p>
-            <a:endParaRPr lang="tr-TR" sz="2400" dirty="0">
+            <a:endParaRPr lang="en-GB" sz="2400">
               <a:solidFill>
                 <a:schemeClr val="accent2"/>
               </a:solidFill>
             </a:endParaRPr>
           </a:p>
           <a:p>
-            <a:endParaRPr lang="tr-TR" sz="2400" dirty="0">
-              <a:solidFill>
-                <a:schemeClr val="accent2"/>
-              </a:solidFill>
-            </a:endParaRPr>
-          </a:p>
-          <a:p>
-            <a:r>
-              <a:rPr lang="tr-TR" sz="2400" b="1" dirty="0" err="1"/>
+            <a:r>
+              <a:rPr lang="en-GB" sz="2400" b="1"/>
               <a:t>Syntax</a:t>
             </a:r>
-            <a:endParaRPr lang="tr-TR" sz="2400" b="1" dirty="0"/>
-          </a:p>
-          <a:p>
-            <a:endParaRPr lang="tr-TR" sz="2400" b="1" dirty="0"/>
-          </a:p>
-          <a:p>
-            <a:endParaRPr lang="tr-TR" sz="2400" b="1" dirty="0"/>
+          </a:p>
+          <a:p>
+            <a:endParaRPr lang="en-GB" sz="2400" b="1"/>
+          </a:p>
+          <a:p>
+            <a:endParaRPr lang="en-GB" sz="2400" b="1"/>
           </a:p>
         </p:txBody>
       </p:sp>
@@ -3331,7 +3212,7 @@
           <a:lstStyle/>
           <a:p>
             <a:pPr algn="ctr"/>
-            <a:endParaRPr lang="tr-TR"/>
+            <a:endParaRPr lang="en-GB"/>
           </a:p>
         </p:txBody>
       </p:sp>
@@ -3368,7 +3249,7 @@
           <a:lstStyle/>
           <a:p>
             <a:r>
-              <a:rPr lang="en-US" sz="1600" dirty="0" err="1">
+              <a:rPr lang="en-GB" sz="1600">
                 <a:solidFill>
                   <a:srgbClr val="0E6E35"/>
                 </a:solidFill>
@@ -3377,7 +3258,7 @@
               <a:t>namelist_changes</a:t>
             </a:r>
             <a:r>
-              <a:rPr lang="en-US" sz="1600" dirty="0">
+              <a:rPr lang="en-GB" sz="1600">
                 <a:solidFill>
                   <a:srgbClr val="000000"/>
                 </a:solidFill>
@@ -3388,149 +3269,131 @@
           </a:p>
           <a:p>
             <a:r>
-              <a:rPr lang="en-US" sz="1600" dirty="0">
+              <a:rPr lang="en-GB" sz="1600">
                 <a:solidFill>
                   <a:srgbClr val="0E6E35"/>
                 </a:solidFill>
                 <a:latin typeface="Courier" pitchFamily="2" charset="0"/>
               </a:rPr>
-              <a:t>    &lt;</a:t>
-            </a:r>
-            <a:r>
-              <a:rPr lang="en-US" sz="1600" dirty="0" err="1">
+              <a:t>    &lt;namelist_name&gt;</a:t>
+            </a:r>
+            <a:r>
+              <a:rPr lang="en-GB" sz="1600">
+                <a:solidFill>
+                  <a:srgbClr val="000000"/>
+                </a:solidFill>
+                <a:latin typeface="Courier" pitchFamily="2" charset="0"/>
+              </a:rPr>
+              <a:t>:</a:t>
+            </a:r>
+          </a:p>
+          <a:p>
+            <a:r>
+              <a:rPr lang="en-GB" sz="1600">
                 <a:solidFill>
                   <a:srgbClr val="0E6E35"/>
                 </a:solidFill>
                 <a:latin typeface="Courier" pitchFamily="2" charset="0"/>
               </a:rPr>
-              <a:t>namelist_name</a:t>
-            </a:r>
-            <a:r>
-              <a:rPr lang="en-US" sz="1600" dirty="0">
-                <a:solidFill>
-                  <a:srgbClr val="0E6E35"/>
+              <a:t>         &lt;namelist_section-1&gt;</a:t>
+            </a:r>
+            <a:r>
+              <a:rPr lang="en-GB" sz="1600">
+                <a:solidFill>
+                  <a:srgbClr val="000000"/>
+                </a:solidFill>
+                <a:latin typeface="Courier" pitchFamily="2" charset="0"/>
+              </a:rPr>
+              <a:t>:</a:t>
+            </a:r>
+          </a:p>
+          <a:p>
+            <a:r>
+              <a:rPr lang="en-GB" sz="1600">
+                <a:solidFill>
+                  <a:srgbClr val="0F7001"/>
+                </a:solidFill>
+                <a:latin typeface="Courier" pitchFamily="2" charset="0"/>
+              </a:rPr>
+              <a:t>              &lt;variable-1&gt;</a:t>
+            </a:r>
+            <a:r>
+              <a:rPr lang="en-GB" sz="1600" b="1">
+                <a:solidFill>
+                  <a:srgbClr val="921A20"/>
+                </a:solidFill>
+                <a:latin typeface="Courier-Bold" pitchFamily="2" charset="0"/>
+              </a:rPr>
+              <a:t>: </a:t>
+            </a:r>
+            <a:r>
+              <a:rPr lang="en-GB" sz="1600">
+                <a:solidFill>
+                  <a:srgbClr val="000000"/>
+                </a:solidFill>
+                <a:latin typeface="Courier" pitchFamily="2" charset="0"/>
+              </a:rPr>
+              <a:t>&lt;value-1&gt;</a:t>
+            </a:r>
+          </a:p>
+          <a:p>
+            <a:r>
+              <a:rPr lang="en-GB" sz="1600">
+                <a:solidFill>
+                  <a:srgbClr val="0F7001"/>
+                </a:solidFill>
+                <a:latin typeface="Courier" pitchFamily="2" charset="0"/>
+              </a:rPr>
+              <a:t>              &lt;</a:t>
+            </a:r>
+            <a:r>
+              <a:rPr lang="en-GB" sz="1400">
+                <a:solidFill>
+                  <a:srgbClr val="0F7001"/>
+                </a:solidFill>
+                <a:latin typeface="Courier" pitchFamily="2" charset="0"/>
+              </a:rPr>
+              <a:t>variable-2</a:t>
+            </a:r>
+            <a:r>
+              <a:rPr lang="en-GB" sz="1600">
+                <a:solidFill>
+                  <a:srgbClr val="0F7001"/>
                 </a:solidFill>
                 <a:latin typeface="Courier" pitchFamily="2" charset="0"/>
               </a:rPr>
               <a:t>&gt;</a:t>
             </a:r>
             <a:r>
-              <a:rPr lang="en-US" sz="1600" dirty="0">
+              <a:rPr lang="en-GB" sz="1600" b="1">
+                <a:solidFill>
+                  <a:srgbClr val="921A20"/>
+                </a:solidFill>
+                <a:latin typeface="Courier-Bold" pitchFamily="2" charset="0"/>
+              </a:rPr>
+              <a:t>: </a:t>
+            </a:r>
+            <a:r>
+              <a:rPr lang="en-GB" sz="1600">
                 <a:solidFill>
                   <a:srgbClr val="000000"/>
                 </a:solidFill>
                 <a:latin typeface="Courier" pitchFamily="2" charset="0"/>
               </a:rPr>
-              <a:t>:</a:t>
-            </a:r>
-          </a:p>
-          <a:p>
-            <a:r>
-              <a:rPr lang="en-US" sz="1600" dirty="0">
-                <a:solidFill>
-                  <a:srgbClr val="0E6E35"/>
-                </a:solidFill>
-                <a:latin typeface="Courier" pitchFamily="2" charset="0"/>
-              </a:rPr>
-              <a:t>         &lt;namelist_section-1&gt;</a:t>
-            </a:r>
-            <a:r>
-              <a:rPr lang="en-US" sz="1600" dirty="0">
+              <a:t>&lt;value-2&gt;</a:t>
+            </a:r>
+          </a:p>
+          <a:p>
+            <a:r>
+              <a:rPr lang="en-GB" sz="1600">
                 <a:solidFill>
                   <a:srgbClr val="000000"/>
                 </a:solidFill>
                 <a:latin typeface="Courier" pitchFamily="2" charset="0"/>
               </a:rPr>
-              <a:t>:</a:t>
-            </a:r>
-          </a:p>
-          <a:p>
-            <a:r>
-              <a:rPr lang="en-US" sz="1600" dirty="0">
-                <a:solidFill>
-                  <a:srgbClr val="0F7001"/>
-                </a:solidFill>
-                <a:latin typeface="Courier" pitchFamily="2" charset="0"/>
-              </a:rPr>
-              <a:t>              &lt;variable-1&gt;</a:t>
-            </a:r>
-            <a:r>
-              <a:rPr lang="en-US" sz="1600" b="1" dirty="0">
-                <a:solidFill>
-                  <a:srgbClr val="921A20"/>
-                </a:solidFill>
-                <a:latin typeface="Courier-Bold" pitchFamily="2" charset="0"/>
-              </a:rPr>
-              <a:t>: </a:t>
-            </a:r>
-            <a:r>
-              <a:rPr lang="en-US" sz="1600" dirty="0">
-                <a:solidFill>
-                  <a:srgbClr val="000000"/>
-                </a:solidFill>
-                <a:latin typeface="Courier" pitchFamily="2" charset="0"/>
-              </a:rPr>
-              <a:t>&lt;value-1&gt;</a:t>
-            </a:r>
-          </a:p>
-          <a:p>
-            <a:r>
-              <a:rPr lang="en-US" sz="1600" dirty="0">
-                <a:solidFill>
-                  <a:srgbClr val="0F7001"/>
-                </a:solidFill>
-                <a:latin typeface="Courier" pitchFamily="2" charset="0"/>
-              </a:rPr>
-              <a:t>              &lt;</a:t>
-            </a:r>
-            <a:r>
-              <a:rPr lang="en-US" sz="1400" dirty="0">
-                <a:solidFill>
-                  <a:srgbClr val="0F7001"/>
-                </a:solidFill>
-                <a:latin typeface="Courier" pitchFamily="2" charset="0"/>
-              </a:rPr>
-              <a:t>variable-2</a:t>
-            </a:r>
-            <a:r>
-              <a:rPr lang="en-US" sz="1600" dirty="0">
-                <a:solidFill>
-                  <a:srgbClr val="0F7001"/>
-                </a:solidFill>
-                <a:latin typeface="Courier" pitchFamily="2" charset="0"/>
-              </a:rPr>
-              <a:t>&gt;</a:t>
-            </a:r>
-            <a:r>
-              <a:rPr lang="en-US" sz="1600" b="1" dirty="0">
-                <a:solidFill>
-                  <a:srgbClr val="921A20"/>
-                </a:solidFill>
-                <a:latin typeface="Courier-Bold" pitchFamily="2" charset="0"/>
-              </a:rPr>
-              <a:t>: </a:t>
-            </a:r>
-            <a:r>
-              <a:rPr lang="en-US" sz="1600" dirty="0">
-                <a:solidFill>
-                  <a:srgbClr val="000000"/>
-                </a:solidFill>
-                <a:latin typeface="Courier" pitchFamily="2" charset="0"/>
-              </a:rPr>
-              <a:t>&lt;value-2&gt;</a:t>
-            </a:r>
-          </a:p>
-          <a:p>
-            <a:r>
-              <a:rPr lang="en-US" sz="1600" dirty="0">
-                <a:solidFill>
-                  <a:srgbClr val="000000"/>
-                </a:solidFill>
-                <a:latin typeface="Courier" pitchFamily="2" charset="0"/>
-              </a:rPr>
               <a:t>    …</a:t>
             </a:r>
-            <a:endParaRPr lang="en-US" sz="1600" dirty="0"/>
+            <a:endParaRPr lang="en-GB" sz="1600"/>
           </a:p>
         </p:txBody>
       </p:sp>
@@ -3582,7 +3445,7 @@
           <a:lstStyle/>
           <a:p>
             <a:pPr algn="ctr"/>
-            <a:endParaRPr lang="tr-TR"/>
+            <a:endParaRPr lang="en-GB"/>
           </a:p>
         </p:txBody>
       </p:sp>
@@ -3658,10 +3521,9 @@
           <a:lstStyle/>
           <a:p>
             <a:r>
-              <a:rPr lang="tr-TR" sz="4800" b="1" dirty="0" err="1"/>
+              <a:rPr lang="en-GB" sz="4800" b="1"/>
               <a:t>namelist_changes</a:t>
             </a:r>
-            <a:endParaRPr lang="tr-TR" sz="4800" b="1" dirty="0"/>
           </a:p>
         </p:txBody>
       </p:sp>
@@ -3707,7 +3569,7 @@
           <a:lstStyle/>
           <a:p>
             <a:pPr algn="ctr"/>
-            <a:endParaRPr lang="tr-TR"/>
+            <a:endParaRPr lang="en-GB"/>
           </a:p>
         </p:txBody>
       </p:sp>
@@ -3737,18 +3599,9 @@
           <a:lstStyle/>
           <a:p>
             <a:r>
-              <a:rPr lang="tr-TR" sz="2400" b="1" dirty="0" err="1"/>
-              <a:t>Use</a:t>
-            </a:r>
-            <a:r>
-              <a:rPr lang="tr-TR" sz="2400" b="1" dirty="0"/>
-              <a:t> </a:t>
-            </a:r>
-            <a:r>
-              <a:rPr lang="tr-TR" sz="2400" b="1" dirty="0" err="1"/>
-              <a:t>cases</a:t>
-            </a:r>
-            <a:endParaRPr lang="tr-TR" sz="2400" b="1" dirty="0"/>
+              <a:rPr lang="en-GB" sz="2400" b="1"/>
+              <a:t>Use cases</a:t>
+            </a:r>
           </a:p>
           <a:p>
             <a:pPr marL="342900" indent="-342900">
@@ -3756,23 +3609,11 @@
               <a:buChar char="•"/>
             </a:pPr>
             <a:r>
-              <a:rPr lang="tr-TR" sz="2400" dirty="0" err="1"/>
-              <a:t>In</a:t>
-            </a:r>
-            <a:r>
-              <a:rPr lang="tr-TR" sz="2400" dirty="0"/>
-              <a:t> </a:t>
-            </a:r>
-            <a:r>
-              <a:rPr lang="tr-TR" sz="2400" dirty="0" err="1"/>
-              <a:t>the</a:t>
-            </a:r>
-            <a:r>
-              <a:rPr lang="tr-TR" sz="2400" dirty="0"/>
-              <a:t> </a:t>
-            </a:r>
-            <a:r>
-              <a:rPr lang="tr-TR" sz="2400" dirty="0" err="1">
+              <a:rPr lang="en-GB" sz="2400"/>
+              <a:t>In the </a:t>
+            </a:r>
+            <a:r>
+              <a:rPr lang="en-GB" sz="2400">
                 <a:solidFill>
                   <a:schemeClr val="accent2"/>
                 </a:solidFill>
@@ -3780,7 +3621,7 @@
               <a:t>runscripts</a:t>
             </a:r>
             <a:r>
-              <a:rPr lang="tr-TR" sz="2400" dirty="0"/>
+              <a:rPr lang="en-GB" sz="2400"/>
               <a:t>:</a:t>
             </a:r>
           </a:p>
@@ -3790,112 +3631,45 @@
               <a:buChar char="o"/>
             </a:pPr>
             <a:r>
-              <a:rPr lang="tr-TR" sz="2400" dirty="0" err="1"/>
-              <a:t>Make</a:t>
-            </a:r>
-            <a:r>
-              <a:rPr lang="tr-TR" sz="2400" dirty="0"/>
-              <a:t> </a:t>
-            </a:r>
-            <a:r>
-              <a:rPr lang="tr-TR" sz="2400" dirty="0" err="1"/>
-              <a:t>modifications</a:t>
-            </a:r>
-            <a:r>
-              <a:rPr lang="tr-TR" sz="2400" dirty="0"/>
-              <a:t> in </a:t>
-            </a:r>
-            <a:r>
-              <a:rPr lang="tr-TR" sz="2400" dirty="0" err="1"/>
-              <a:t>the</a:t>
-            </a:r>
-            <a:r>
-              <a:rPr lang="tr-TR" sz="2400" dirty="0"/>
-              <a:t> </a:t>
-            </a:r>
-            <a:r>
-              <a:rPr lang="tr-TR" sz="2400" dirty="0" err="1"/>
-              <a:t>namelists</a:t>
-            </a:r>
-            <a:r>
-              <a:rPr lang="tr-TR" sz="2400" dirty="0"/>
-              <a:t> </a:t>
-            </a:r>
-            <a:r>
-              <a:rPr lang="tr-TR" sz="2400" dirty="0" err="1"/>
-              <a:t>specific</a:t>
-            </a:r>
-            <a:r>
-              <a:rPr lang="tr-TR" sz="2400" dirty="0"/>
-              <a:t> </a:t>
-            </a:r>
-            <a:r>
-              <a:rPr lang="tr-TR" sz="2400" dirty="0" err="1"/>
-              <a:t>to</a:t>
-            </a:r>
-            <a:r>
-              <a:rPr lang="tr-TR" sz="2400" dirty="0"/>
-              <a:t> </a:t>
-            </a:r>
-            <a:r>
-              <a:rPr lang="tr-TR" sz="2400" dirty="0" err="1"/>
-              <a:t>the</a:t>
-            </a:r>
-            <a:r>
-              <a:rPr lang="tr-TR" sz="2400" dirty="0"/>
-              <a:t> </a:t>
-            </a:r>
-            <a:r>
-              <a:rPr lang="tr-TR" sz="2400" dirty="0" err="1"/>
-              <a:t>current</a:t>
-            </a:r>
-            <a:r>
-              <a:rPr lang="tr-TR" sz="2400" dirty="0"/>
-              <a:t> </a:t>
-            </a:r>
-            <a:r>
-              <a:rPr lang="tr-TR" sz="2400" dirty="0" err="1"/>
-              <a:t>experiment</a:t>
-            </a:r>
-            <a:endParaRPr lang="tr-TR" sz="2400" dirty="0"/>
-          </a:p>
-          <a:p>
-            <a:endParaRPr lang="tr-TR" sz="2400" dirty="0"/>
-          </a:p>
-          <a:p>
-            <a:r>
-              <a:rPr lang="tr-TR" sz="2400" b="1" dirty="0" err="1"/>
+              <a:rPr lang="en-GB" sz="2400"/>
+              <a:t>Make modifications in the namelists specific to the current experiment</a:t>
+            </a:r>
+          </a:p>
+          <a:p>
+            <a:endParaRPr lang="en-GB" sz="2400"/>
+          </a:p>
+          <a:p>
+            <a:r>
+              <a:rPr lang="en-GB" sz="2400" b="1"/>
               <a:t>Example</a:t>
             </a:r>
-            <a:endParaRPr lang="tr-TR" sz="2400" b="1" dirty="0"/>
-          </a:p>
-          <a:p>
-            <a:endParaRPr lang="tr-TR" sz="2400" b="1" dirty="0"/>
-          </a:p>
-          <a:p>
-            <a:endParaRPr lang="tr-TR" sz="2400" b="1" dirty="0"/>
-          </a:p>
-          <a:p>
-            <a:endParaRPr lang="tr-TR" sz="2400" b="1" dirty="0"/>
-          </a:p>
-          <a:p>
-            <a:endParaRPr lang="tr-TR" sz="2400" b="1" dirty="0"/>
-          </a:p>
-          <a:p>
-            <a:endParaRPr lang="tr-TR" sz="2400" b="1" dirty="0"/>
-          </a:p>
-          <a:p>
-            <a:endParaRPr lang="tr-TR" sz="2400" b="1" dirty="0"/>
-          </a:p>
-          <a:p>
-            <a:endParaRPr lang="tr-TR" sz="2400" b="1" dirty="0"/>
-          </a:p>
-          <a:p>
-            <a:r>
-              <a:rPr lang="tr-TR" sz="2400" b="1" dirty="0" err="1"/>
+          </a:p>
+          <a:p>
+            <a:endParaRPr lang="en-GB" sz="2400" b="1"/>
+          </a:p>
+          <a:p>
+            <a:endParaRPr lang="en-GB" sz="2400" b="1"/>
+          </a:p>
+          <a:p>
+            <a:endParaRPr lang="en-GB" sz="2400" b="1"/>
+          </a:p>
+          <a:p>
+            <a:endParaRPr lang="en-GB" sz="2400" b="1"/>
+          </a:p>
+          <a:p>
+            <a:endParaRPr lang="en-GB" sz="2400" b="1"/>
+          </a:p>
+          <a:p>
+            <a:endParaRPr lang="en-GB" sz="2400" b="1"/>
+          </a:p>
+          <a:p>
+            <a:endParaRPr lang="en-GB" sz="2400" b="1"/>
+          </a:p>
+          <a:p>
+            <a:r>
+              <a:rPr lang="en-GB" sz="2400" b="1"/>
               <a:t>Purpose</a:t>
             </a:r>
-            <a:endParaRPr lang="tr-TR" sz="2400" b="1" dirty="0"/>
           </a:p>
           <a:p>
             <a:pPr marL="342900" indent="-342900">
@@ -3903,62 +3677,9 @@
               <a:buChar char="•"/>
             </a:pPr>
             <a:r>
-              <a:rPr lang="tr-TR" sz="2400" dirty="0"/>
-              <a:t>User </a:t>
-            </a:r>
-            <a:r>
-              <a:rPr lang="tr-TR" sz="2400" dirty="0" err="1"/>
-              <a:t>only</a:t>
-            </a:r>
-            <a:r>
-              <a:rPr lang="tr-TR" sz="2400" dirty="0"/>
-              <a:t> </a:t>
-            </a:r>
-            <a:r>
-              <a:rPr lang="tr-TR" sz="2400" dirty="0" err="1"/>
-              <a:t>needs</a:t>
-            </a:r>
-            <a:r>
-              <a:rPr lang="tr-TR" sz="2400" dirty="0"/>
-              <a:t> </a:t>
-            </a:r>
-            <a:r>
-              <a:rPr lang="tr-TR" sz="2400" dirty="0" err="1"/>
-              <a:t>to</a:t>
-            </a:r>
-            <a:r>
-              <a:rPr lang="tr-TR" sz="2400" dirty="0"/>
-              <a:t> </a:t>
-            </a:r>
-            <a:r>
-              <a:rPr lang="tr-TR" sz="2400" dirty="0" err="1"/>
-              <a:t>modify</a:t>
-            </a:r>
-            <a:r>
-              <a:rPr lang="tr-TR" sz="2400" dirty="0"/>
-              <a:t> </a:t>
-            </a:r>
-            <a:r>
-              <a:rPr lang="tr-TR" sz="2400" dirty="0" err="1"/>
-              <a:t>the</a:t>
-            </a:r>
-            <a:r>
-              <a:rPr lang="tr-TR" sz="2400" dirty="0"/>
-              <a:t> </a:t>
-            </a:r>
-            <a:r>
-              <a:rPr lang="tr-TR" sz="2400" dirty="0" err="1"/>
-              <a:t>runscript</a:t>
-            </a:r>
-            <a:r>
-              <a:rPr lang="tr-TR" sz="2400" dirty="0"/>
-              <a:t> -&gt; </a:t>
-            </a:r>
-            <a:r>
-              <a:rPr lang="tr-TR" sz="2400" dirty="0" err="1"/>
-              <a:t>reproducibility</a:t>
-            </a:r>
-            <a:endParaRPr lang="tr-TR" sz="2400" dirty="0"/>
+              <a:rPr lang="en-GB" sz="2400"/>
+              <a:t>User only needs to modify the runscript -&gt; reproducibility</a:t>
+            </a:r>
           </a:p>
         </p:txBody>
       </p:sp>
@@ -4010,7 +3731,7 @@
           <a:lstStyle/>
           <a:p>
             <a:pPr algn="ctr"/>
-            <a:endParaRPr lang="tr-TR"/>
+            <a:endParaRPr lang="en-GB"/>
           </a:p>
         </p:txBody>
       </p:sp>
@@ -4047,10 +3768,10 @@
           <a:lstStyle/>
           <a:p>
             <a:r>
-              <a:rPr lang="tr-TR" sz="2400" b="1" dirty="0" err="1"/>
+              <a:rPr lang="en-GB" sz="2400" b="1"/>
               <a:t>your_runscript.yaml</a:t>
             </a:r>
-            <a:endParaRPr lang="en-US" sz="2400" dirty="0">
+            <a:endParaRPr lang="en-GB" sz="2400">
               <a:solidFill>
                 <a:srgbClr val="0E6E35"/>
               </a:solidFill>
@@ -4059,7 +3780,7 @@
           </a:p>
           <a:p>
             <a:r>
-              <a:rPr lang="en-US" dirty="0" err="1">
+              <a:rPr lang="en-GB">
                 <a:solidFill>
                   <a:srgbClr val="0E6E35"/>
                 </a:solidFill>
@@ -4068,7 +3789,7 @@
               <a:t>fesom</a:t>
             </a:r>
             <a:r>
-              <a:rPr lang="en-US" dirty="0">
+              <a:rPr lang="en-GB">
                 <a:solidFill>
                   <a:srgbClr val="000000"/>
                 </a:solidFill>
@@ -4079,25 +3800,36 @@
           </a:p>
           <a:p>
             <a:r>
-              <a:rPr lang="en-US" dirty="0">
+              <a:rPr lang="en-GB">
                 <a:solidFill>
                   <a:srgbClr val="0E6E35"/>
                 </a:solidFill>
                 <a:latin typeface="Courier" pitchFamily="2" charset="0"/>
               </a:rPr>
-              <a:t>    </a:t>
-            </a:r>
-            <a:r>
-              <a:rPr lang="en-US" dirty="0" err="1">
+              <a:t>    namelist_changes</a:t>
+            </a:r>
+            <a:r>
+              <a:rPr lang="en-GB">
+                <a:solidFill>
+                  <a:srgbClr val="000000"/>
+                </a:solidFill>
+                <a:latin typeface="Courier" pitchFamily="2" charset="0"/>
+              </a:rPr>
+              <a:t>:</a:t>
+            </a:r>
+          </a:p>
+          <a:p>
+            <a:r>
+              <a:rPr lang="en-GB">
                 <a:solidFill>
                   <a:srgbClr val="0E6E35"/>
                 </a:solidFill>
                 <a:latin typeface="Courier" pitchFamily="2" charset="0"/>
               </a:rPr>
-              <a:t>namelist_changes</a:t>
-            </a:r>
-            <a:r>
-              <a:rPr lang="en-US" dirty="0">
+              <a:t>        namelist.config</a:t>
+            </a:r>
+            <a:r>
+              <a:rPr lang="en-GB">
                 <a:solidFill>
                   <a:srgbClr val="000000"/>
                 </a:solidFill>
@@ -4108,25 +3840,16 @@
           </a:p>
           <a:p>
             <a:r>
-              <a:rPr lang="en-US" dirty="0">
+              <a:rPr lang="en-GB">
                 <a:solidFill>
                   <a:srgbClr val="0E6E35"/>
                 </a:solidFill>
                 <a:latin typeface="Courier" pitchFamily="2" charset="0"/>
               </a:rPr>
-              <a:t>        </a:t>
-            </a:r>
-            <a:r>
-              <a:rPr lang="en-US" dirty="0" err="1">
-                <a:solidFill>
-                  <a:srgbClr val="0E6E35"/>
-                </a:solidFill>
-                <a:latin typeface="Courier" pitchFamily="2" charset="0"/>
-              </a:rPr>
-              <a:t>namelist.config</a:t>
-            </a:r>
-            <a:r>
-              <a:rPr lang="en-US" dirty="0">
+              <a:t>            paths</a:t>
+            </a:r>
+            <a:r>
+              <a:rPr lang="en-GB">
                 <a:solidFill>
                   <a:srgbClr val="000000"/>
                 </a:solidFill>
@@ -4137,45 +3860,16 @@
           </a:p>
           <a:p>
             <a:r>
-              <a:rPr lang="en-US" dirty="0">
-                <a:solidFill>
-                  <a:srgbClr val="0E6E35"/>
-                </a:solidFill>
-                <a:latin typeface="Courier" pitchFamily="2" charset="0"/>
-              </a:rPr>
-              <a:t>            paths</a:t>
-            </a:r>
-            <a:r>
-              <a:rPr lang="en-US" dirty="0">
-                <a:solidFill>
-                  <a:srgbClr val="000000"/>
-                </a:solidFill>
-                <a:latin typeface="Courier" pitchFamily="2" charset="0"/>
-              </a:rPr>
-              <a:t>:</a:t>
-            </a:r>
-          </a:p>
-          <a:p>
-            <a:r>
-              <a:rPr lang="en-US" dirty="0">
+              <a:rPr lang="en-GB">
                 <a:solidFill>
                   <a:srgbClr val="0F7001"/>
                 </a:solidFill>
                 <a:latin typeface="Courier" pitchFamily="2" charset="0"/>
               </a:rPr>
-              <a:t>                </a:t>
-            </a:r>
-            <a:r>
-              <a:rPr lang="en-US" dirty="0" err="1">
-                <a:solidFill>
-                  <a:srgbClr val="0F7001"/>
-                </a:solidFill>
-                <a:latin typeface="Courier" pitchFamily="2" charset="0"/>
-              </a:rPr>
-              <a:t>ClimateDataPath</a:t>
-            </a:r>
-            <a:r>
-              <a:rPr lang="en-US" b="1" dirty="0">
+              <a:t>                ClimateDataPath</a:t>
+            </a:r>
+            <a:r>
+              <a:rPr lang="en-GB" b="1">
                 <a:solidFill>
                   <a:srgbClr val="921A20"/>
                 </a:solidFill>
@@ -4184,33 +3878,15 @@
               <a:t>: </a:t>
             </a:r>
             <a:r>
-              <a:rPr lang="en-US" dirty="0">
+              <a:rPr lang="en-GB">
                 <a:solidFill>
                   <a:srgbClr val="C100C4"/>
                 </a:solidFill>
                 <a:latin typeface="Courier" pitchFamily="2" charset="0"/>
               </a:rPr>
-              <a:t>"/work/ab0995/a270152/fesom2/input/</a:t>
-            </a:r>
-            <a:r>
-              <a:rPr lang="en-US" dirty="0" err="1">
-                <a:solidFill>
-                  <a:srgbClr val="C100C4"/>
-                </a:solidFill>
-                <a:latin typeface="Courier" pitchFamily="2" charset="0"/>
-              </a:rPr>
-              <a:t>init</a:t>
-            </a:r>
-            <a:r>
-              <a:rPr lang="en-US" dirty="0">
-                <a:solidFill>
-                  <a:srgbClr val="C100C4"/>
-                </a:solidFill>
-                <a:latin typeface="Courier" pitchFamily="2" charset="0"/>
-              </a:rPr>
-              <a:t>/"</a:t>
-            </a:r>
-            <a:endParaRPr lang="en-US" dirty="0"/>
+              <a:t>"/work/ab0995/a270152/fesom2/input/init/"</a:t>
+            </a:r>
+            <a:endParaRPr lang="en-GB"/>
           </a:p>
         </p:txBody>
       </p:sp>
@@ -4250,10 +3926,10 @@
           <a:lstStyle/>
           <a:p>
             <a:r>
-              <a:rPr lang="en-GB" sz="2400" b="1" dirty="0" err="1"/>
+              <a:rPr lang="en-GB" sz="2400" b="1"/>
               <a:t>namelist.config</a:t>
             </a:r>
-            <a:endParaRPr lang="en-US" sz="2400" dirty="0">
+            <a:endParaRPr lang="en-GB" sz="2400">
               <a:solidFill>
                 <a:srgbClr val="0E6E35"/>
               </a:solidFill>
@@ -4262,67 +3938,35 @@
           </a:p>
           <a:p>
             <a:r>
-              <a:rPr lang="en-US" dirty="0"/>
+              <a:rPr lang="en-GB"/>
               <a:t>&amp;paths</a:t>
             </a:r>
           </a:p>
           <a:p>
             <a:r>
-              <a:rPr lang="en-US" dirty="0" err="1"/>
-              <a:t>MeshPath</a:t>
-            </a:r>
-            <a:r>
-              <a:rPr lang="en-US" dirty="0"/>
-              <a:t>='/work/ollie/projects/</a:t>
-            </a:r>
-            <a:r>
-              <a:rPr lang="en-US" dirty="0" err="1"/>
-              <a:t>clidyn</a:t>
-            </a:r>
-            <a:r>
-              <a:rPr lang="en-US" dirty="0"/>
-              <a:t>/FESOM2/meshes/core2/'</a:t>
-            </a:r>
-          </a:p>
-          <a:p>
-            <a:r>
-              <a:rPr lang="en-US" b="1" dirty="0" err="1"/>
+              <a:rPr lang="en-GB"/>
+              <a:t>MeshPath='/work/ollie/projects/clidyn/FESOM2/meshes/core2/'</a:t>
+            </a:r>
+          </a:p>
+          <a:p>
+            <a:r>
+              <a:rPr lang="en-GB" b="1"/>
               <a:t>ClimateDataPath</a:t>
             </a:r>
             <a:r>
-              <a:rPr lang="en-US" dirty="0"/>
-              <a:t>='/work/ollie/projects/</a:t>
-            </a:r>
-            <a:r>
-              <a:rPr lang="en-US" dirty="0" err="1"/>
-              <a:t>clidyn</a:t>
-            </a:r>
-            <a:r>
-              <a:rPr lang="en-US" dirty="0"/>
-              <a:t>/FESOM2/hydrography/phc3.0/'</a:t>
-            </a:r>
-          </a:p>
-          <a:p>
-            <a:r>
-              <a:rPr lang="en-US" dirty="0" err="1"/>
-              <a:t>ResultPath</a:t>
-            </a:r>
-            <a:r>
-              <a:rPr lang="en-US" dirty="0"/>
-              <a:t>='../</a:t>
-            </a:r>
-            <a:r>
-              <a:rPr lang="en-US" dirty="0" err="1"/>
-              <a:t>result_tmp</a:t>
-            </a:r>
-            <a:r>
-              <a:rPr lang="en-US" dirty="0"/>
-              <a:t>/'</a:t>
-            </a:r>
-          </a:p>
-          <a:p>
-            <a:r>
-              <a:rPr lang="en-US" dirty="0"/>
+              <a:rPr lang="en-GB"/>
+              <a:t>='/work/ollie/projects/clidyn/FESOM2/hydrography/phc3.0/'</a:t>
+            </a:r>
+          </a:p>
+          <a:p>
+            <a:r>
+              <a:rPr lang="en-GB"/>
+              <a:t>ResultPath='../result_tmp/'</a:t>
+            </a:r>
+          </a:p>
+          <a:p>
+            <a:r>
+              <a:rPr lang="en-GB"/>
               <a:t>/</a:t>
             </a:r>
           </a:p>
@@ -4376,7 +4020,7 @@
           <a:lstStyle/>
           <a:p>
             <a:pPr algn="ctr"/>
-            <a:endParaRPr lang="tr-TR"/>
+            <a:endParaRPr lang="en-GB"/>
           </a:p>
         </p:txBody>
       </p:sp>
@@ -4452,10 +4096,9 @@
           <a:lstStyle/>
           <a:p>
             <a:r>
-              <a:rPr lang="tr-TR" sz="4800" b="1" dirty="0" err="1"/>
+              <a:rPr lang="en-GB" sz="4800" b="1"/>
               <a:t>namelist_changes</a:t>
             </a:r>
-            <a:endParaRPr lang="tr-TR" sz="4800" b="1" dirty="0"/>
           </a:p>
         </p:txBody>
       </p:sp>
@@ -4501,7 +4144,7 @@
           <a:lstStyle/>
           <a:p>
             <a:pPr algn="ctr"/>
-            <a:endParaRPr lang="tr-TR"/>
+            <a:endParaRPr lang="en-GB"/>
           </a:p>
         </p:txBody>
       </p:sp>
@@ -4531,18 +4174,9 @@
           <a:lstStyle/>
           <a:p>
             <a:r>
-              <a:rPr lang="tr-TR" sz="2400" b="1" dirty="0" err="1"/>
-              <a:t>Use</a:t>
-            </a:r>
-            <a:r>
-              <a:rPr lang="tr-TR" sz="2400" b="1" dirty="0"/>
-              <a:t> </a:t>
-            </a:r>
-            <a:r>
-              <a:rPr lang="tr-TR" sz="2400" b="1" dirty="0" err="1"/>
-              <a:t>cases</a:t>
-            </a:r>
-            <a:endParaRPr lang="tr-TR" sz="2400" b="1" dirty="0"/>
+              <a:rPr lang="en-GB" sz="2400" b="1"/>
+              <a:t>Use cases</a:t>
+            </a:r>
           </a:p>
           <a:p>
             <a:pPr marL="342900" indent="-342900">
@@ -4550,47 +4184,19 @@
               <a:buChar char="•"/>
             </a:pPr>
             <a:r>
-              <a:rPr lang="tr-TR" sz="2400" dirty="0" err="1"/>
-              <a:t>In</a:t>
-            </a:r>
-            <a:r>
-              <a:rPr lang="tr-TR" sz="2400" dirty="0"/>
-              <a:t> </a:t>
-            </a:r>
-            <a:r>
-              <a:rPr lang="tr-TR" sz="2400" dirty="0" err="1"/>
-              <a:t>the</a:t>
-            </a:r>
-            <a:r>
-              <a:rPr lang="tr-TR" sz="2400" dirty="0"/>
-              <a:t> </a:t>
-            </a:r>
-            <a:r>
-              <a:rPr lang="tr-TR" sz="2400" dirty="0" err="1">
+              <a:rPr lang="en-GB" sz="2400"/>
+              <a:t>In the </a:t>
+            </a:r>
+            <a:r>
+              <a:rPr lang="en-GB" sz="2400">
                 <a:solidFill>
                   <a:schemeClr val="accent2"/>
                 </a:solidFill>
               </a:rPr>
-              <a:t>configuration</a:t>
-            </a:r>
-            <a:r>
-              <a:rPr lang="tr-TR" sz="2400" dirty="0">
-                <a:solidFill>
-                  <a:schemeClr val="accent2"/>
-                </a:solidFill>
-              </a:rPr>
-              <a:t> </a:t>
-            </a:r>
-            <a:r>
-              <a:rPr lang="tr-TR" sz="2400" dirty="0" err="1">
-                <a:solidFill>
-                  <a:schemeClr val="accent2"/>
-                </a:solidFill>
-              </a:rPr>
-              <a:t>files</a:t>
-            </a:r>
-            <a:r>
-              <a:rPr lang="tr-TR" sz="2400" dirty="0"/>
+              <a:t>configuration files</a:t>
+            </a:r>
+            <a:r>
+              <a:rPr lang="en-GB" sz="2400"/>
               <a:t>:</a:t>
             </a:r>
           </a:p>
@@ -4600,119 +4206,31 @@
               <a:buChar char="o"/>
             </a:pPr>
             <a:r>
-              <a:rPr lang="tr-TR" sz="2400" dirty="0"/>
-              <a:t>Define </a:t>
-            </a:r>
-            <a:r>
-              <a:rPr lang="tr-TR" sz="2400" dirty="0" err="1"/>
-              <a:t>the</a:t>
-            </a:r>
-            <a:r>
-              <a:rPr lang="tr-TR" sz="2400" dirty="0"/>
-              <a:t> </a:t>
-            </a:r>
-            <a:r>
-              <a:rPr lang="tr-TR" sz="2400" dirty="0" err="1"/>
-              <a:t>yaml</a:t>
-            </a:r>
-            <a:r>
-              <a:rPr lang="tr-TR" sz="2400" dirty="0"/>
-              <a:t> </a:t>
-            </a:r>
-            <a:r>
-              <a:rPr lang="tr-TR" sz="2400" dirty="0" err="1"/>
-              <a:t>variables</a:t>
-            </a:r>
-            <a:r>
-              <a:rPr lang="tr-TR" sz="2400" dirty="0"/>
-              <a:t> </a:t>
-            </a:r>
-            <a:r>
-              <a:rPr lang="tr-TR" sz="2400" dirty="0" err="1"/>
-              <a:t>through</a:t>
-            </a:r>
-            <a:r>
-              <a:rPr lang="tr-TR" sz="2400" dirty="0"/>
-              <a:t> </a:t>
-            </a:r>
-            <a:r>
-              <a:rPr lang="tr-TR" sz="2400" dirty="0" err="1"/>
-              <a:t>the</a:t>
-            </a:r>
-            <a:r>
-              <a:rPr lang="tr-TR" sz="2400" dirty="0"/>
-              <a:t> ESM-Tools </a:t>
-            </a:r>
-            <a:r>
-              <a:rPr lang="tr-TR" sz="2400" dirty="0" err="1"/>
-              <a:t>extended-syntax</a:t>
-            </a:r>
-            <a:r>
-              <a:rPr lang="tr-TR" sz="2400" dirty="0"/>
-              <a:t> (</a:t>
-            </a:r>
-            <a:r>
-              <a:rPr lang="tr-TR" sz="2400" dirty="0" err="1"/>
-              <a:t>i.e</a:t>
-            </a:r>
-            <a:r>
-              <a:rPr lang="tr-TR" sz="2400" dirty="0"/>
-              <a:t>. </a:t>
-            </a:r>
-            <a:r>
-              <a:rPr lang="tr-TR" sz="2400" dirty="0" err="1">
+              <a:rPr lang="en-GB" sz="2400"/>
+              <a:t>Define the yaml variables through the ESM-Tools extended-syntax (i.e. </a:t>
+            </a:r>
+            <a:r>
+              <a:rPr lang="en-GB" sz="2400">
                 <a:solidFill>
                   <a:schemeClr val="accent2"/>
                 </a:solidFill>
               </a:rPr>
-              <a:t>choose</a:t>
-            </a:r>
-            <a:r>
-              <a:rPr lang="tr-TR" sz="2400" dirty="0">
+              <a:t>choose_ blocks</a:t>
+            </a:r>
+            <a:r>
+              <a:rPr lang="en-GB" sz="2400"/>
+              <a:t>, </a:t>
+            </a:r>
+            <a:r>
+              <a:rPr lang="en-GB" sz="2400">
                 <a:solidFill>
                   <a:schemeClr val="accent2"/>
                 </a:solidFill>
               </a:rPr>
-              <a:t>_ </a:t>
-            </a:r>
-            <a:r>
-              <a:rPr lang="tr-TR" sz="2400" dirty="0" err="1">
-                <a:solidFill>
-                  <a:schemeClr val="accent2"/>
-                </a:solidFill>
-              </a:rPr>
-              <a:t>blocks</a:t>
-            </a:r>
-            <a:r>
-              <a:rPr lang="tr-TR" sz="2400" dirty="0"/>
-              <a:t>, </a:t>
-            </a:r>
-            <a:r>
-              <a:rPr lang="tr-TR" sz="2400" dirty="0" err="1">
-                <a:solidFill>
-                  <a:schemeClr val="accent2"/>
-                </a:solidFill>
-              </a:rPr>
-              <a:t>variable</a:t>
-            </a:r>
-            <a:r>
-              <a:rPr lang="tr-TR" sz="2400" dirty="0">
-                <a:solidFill>
-                  <a:schemeClr val="accent2"/>
-                </a:solidFill>
-              </a:rPr>
-              <a:t> </a:t>
-            </a:r>
-            <a:r>
-              <a:rPr lang="tr-TR" sz="2400" dirty="0" err="1">
-                <a:solidFill>
-                  <a:schemeClr val="accent2"/>
-                </a:solidFill>
-              </a:rPr>
-              <a:t>calls</a:t>
-            </a:r>
-            <a:r>
-              <a:rPr lang="tr-TR" sz="2400" dirty="0"/>
+              <a:t>variable calls</a:t>
+            </a:r>
+            <a:r>
+              <a:rPr lang="en-GB" sz="2400"/>
               <a:t>, …)</a:t>
             </a:r>
           </a:p>
@@ -4722,98 +4240,24 @@
               <a:buChar char="o"/>
             </a:pPr>
             <a:r>
-              <a:rPr lang="tr-TR" sz="2400" dirty="0" err="1"/>
-              <a:t>Use</a:t>
-            </a:r>
-            <a:r>
-              <a:rPr lang="tr-TR" sz="2400" dirty="0"/>
-              <a:t> </a:t>
-            </a:r>
-            <a:r>
-              <a:rPr lang="tr-TR" sz="2400" dirty="0" err="1"/>
-              <a:t>those</a:t>
-            </a:r>
-            <a:r>
-              <a:rPr lang="tr-TR" sz="2400" dirty="0"/>
-              <a:t> </a:t>
-            </a:r>
-            <a:r>
-              <a:rPr lang="tr-TR" sz="2400" dirty="0" err="1"/>
-              <a:t>variables</a:t>
-            </a:r>
-            <a:r>
-              <a:rPr lang="tr-TR" sz="2400" dirty="0"/>
-              <a:t> </a:t>
-            </a:r>
-            <a:r>
-              <a:rPr lang="tr-TR" sz="2400" dirty="0" err="1"/>
-              <a:t>to</a:t>
-            </a:r>
-            <a:r>
-              <a:rPr lang="tr-TR" sz="2400" dirty="0"/>
-              <a:t> </a:t>
-            </a:r>
-            <a:r>
-              <a:rPr lang="tr-TR" sz="2400" dirty="0" err="1"/>
-              <a:t>make</a:t>
-            </a:r>
-            <a:r>
-              <a:rPr lang="tr-TR" sz="2400" dirty="0"/>
-              <a:t> </a:t>
-            </a:r>
-            <a:r>
-              <a:rPr lang="tr-TR" sz="2400" dirty="0" err="1"/>
-              <a:t>automatic</a:t>
-            </a:r>
-            <a:r>
-              <a:rPr lang="tr-TR" sz="2400" dirty="0"/>
-              <a:t> </a:t>
-            </a:r>
-            <a:r>
-              <a:rPr lang="tr-TR" sz="2400" dirty="0" err="1"/>
-              <a:t>changes</a:t>
-            </a:r>
-            <a:r>
-              <a:rPr lang="tr-TR" sz="2400" dirty="0"/>
-              <a:t> </a:t>
-            </a:r>
-            <a:r>
-              <a:rPr lang="tr-TR" sz="2400" dirty="0" err="1"/>
-              <a:t>into</a:t>
-            </a:r>
-            <a:r>
-              <a:rPr lang="tr-TR" sz="2400" dirty="0"/>
-              <a:t> </a:t>
-            </a:r>
-            <a:r>
-              <a:rPr lang="tr-TR" sz="2400" dirty="0" err="1"/>
-              <a:t>the</a:t>
-            </a:r>
-            <a:r>
-              <a:rPr lang="tr-TR" sz="2400" dirty="0"/>
-              <a:t> </a:t>
-            </a:r>
-            <a:r>
-              <a:rPr lang="tr-TR" sz="2400" dirty="0" err="1"/>
-              <a:t>namelists</a:t>
-            </a:r>
-            <a:endParaRPr lang="tr-TR" sz="2400" dirty="0"/>
-          </a:p>
-          <a:p>
-            <a:endParaRPr lang="tr-TR" sz="2400" dirty="0"/>
-          </a:p>
-          <a:p>
-            <a:r>
-              <a:rPr lang="tr-TR" sz="2400" b="1" dirty="0" err="1"/>
+              <a:rPr lang="en-GB" sz="2400"/>
+              <a:t>Use those variables to make automatic changes into the namelists</a:t>
+            </a:r>
+          </a:p>
+          <a:p>
+            <a:endParaRPr lang="en-GB" sz="2400"/>
+          </a:p>
+          <a:p>
+            <a:r>
+              <a:rPr lang="en-GB" sz="2400" b="1"/>
               <a:t>Example</a:t>
             </a:r>
-            <a:endParaRPr lang="tr-TR" sz="2400" b="1" dirty="0"/>
-          </a:p>
-          <a:p>
-            <a:endParaRPr lang="tr-TR" sz="2400" b="1" dirty="0"/>
-          </a:p>
-          <a:p>
-            <a:endParaRPr lang="tr-TR" sz="2400" dirty="0"/>
+          </a:p>
+          <a:p>
+            <a:endParaRPr lang="en-GB" sz="2400" b="1"/>
+          </a:p>
+          <a:p>
+            <a:endParaRPr lang="en-GB" sz="2400"/>
           </a:p>
         </p:txBody>
       </p:sp>
@@ -4865,7 +4309,7 @@
           <a:lstStyle/>
           <a:p>
             <a:pPr algn="ctr"/>
-            <a:endParaRPr lang="tr-TR"/>
+            <a:endParaRPr lang="en-GB"/>
           </a:p>
         </p:txBody>
       </p:sp>
@@ -4902,10 +4346,10 @@
           <a:lstStyle/>
           <a:p>
             <a:r>
-              <a:rPr lang="en-GB" b="1" dirty="0"/>
+              <a:rPr lang="en-GB" b="1"/>
               <a:t>fesom-2.1.yaml</a:t>
             </a:r>
-            <a:endParaRPr lang="en-US" dirty="0">
+            <a:endParaRPr lang="en-GB">
               <a:solidFill>
                 <a:srgbClr val="0E6E35"/>
               </a:solidFill>
@@ -4914,7 +4358,7 @@
           </a:p>
           <a:p>
             <a:r>
-              <a:rPr lang="en-US" sz="1200" dirty="0" err="1">
+              <a:rPr lang="en-GB" sz="1200">
                 <a:solidFill>
                   <a:srgbClr val="0E6E35"/>
                 </a:solidFill>
@@ -4923,7 +4367,7 @@
               <a:t>namelist_changes</a:t>
             </a:r>
             <a:r>
-              <a:rPr lang="en-US" sz="1200" dirty="0">
+              <a:rPr lang="en-GB" sz="1200">
                 <a:solidFill>
                   <a:srgbClr val="000000"/>
                 </a:solidFill>
@@ -4934,25 +4378,36 @@
           </a:p>
           <a:p>
             <a:r>
-              <a:rPr lang="en-US" sz="1200" dirty="0">
+              <a:rPr lang="en-GB" sz="1200">
                 <a:solidFill>
                   <a:srgbClr val="0E6E35"/>
                 </a:solidFill>
                 <a:latin typeface="Courier" pitchFamily="2" charset="0"/>
               </a:rPr>
-              <a:t>        </a:t>
-            </a:r>
-            <a:r>
-              <a:rPr lang="en-US" sz="1200" dirty="0" err="1">
+              <a:t>        namelist.config</a:t>
+            </a:r>
+            <a:r>
+              <a:rPr lang="en-GB" sz="1200">
+                <a:solidFill>
+                  <a:srgbClr val="000000"/>
+                </a:solidFill>
+                <a:latin typeface="Courier" pitchFamily="2" charset="0"/>
+              </a:rPr>
+              <a:t>:</a:t>
+            </a:r>
+          </a:p>
+          <a:p>
+            <a:r>
+              <a:rPr lang="en-GB" sz="1200">
                 <a:solidFill>
                   <a:srgbClr val="0E6E35"/>
                 </a:solidFill>
                 <a:latin typeface="Courier" pitchFamily="2" charset="0"/>
               </a:rPr>
-              <a:t>namelist.config</a:t>
-            </a:r>
-            <a:r>
-              <a:rPr lang="en-US" sz="1200" dirty="0">
+              <a:t>                clockinit</a:t>
+            </a:r>
+            <a:r>
+              <a:rPr lang="en-GB" sz="1200">
                 <a:solidFill>
                   <a:srgbClr val="000000"/>
                 </a:solidFill>
@@ -4963,25 +4418,123 @@
           </a:p>
           <a:p>
             <a:r>
-              <a:rPr lang="en-US" sz="1200" dirty="0">
+              <a:rPr lang="en-GB" sz="1200">
+                <a:solidFill>
+                  <a:srgbClr val="0F7001"/>
+                </a:solidFill>
+                <a:latin typeface="Courier" pitchFamily="2" charset="0"/>
+              </a:rPr>
+              <a:t>                        daynew</a:t>
+            </a:r>
+            <a:r>
+              <a:rPr lang="en-GB" sz="1200" b="1">
+                <a:solidFill>
+                  <a:srgbClr val="921A20"/>
+                </a:solidFill>
+                <a:latin typeface="Courier-Bold" pitchFamily="2" charset="0"/>
+              </a:rPr>
+              <a:t>: </a:t>
+            </a:r>
+            <a:r>
+              <a:rPr lang="en-GB" sz="1200">
+                <a:solidFill>
+                  <a:srgbClr val="C100C4"/>
+                </a:solidFill>
+                <a:latin typeface="Courier" pitchFamily="2" charset="0"/>
+              </a:rPr>
+              <a:t>"${daynew}”</a:t>
+            </a:r>
+          </a:p>
+          <a:p>
+            <a:r>
+              <a:rPr lang="en-GB" sz="1200">
+                <a:solidFill>
+                  <a:srgbClr val="0F7001"/>
+                </a:solidFill>
+                <a:latin typeface="Courier" pitchFamily="2" charset="0"/>
+              </a:rPr>
+              <a:t>                        yearnew</a:t>
+            </a:r>
+            <a:r>
+              <a:rPr lang="en-GB" sz="1200" b="1">
+                <a:solidFill>
+                  <a:srgbClr val="921A20"/>
+                </a:solidFill>
+                <a:latin typeface="Courier-Bold" pitchFamily="2" charset="0"/>
+              </a:rPr>
+              <a:t>: </a:t>
+            </a:r>
+            <a:r>
+              <a:rPr lang="en-GB" sz="1200">
+                <a:solidFill>
+                  <a:srgbClr val="C100C4"/>
+                </a:solidFill>
+                <a:latin typeface="Courier" pitchFamily="2" charset="0"/>
+              </a:rPr>
+              <a:t>"${yearnew}”</a:t>
+            </a:r>
+          </a:p>
+          <a:p>
+            <a:r>
+              <a:rPr lang="en-GB" sz="1200">
                 <a:solidFill>
                   <a:srgbClr val="0E6E35"/>
                 </a:solidFill>
                 <a:latin typeface="Courier" pitchFamily="2" charset="0"/>
               </a:rPr>
-              <a:t>                </a:t>
-            </a:r>
-            <a:r>
-              <a:rPr lang="en-US" sz="1200" dirty="0" err="1">
+              <a:t>                calendar</a:t>
+            </a:r>
+            <a:r>
+              <a:rPr lang="en-GB" sz="1200">
+                <a:solidFill>
+                  <a:srgbClr val="000000"/>
+                </a:solidFill>
+                <a:latin typeface="Courier" pitchFamily="2" charset="0"/>
+              </a:rPr>
+              <a:t>:</a:t>
+            </a:r>
+          </a:p>
+          <a:p>
+            <a:r>
+              <a:rPr lang="en-GB" sz="1200">
+                <a:solidFill>
+                  <a:srgbClr val="0F7001"/>
+                </a:solidFill>
+                <a:latin typeface="Courier" pitchFamily="2" charset="0"/>
+              </a:rPr>
+              <a:t>                        include_fleapyear</a:t>
+            </a:r>
+            <a:r>
+              <a:rPr lang="en-GB" sz="1200" b="1">
+                <a:solidFill>
+                  <a:srgbClr val="921A20"/>
+                </a:solidFill>
+                <a:latin typeface="Courier-Bold" pitchFamily="2" charset="0"/>
+              </a:rPr>
+              <a:t>: </a:t>
+            </a:r>
+            <a:r>
+              <a:rPr lang="en-GB" sz="1200">
+                <a:solidFill>
+                  <a:srgbClr val="C100C4"/>
+                </a:solidFill>
+                <a:latin typeface="Courier" pitchFamily="2" charset="0"/>
+              </a:rPr>
+              <a:t>"${leapyear}”</a:t>
+            </a:r>
+          </a:p>
+          <a:p>
+            <a:r>
+              <a:rPr lang="en-GB" sz="1200">
                 <a:solidFill>
                   <a:srgbClr val="0E6E35"/>
                 </a:solidFill>
                 <a:latin typeface="Courier" pitchFamily="2" charset="0"/>
               </a:rPr>
-              <a:t>clockinit</a:t>
-            </a:r>
-            <a:r>
-              <a:rPr lang="en-US" sz="1200" dirty="0">
+              <a:t>                paths</a:t>
+            </a:r>
+            <a:r>
+              <a:rPr lang="en-GB" sz="1200">
                 <a:solidFill>
                   <a:srgbClr val="000000"/>
                 </a:solidFill>
@@ -4992,25 +4545,45 @@
           </a:p>
           <a:p>
             <a:r>
-              <a:rPr lang="en-US" sz="1200" dirty="0">
+              <a:rPr lang="en-GB" sz="1200">
                 <a:solidFill>
                   <a:srgbClr val="0F7001"/>
                 </a:solidFill>
                 <a:latin typeface="Courier" pitchFamily="2" charset="0"/>
               </a:rPr>
-              <a:t>                        </a:t>
-            </a:r>
-            <a:r>
-              <a:rPr lang="en-US" sz="1200" dirty="0" err="1">
+              <a:t>                        MeshPath</a:t>
+            </a:r>
+            <a:r>
+              <a:rPr lang="en-GB" sz="1200" b="1">
+                <a:solidFill>
+                  <a:srgbClr val="921A20"/>
+                </a:solidFill>
+                <a:latin typeface="Courier-Bold" pitchFamily="2" charset="0"/>
+              </a:rPr>
+              <a:t>: </a:t>
+            </a:r>
+            <a:r>
+              <a:rPr lang="en-GB" sz="1200">
+                <a:solidFill>
+                  <a:srgbClr val="C100C4"/>
+                </a:solidFill>
+                <a:latin typeface="Courier" pitchFamily="2" charset="0"/>
+              </a:rPr>
+              <a:t>"${mesh_dir}”</a:t>
+            </a:r>
+          </a:p>
+          <a:p>
+            <a:r>
+              <a:rPr lang="en-GB" sz="1200" b="1">
                 <a:solidFill>
                   <a:srgbClr val="0F7001"/>
                 </a:solidFill>
                 <a:latin typeface="Courier" pitchFamily="2" charset="0"/>
               </a:rPr>
-              <a:t>daynew</a:t>
-            </a:r>
-            <a:r>
-              <a:rPr lang="en-US" sz="1200" b="1" dirty="0">
+              <a:t>                        ClimateDataPath</a:t>
+            </a:r>
+            <a:r>
+              <a:rPr lang="en-GB" sz="1200" b="1">
                 <a:solidFill>
                   <a:srgbClr val="921A20"/>
                 </a:solidFill>
@@ -5019,54 +4592,134 @@
               <a:t>: </a:t>
             </a:r>
             <a:r>
-              <a:rPr lang="en-US" sz="1200" dirty="0">
+              <a:rPr lang="en-GB" sz="1200" b="1">
                 <a:solidFill>
                   <a:srgbClr val="C100C4"/>
                 </a:solidFill>
                 <a:latin typeface="Courier" pitchFamily="2" charset="0"/>
               </a:rPr>
-              <a:t>"${</a:t>
-            </a:r>
-            <a:r>
-              <a:rPr lang="en-US" sz="1200" dirty="0" err="1">
+              <a:t>"${climate_data_dir}”</a:t>
+            </a:r>
+          </a:p>
+          <a:p>
+            <a:r>
+              <a:rPr lang="en-GB" sz="1200">
+                <a:solidFill>
+                  <a:srgbClr val="0F7001"/>
+                </a:solidFill>
+                <a:latin typeface="Courier" pitchFamily="2" charset="0"/>
+              </a:rPr>
+              <a:t>                        ResultPath</a:t>
+            </a:r>
+            <a:r>
+              <a:rPr lang="en-GB" sz="1200" b="1">
+                <a:solidFill>
+                  <a:srgbClr val="921A20"/>
+                </a:solidFill>
+                <a:latin typeface="Courier-Bold" pitchFamily="2" charset="0"/>
+              </a:rPr>
+              <a:t>: </a:t>
+            </a:r>
+            <a:r>
+              <a:rPr lang="en-GB" sz="1200">
                 <a:solidFill>
                   <a:srgbClr val="C100C4"/>
                 </a:solidFill>
                 <a:latin typeface="Courier" pitchFamily="2" charset="0"/>
               </a:rPr>
-              <a:t>daynew</a:t>
-            </a:r>
-            <a:r>
-              <a:rPr lang="en-US" sz="1200" dirty="0">
+              <a:t>"${work_dir}”</a:t>
+            </a:r>
+          </a:p>
+          <a:p>
+            <a:r>
+              <a:rPr lang="en-GB" sz="1200">
+                <a:solidFill>
+                  <a:srgbClr val="0E6E35"/>
+                </a:solidFill>
+                <a:latin typeface="Courier" pitchFamily="2" charset="0"/>
+              </a:rPr>
+              <a:t>                timestep</a:t>
+            </a:r>
+            <a:r>
+              <a:rPr lang="en-GB" sz="1200">
+                <a:solidFill>
+                  <a:srgbClr val="000000"/>
+                </a:solidFill>
+                <a:latin typeface="Courier" pitchFamily="2" charset="0"/>
+              </a:rPr>
+              <a:t>:</a:t>
+            </a:r>
+          </a:p>
+          <a:p>
+            <a:r>
+              <a:rPr lang="en-GB" sz="1200">
+                <a:solidFill>
+                  <a:srgbClr val="0F7001"/>
+                </a:solidFill>
+                <a:latin typeface="Courier" pitchFamily="2" charset="0"/>
+              </a:rPr>
+              <a:t>                        step_per_day</a:t>
+            </a:r>
+            <a:r>
+              <a:rPr lang="en-GB" sz="1200" b="1">
+                <a:solidFill>
+                  <a:srgbClr val="921A20"/>
+                </a:solidFill>
+                <a:latin typeface="Courier-Bold" pitchFamily="2" charset="0"/>
+              </a:rPr>
+              <a:t>: </a:t>
+            </a:r>
+            <a:r>
+              <a:rPr lang="en-GB" sz="1200">
                 <a:solidFill>
                   <a:srgbClr val="C100C4"/>
                 </a:solidFill>
                 <a:latin typeface="Courier" pitchFamily="2" charset="0"/>
               </a:rPr>
-              <a:t>}”</a:t>
-            </a:r>
-          </a:p>
-          <a:p>
-            <a:r>
-              <a:rPr lang="en-US" sz="1200" dirty="0">
+              <a:t>"${steps_per_day}”</a:t>
+            </a:r>
+          </a:p>
+          <a:p>
+            <a:r>
+              <a:rPr lang="en-GB" sz="1200">
                 <a:solidFill>
                   <a:srgbClr val="0F7001"/>
                 </a:solidFill>
                 <a:latin typeface="Courier" pitchFamily="2" charset="0"/>
               </a:rPr>
-              <a:t>                        </a:t>
-            </a:r>
-            <a:r>
-              <a:rPr lang="en-US" sz="1200" dirty="0" err="1">
+              <a:t>                        run_length</a:t>
+            </a:r>
+            <a:r>
+              <a:rPr lang="en-GB" sz="1200" b="1">
+                <a:solidFill>
+                  <a:srgbClr val="921A20"/>
+                </a:solidFill>
+                <a:latin typeface="Courier-Bold" pitchFamily="2" charset="0"/>
+              </a:rPr>
+              <a:t>: </a:t>
+            </a:r>
+            <a:r>
+              <a:rPr lang="en-GB" sz="1200">
+                <a:solidFill>
+                  <a:srgbClr val="C100C4"/>
+                </a:solidFill>
+                <a:latin typeface="Courier" pitchFamily="2" charset="0"/>
+              </a:rPr>
+              <a:t>"${restart_rate}”</a:t>
+            </a:r>
+          </a:p>
+          <a:p>
+            <a:r>
+              <a:rPr lang="en-GB" sz="1200" b="1">
                 <a:solidFill>
                   <a:srgbClr val="0F7001"/>
                 </a:solidFill>
                 <a:latin typeface="Courier" pitchFamily="2" charset="0"/>
               </a:rPr>
-              <a:t>yearnew</a:t>
-            </a:r>
-            <a:r>
-              <a:rPr lang="en-US" sz="1200" b="1" dirty="0">
+              <a:t>                        run_length_unit</a:t>
+            </a:r>
+            <a:r>
+              <a:rPr lang="en-GB" sz="1200" b="1">
                 <a:solidFill>
                   <a:srgbClr val="921A20"/>
                 </a:solidFill>
@@ -5075,485 +4728,15 @@
               <a:t>: </a:t>
             </a:r>
             <a:r>
-              <a:rPr lang="en-US" sz="1200" dirty="0">
+              <a:rPr lang="en-GB" sz="1200" b="1">
                 <a:solidFill>
                   <a:srgbClr val="C100C4"/>
                 </a:solidFill>
                 <a:latin typeface="Courier" pitchFamily="2" charset="0"/>
               </a:rPr>
-              <a:t>"${</a:t>
-            </a:r>
-            <a:r>
-              <a:rPr lang="en-US" sz="1200" dirty="0" err="1">
-                <a:solidFill>
-                  <a:srgbClr val="C100C4"/>
-                </a:solidFill>
-                <a:latin typeface="Courier" pitchFamily="2" charset="0"/>
-              </a:rPr>
-              <a:t>yearnew</a:t>
-            </a:r>
-            <a:r>
-              <a:rPr lang="en-US" sz="1200" dirty="0">
-                <a:solidFill>
-                  <a:srgbClr val="C100C4"/>
-                </a:solidFill>
-                <a:latin typeface="Courier" pitchFamily="2" charset="0"/>
-              </a:rPr>
-              <a:t>}”</a:t>
-            </a:r>
-          </a:p>
-          <a:p>
-            <a:r>
-              <a:rPr lang="en-US" sz="1200" dirty="0">
-                <a:solidFill>
-                  <a:srgbClr val="0E6E35"/>
-                </a:solidFill>
-                <a:latin typeface="Courier" pitchFamily="2" charset="0"/>
-              </a:rPr>
-              <a:t>                calendar</a:t>
-            </a:r>
-            <a:r>
-              <a:rPr lang="en-US" sz="1200" dirty="0">
-                <a:solidFill>
-                  <a:srgbClr val="000000"/>
-                </a:solidFill>
-                <a:latin typeface="Courier" pitchFamily="2" charset="0"/>
-              </a:rPr>
-              <a:t>:</a:t>
-            </a:r>
-          </a:p>
-          <a:p>
-            <a:r>
-              <a:rPr lang="en-US" sz="1200" dirty="0">
-                <a:solidFill>
-                  <a:srgbClr val="0F7001"/>
-                </a:solidFill>
-                <a:latin typeface="Courier" pitchFamily="2" charset="0"/>
-              </a:rPr>
-              <a:t>                        </a:t>
-            </a:r>
-            <a:r>
-              <a:rPr lang="en-US" sz="1200" dirty="0" err="1">
-                <a:solidFill>
-                  <a:srgbClr val="0F7001"/>
-                </a:solidFill>
-                <a:latin typeface="Courier" pitchFamily="2" charset="0"/>
-              </a:rPr>
-              <a:t>include_fleapyear</a:t>
-            </a:r>
-            <a:r>
-              <a:rPr lang="en-US" sz="1200" b="1" dirty="0">
-                <a:solidFill>
-                  <a:srgbClr val="921A20"/>
-                </a:solidFill>
-                <a:latin typeface="Courier-Bold" pitchFamily="2" charset="0"/>
-              </a:rPr>
-              <a:t>: </a:t>
-            </a:r>
-            <a:r>
-              <a:rPr lang="en-US" sz="1200" dirty="0">
-                <a:solidFill>
-                  <a:srgbClr val="C100C4"/>
-                </a:solidFill>
-                <a:latin typeface="Courier" pitchFamily="2" charset="0"/>
-              </a:rPr>
-              <a:t>"${</a:t>
-            </a:r>
-            <a:r>
-              <a:rPr lang="en-US" sz="1200" dirty="0" err="1">
-                <a:solidFill>
-                  <a:srgbClr val="C100C4"/>
-                </a:solidFill>
-                <a:latin typeface="Courier" pitchFamily="2" charset="0"/>
-              </a:rPr>
-              <a:t>leapyear</a:t>
-            </a:r>
-            <a:r>
-              <a:rPr lang="en-US" sz="1200" dirty="0">
-                <a:solidFill>
-                  <a:srgbClr val="C100C4"/>
-                </a:solidFill>
-                <a:latin typeface="Courier" pitchFamily="2" charset="0"/>
-              </a:rPr>
-              <a:t>}”</a:t>
-            </a:r>
-          </a:p>
-          <a:p>
-            <a:r>
-              <a:rPr lang="en-US" sz="1200" dirty="0">
-                <a:solidFill>
-                  <a:srgbClr val="0E6E35"/>
-                </a:solidFill>
-                <a:latin typeface="Courier" pitchFamily="2" charset="0"/>
-              </a:rPr>
-              <a:t>                paths</a:t>
-            </a:r>
-            <a:r>
-              <a:rPr lang="en-US" sz="1200" dirty="0">
-                <a:solidFill>
-                  <a:srgbClr val="000000"/>
-                </a:solidFill>
-                <a:latin typeface="Courier" pitchFamily="2" charset="0"/>
-              </a:rPr>
-              <a:t>:</a:t>
-            </a:r>
-          </a:p>
-          <a:p>
-            <a:r>
-              <a:rPr lang="en-US" sz="1200" dirty="0">
-                <a:solidFill>
-                  <a:srgbClr val="0F7001"/>
-                </a:solidFill>
-                <a:latin typeface="Courier" pitchFamily="2" charset="0"/>
-              </a:rPr>
-              <a:t>                        </a:t>
-            </a:r>
-            <a:r>
-              <a:rPr lang="en-US" sz="1200" dirty="0" err="1">
-                <a:solidFill>
-                  <a:srgbClr val="0F7001"/>
-                </a:solidFill>
-                <a:latin typeface="Courier" pitchFamily="2" charset="0"/>
-              </a:rPr>
-              <a:t>MeshPath</a:t>
-            </a:r>
-            <a:r>
-              <a:rPr lang="en-US" sz="1200" b="1" dirty="0">
-                <a:solidFill>
-                  <a:srgbClr val="921A20"/>
-                </a:solidFill>
-                <a:latin typeface="Courier-Bold" pitchFamily="2" charset="0"/>
-              </a:rPr>
-              <a:t>: </a:t>
-            </a:r>
-            <a:r>
-              <a:rPr lang="en-US" sz="1200" dirty="0">
-                <a:solidFill>
-                  <a:srgbClr val="C100C4"/>
-                </a:solidFill>
-                <a:latin typeface="Courier" pitchFamily="2" charset="0"/>
-              </a:rPr>
-              <a:t>"${</a:t>
-            </a:r>
-            <a:r>
-              <a:rPr lang="en-US" sz="1200" dirty="0" err="1">
-                <a:solidFill>
-                  <a:srgbClr val="C100C4"/>
-                </a:solidFill>
-                <a:latin typeface="Courier" pitchFamily="2" charset="0"/>
-              </a:rPr>
-              <a:t>mesh_dir</a:t>
-            </a:r>
-            <a:r>
-              <a:rPr lang="en-US" sz="1200" dirty="0">
-                <a:solidFill>
-                  <a:srgbClr val="C100C4"/>
-                </a:solidFill>
-                <a:latin typeface="Courier" pitchFamily="2" charset="0"/>
-              </a:rPr>
-              <a:t>}”</a:t>
-            </a:r>
-          </a:p>
-          <a:p>
-            <a:r>
-              <a:rPr lang="en-US" sz="1200" b="1" dirty="0">
-                <a:solidFill>
-                  <a:srgbClr val="0F7001"/>
-                </a:solidFill>
-                <a:latin typeface="Courier" pitchFamily="2" charset="0"/>
-              </a:rPr>
-              <a:t>                        </a:t>
-            </a:r>
-            <a:r>
-              <a:rPr lang="en-US" sz="1200" b="1" dirty="0" err="1">
-                <a:solidFill>
-                  <a:srgbClr val="0F7001"/>
-                </a:solidFill>
-                <a:latin typeface="Courier" pitchFamily="2" charset="0"/>
-              </a:rPr>
-              <a:t>ClimateDataPath</a:t>
-            </a:r>
-            <a:r>
-              <a:rPr lang="en-US" sz="1200" b="1" dirty="0">
-                <a:solidFill>
-                  <a:srgbClr val="921A20"/>
-                </a:solidFill>
-                <a:latin typeface="Courier-Bold" pitchFamily="2" charset="0"/>
-              </a:rPr>
-              <a:t>: </a:t>
-            </a:r>
-            <a:r>
-              <a:rPr lang="en-US" sz="1200" b="1" dirty="0">
-                <a:solidFill>
-                  <a:srgbClr val="C100C4"/>
-                </a:solidFill>
-                <a:latin typeface="Courier" pitchFamily="2" charset="0"/>
-              </a:rPr>
-              <a:t>"${</a:t>
-            </a:r>
-            <a:r>
-              <a:rPr lang="en-US" sz="1200" b="1" dirty="0" err="1">
-                <a:solidFill>
-                  <a:srgbClr val="C100C4"/>
-                </a:solidFill>
-                <a:latin typeface="Courier" pitchFamily="2" charset="0"/>
-              </a:rPr>
-              <a:t>climate_data_dir</a:t>
-            </a:r>
-            <a:r>
-              <a:rPr lang="en-US" sz="1200" b="1" dirty="0">
-                <a:solidFill>
-                  <a:srgbClr val="C100C4"/>
-                </a:solidFill>
-                <a:latin typeface="Courier" pitchFamily="2" charset="0"/>
-              </a:rPr>
-              <a:t>}”</a:t>
-            </a:r>
-          </a:p>
-          <a:p>
-            <a:r>
-              <a:rPr lang="en-US" sz="1200" dirty="0">
-                <a:solidFill>
-                  <a:srgbClr val="0F7001"/>
-                </a:solidFill>
-                <a:latin typeface="Courier" pitchFamily="2" charset="0"/>
-              </a:rPr>
-              <a:t>                        </a:t>
-            </a:r>
-            <a:r>
-              <a:rPr lang="en-US" sz="1200" dirty="0" err="1">
-                <a:solidFill>
-                  <a:srgbClr val="0F7001"/>
-                </a:solidFill>
-                <a:latin typeface="Courier" pitchFamily="2" charset="0"/>
-              </a:rPr>
-              <a:t>ResultPath</a:t>
-            </a:r>
-            <a:r>
-              <a:rPr lang="en-US" sz="1200" b="1" dirty="0">
-                <a:solidFill>
-                  <a:srgbClr val="921A20"/>
-                </a:solidFill>
-                <a:latin typeface="Courier-Bold" pitchFamily="2" charset="0"/>
-              </a:rPr>
-              <a:t>: </a:t>
-            </a:r>
-            <a:r>
-              <a:rPr lang="en-US" sz="1200" dirty="0">
-                <a:solidFill>
-                  <a:srgbClr val="C100C4"/>
-                </a:solidFill>
-                <a:latin typeface="Courier" pitchFamily="2" charset="0"/>
-              </a:rPr>
-              <a:t>"${</a:t>
-            </a:r>
-            <a:r>
-              <a:rPr lang="en-US" sz="1200" dirty="0" err="1">
-                <a:solidFill>
-                  <a:srgbClr val="C100C4"/>
-                </a:solidFill>
-                <a:latin typeface="Courier" pitchFamily="2" charset="0"/>
-              </a:rPr>
-              <a:t>work_dir</a:t>
-            </a:r>
-            <a:r>
-              <a:rPr lang="en-US" sz="1200" dirty="0">
-                <a:solidFill>
-                  <a:srgbClr val="C100C4"/>
-                </a:solidFill>
-                <a:latin typeface="Courier" pitchFamily="2" charset="0"/>
-              </a:rPr>
-              <a:t>}”</a:t>
-            </a:r>
-          </a:p>
-          <a:p>
-            <a:r>
-              <a:rPr lang="en-US" sz="1200" dirty="0">
-                <a:solidFill>
-                  <a:srgbClr val="0E6E35"/>
-                </a:solidFill>
-                <a:latin typeface="Courier" pitchFamily="2" charset="0"/>
-              </a:rPr>
-              <a:t>                timestep</a:t>
-            </a:r>
-            <a:r>
-              <a:rPr lang="en-US" sz="1200" dirty="0">
-                <a:solidFill>
-                  <a:srgbClr val="000000"/>
-                </a:solidFill>
-                <a:latin typeface="Courier" pitchFamily="2" charset="0"/>
-              </a:rPr>
-              <a:t>:</a:t>
-            </a:r>
-          </a:p>
-          <a:p>
-            <a:r>
-              <a:rPr lang="en-US" sz="1200" dirty="0">
-                <a:solidFill>
-                  <a:srgbClr val="0F7001"/>
-                </a:solidFill>
-                <a:latin typeface="Courier" pitchFamily="2" charset="0"/>
-              </a:rPr>
-              <a:t>                        </a:t>
-            </a:r>
-            <a:r>
-              <a:rPr lang="en-US" sz="1200" dirty="0" err="1">
-                <a:solidFill>
-                  <a:srgbClr val="0F7001"/>
-                </a:solidFill>
-                <a:latin typeface="Courier" pitchFamily="2" charset="0"/>
-              </a:rPr>
-              <a:t>step_per_day</a:t>
-            </a:r>
-            <a:r>
-              <a:rPr lang="en-US" sz="1200" b="1" dirty="0">
-                <a:solidFill>
-                  <a:srgbClr val="921A20"/>
-                </a:solidFill>
-                <a:latin typeface="Courier-Bold" pitchFamily="2" charset="0"/>
-              </a:rPr>
-              <a:t>: </a:t>
-            </a:r>
-            <a:r>
-              <a:rPr lang="en-US" sz="1200" dirty="0">
-                <a:solidFill>
-                  <a:srgbClr val="C100C4"/>
-                </a:solidFill>
-                <a:latin typeface="Courier" pitchFamily="2" charset="0"/>
-              </a:rPr>
-              <a:t>"${</a:t>
-            </a:r>
-            <a:r>
-              <a:rPr lang="en-US" sz="1200" dirty="0" err="1">
-                <a:solidFill>
-                  <a:srgbClr val="C100C4"/>
-                </a:solidFill>
-                <a:latin typeface="Courier" pitchFamily="2" charset="0"/>
-              </a:rPr>
-              <a:t>steps_per_day</a:t>
-            </a:r>
-            <a:r>
-              <a:rPr lang="en-US" sz="1200" dirty="0">
-                <a:solidFill>
-                  <a:srgbClr val="C100C4"/>
-                </a:solidFill>
-                <a:latin typeface="Courier" pitchFamily="2" charset="0"/>
-              </a:rPr>
-              <a:t>}”</a:t>
-            </a:r>
-          </a:p>
-          <a:p>
-            <a:r>
-              <a:rPr lang="en-US" sz="1200" dirty="0">
-                <a:solidFill>
-                  <a:srgbClr val="0F7001"/>
-                </a:solidFill>
-                <a:latin typeface="Courier" pitchFamily="2" charset="0"/>
-              </a:rPr>
-              <a:t>                        </a:t>
-            </a:r>
-            <a:r>
-              <a:rPr lang="en-US" sz="1200" dirty="0" err="1">
-                <a:solidFill>
-                  <a:srgbClr val="0F7001"/>
-                </a:solidFill>
-                <a:latin typeface="Courier" pitchFamily="2" charset="0"/>
-              </a:rPr>
-              <a:t>run_length</a:t>
-            </a:r>
-            <a:r>
-              <a:rPr lang="en-US" sz="1200" b="1" dirty="0">
-                <a:solidFill>
-                  <a:srgbClr val="921A20"/>
-                </a:solidFill>
-                <a:latin typeface="Courier-Bold" pitchFamily="2" charset="0"/>
-              </a:rPr>
-              <a:t>: </a:t>
-            </a:r>
-            <a:r>
-              <a:rPr lang="en-US" sz="1200" dirty="0">
-                <a:solidFill>
-                  <a:srgbClr val="C100C4"/>
-                </a:solidFill>
-                <a:latin typeface="Courier" pitchFamily="2" charset="0"/>
-              </a:rPr>
-              <a:t>"${</a:t>
-            </a:r>
-            <a:r>
-              <a:rPr lang="en-US" sz="1200" dirty="0" err="1">
-                <a:solidFill>
-                  <a:srgbClr val="C100C4"/>
-                </a:solidFill>
-                <a:latin typeface="Courier" pitchFamily="2" charset="0"/>
-              </a:rPr>
-              <a:t>restart_rate</a:t>
-            </a:r>
-            <a:r>
-              <a:rPr lang="en-US" sz="1200" dirty="0">
-                <a:solidFill>
-                  <a:srgbClr val="C100C4"/>
-                </a:solidFill>
-                <a:latin typeface="Courier" pitchFamily="2" charset="0"/>
-              </a:rPr>
-              <a:t>}”</a:t>
-            </a:r>
-          </a:p>
-          <a:p>
-            <a:r>
-              <a:rPr lang="en-US" sz="1200" b="1" dirty="0">
-                <a:solidFill>
-                  <a:srgbClr val="0F7001"/>
-                </a:solidFill>
-                <a:latin typeface="Courier" pitchFamily="2" charset="0"/>
-              </a:rPr>
-              <a:t>                        </a:t>
-            </a:r>
-            <a:r>
-              <a:rPr lang="en-US" sz="1200" b="1" dirty="0" err="1">
-                <a:solidFill>
-                  <a:srgbClr val="0F7001"/>
-                </a:solidFill>
-                <a:latin typeface="Courier" pitchFamily="2" charset="0"/>
-              </a:rPr>
-              <a:t>run_length_unit</a:t>
-            </a:r>
-            <a:r>
-              <a:rPr lang="en-US" sz="1200" b="1" dirty="0">
-                <a:solidFill>
-                  <a:srgbClr val="921A20"/>
-                </a:solidFill>
-                <a:latin typeface="Courier-Bold" pitchFamily="2" charset="0"/>
-              </a:rPr>
-              <a:t>: </a:t>
-            </a:r>
-            <a:r>
-              <a:rPr lang="en-US" sz="1200" b="1" dirty="0">
-                <a:solidFill>
-                  <a:srgbClr val="C100C4"/>
-                </a:solidFill>
-                <a:latin typeface="Courier" pitchFamily="2" charset="0"/>
-              </a:rPr>
-              <a:t>"${</a:t>
-            </a:r>
-            <a:r>
-              <a:rPr lang="en-US" sz="1200" b="1" dirty="0" err="1">
-                <a:solidFill>
-                  <a:srgbClr val="C100C4"/>
-                </a:solidFill>
-                <a:latin typeface="Courier" pitchFamily="2" charset="0"/>
-              </a:rPr>
-              <a:t>restart_unit</a:t>
-            </a:r>
-            <a:r>
-              <a:rPr lang="en-US" sz="1200" b="1" dirty="0">
-                <a:solidFill>
-                  <a:srgbClr val="C100C4"/>
-                </a:solidFill>
-                <a:latin typeface="Courier" pitchFamily="2" charset="0"/>
-              </a:rPr>
-              <a:t>}”</a:t>
-            </a:r>
-            <a:endParaRPr lang="en-US" sz="1200" b="1" dirty="0"/>
+              <a:t>"${restart_unit}”</a:t>
+            </a:r>
+            <a:endParaRPr lang="en-GB" sz="1200" b="1"/>
           </a:p>
         </p:txBody>
       </p:sp>
